--- a/doc/model selection and evaluation.pptx
+++ b/doc/model selection and evaluation.pptx
@@ -15,14 +15,13 @@
     <p:sldId id="270" r:id="rId9"/>
     <p:sldId id="271" r:id="rId10"/>
     <p:sldId id="268" r:id="rId11"/>
-    <p:sldId id="272" r:id="rId12"/>
-    <p:sldId id="264" r:id="rId13"/>
-    <p:sldId id="273" r:id="rId14"/>
-    <p:sldId id="274" r:id="rId15"/>
-    <p:sldId id="275" r:id="rId16"/>
-    <p:sldId id="276" r:id="rId17"/>
-    <p:sldId id="265" r:id="rId18"/>
-    <p:sldId id="266" r:id="rId19"/>
+    <p:sldId id="264" r:id="rId12"/>
+    <p:sldId id="273" r:id="rId13"/>
+    <p:sldId id="274" r:id="rId14"/>
+    <p:sldId id="275" r:id="rId15"/>
+    <p:sldId id="276" r:id="rId16"/>
+    <p:sldId id="265" r:id="rId17"/>
+    <p:sldId id="266" r:id="rId18"/>
   </p:sldIdLst>
   <p:sldSz cx="12192000" cy="6858000"/>
   <p:notesSz cx="6858000" cy="9144000"/>
@@ -3232,208 +3231,6 @@
   <p:clrMapOvr>
     <a:masterClrMapping/>
   </p:clrMapOvr>
-  <p:timing>
-    <p:tnLst>
-      <p:par>
-        <p:cTn id="1" dur="indefinite" restart="never" nodeType="tmRoot">
-          <p:childTnLst>
-            <p:seq concurrent="1" nextAc="seek">
-              <p:cTn id="2" dur="indefinite" nodeType="mainSeq">
-                <p:childTnLst>
-                  <p:par>
-                    <p:cTn id="3" fill="hold">
-                      <p:stCondLst>
-                        <p:cond delay="indefinite"/>
-                      </p:stCondLst>
-                      <p:childTnLst>
-                        <p:par>
-                          <p:cTn id="4" fill="hold">
-                            <p:stCondLst>
-                              <p:cond delay="0"/>
-                            </p:stCondLst>
-                            <p:childTnLst>
-                              <p:par>
-                                <p:cTn id="5" presetID="10" presetClass="entr" presetSubtype="0" fill="hold" grpId="0" nodeType="clickEffect">
-                                  <p:stCondLst>
-                                    <p:cond delay="0"/>
-                                  </p:stCondLst>
-                                  <p:childTnLst>
-                                    <p:set>
-                                      <p:cBhvr>
-                                        <p:cTn id="6" dur="1" fill="hold">
-                                          <p:stCondLst>
-                                            <p:cond delay="0"/>
-                                          </p:stCondLst>
-                                        </p:cTn>
-                                        <p:tgtEl>
-                                          <p:spTgt spid="2"/>
-                                        </p:tgtEl>
-                                        <p:attrNameLst>
-                                          <p:attrName>style.visibility</p:attrName>
-                                        </p:attrNameLst>
-                                      </p:cBhvr>
-                                      <p:to>
-                                        <p:strVal val="visible"/>
-                                      </p:to>
-                                    </p:set>
-                                    <p:animEffect transition="in" filter="fade">
-                                      <p:cBhvr>
-                                        <p:cTn id="7" dur="500"/>
-                                        <p:tgtEl>
-                                          <p:spTgt spid="2"/>
-                                        </p:tgtEl>
-                                      </p:cBhvr>
-                                    </p:animEffect>
-                                  </p:childTnLst>
-                                </p:cTn>
-                              </p:par>
-                            </p:childTnLst>
-                          </p:cTn>
-                        </p:par>
-                      </p:childTnLst>
-                    </p:cTn>
-                  </p:par>
-                  <p:par>
-                    <p:cTn id="8" fill="hold">
-                      <p:stCondLst>
-                        <p:cond delay="indefinite"/>
-                      </p:stCondLst>
-                      <p:childTnLst>
-                        <p:par>
-                          <p:cTn id="9" fill="hold">
-                            <p:stCondLst>
-                              <p:cond delay="0"/>
-                            </p:stCondLst>
-                            <p:childTnLst>
-                              <p:par>
-                                <p:cTn id="10" presetID="10" presetClass="entr" presetSubtype="0" fill="hold" grpId="0" nodeType="clickEffect">
-                                  <p:stCondLst>
-                                    <p:cond delay="0"/>
-                                  </p:stCondLst>
-                                  <p:childTnLst>
-                                    <p:set>
-                                      <p:cBhvr>
-                                        <p:cTn id="11" dur="1" fill="hold">
-                                          <p:stCondLst>
-                                            <p:cond delay="0"/>
-                                          </p:stCondLst>
-                                        </p:cTn>
-                                        <p:tgtEl>
-                                          <p:spTgt spid="3">
-                                            <p:txEl>
-                                              <p:pRg st="0" end="0"/>
-                                            </p:txEl>
-                                          </p:spTgt>
-                                        </p:tgtEl>
-                                        <p:attrNameLst>
-                                          <p:attrName>style.visibility</p:attrName>
-                                        </p:attrNameLst>
-                                      </p:cBhvr>
-                                      <p:to>
-                                        <p:strVal val="visible"/>
-                                      </p:to>
-                                    </p:set>
-                                    <p:animEffect transition="in" filter="fade">
-                                      <p:cBhvr>
-                                        <p:cTn id="12" dur="500"/>
-                                        <p:tgtEl>
-                                          <p:spTgt spid="3">
-                                            <p:txEl>
-                                              <p:pRg st="0" end="0"/>
-                                            </p:txEl>
-                                          </p:spTgt>
-                                        </p:tgtEl>
-                                      </p:cBhvr>
-                                    </p:animEffect>
-                                  </p:childTnLst>
-                                </p:cTn>
-                              </p:par>
-                            </p:childTnLst>
-                          </p:cTn>
-                        </p:par>
-                      </p:childTnLst>
-                    </p:cTn>
-                  </p:par>
-                  <p:par>
-                    <p:cTn id="13" fill="hold">
-                      <p:stCondLst>
-                        <p:cond delay="indefinite"/>
-                      </p:stCondLst>
-                      <p:childTnLst>
-                        <p:par>
-                          <p:cTn id="14" fill="hold">
-                            <p:stCondLst>
-                              <p:cond delay="0"/>
-                            </p:stCondLst>
-                            <p:childTnLst>
-                              <p:par>
-                                <p:cTn id="15" presetID="10" presetClass="entr" presetSubtype="0" fill="hold" grpId="0" nodeType="clickEffect">
-                                  <p:stCondLst>
-                                    <p:cond delay="0"/>
-                                  </p:stCondLst>
-                                  <p:childTnLst>
-                                    <p:set>
-                                      <p:cBhvr>
-                                        <p:cTn id="16" dur="1" fill="hold">
-                                          <p:stCondLst>
-                                            <p:cond delay="0"/>
-                                          </p:stCondLst>
-                                        </p:cTn>
-                                        <p:tgtEl>
-                                          <p:spTgt spid="4"/>
-                                        </p:tgtEl>
-                                        <p:attrNameLst>
-                                          <p:attrName>style.visibility</p:attrName>
-                                        </p:attrNameLst>
-                                      </p:cBhvr>
-                                      <p:to>
-                                        <p:strVal val="visible"/>
-                                      </p:to>
-                                    </p:set>
-                                    <p:animEffect transition="in" filter="fade">
-                                      <p:cBhvr>
-                                        <p:cTn id="17" dur="500"/>
-                                        <p:tgtEl>
-                                          <p:spTgt spid="4"/>
-                                        </p:tgtEl>
-                                      </p:cBhvr>
-                                    </p:animEffect>
-                                  </p:childTnLst>
-                                </p:cTn>
-                              </p:par>
-                            </p:childTnLst>
-                          </p:cTn>
-                        </p:par>
-                      </p:childTnLst>
-                    </p:cTn>
-                  </p:par>
-                </p:childTnLst>
-              </p:cTn>
-              <p:prevCondLst>
-                <p:cond evt="onPrev" delay="0">
-                  <p:tgtEl>
-                    <p:sldTgt/>
-                  </p:tgtEl>
-                </p:cond>
-              </p:prevCondLst>
-              <p:nextCondLst>
-                <p:cond evt="onNext" delay="0">
-                  <p:tgtEl>
-                    <p:sldTgt/>
-                  </p:tgtEl>
-                </p:cond>
-              </p:nextCondLst>
-            </p:seq>
-          </p:childTnLst>
-        </p:cTn>
-      </p:par>
-    </p:tnLst>
-    <p:bldLst>
-      <p:bldP spid="2" grpId="0"/>
-      <p:bldP spid="3" grpId="0" build="p"/>
-      <p:bldP spid="4" grpId="0"/>
-    </p:bldLst>
-  </p:timing>
 </p:sld>
 </file>
 
@@ -3554,11 +3351,30 @@
             <a:pPr marL="0" lvl="0" indent="0">
               <a:buNone/>
             </a:pPr>
-            <a:endParaRPr lang="en-US" altLang="zh-CN" sz="2400" dirty="0">
-              <a:solidFill>
-                <a:prstClr val="white"/>
-              </a:solidFill>
-            </a:endParaRPr>
+            <a:r>
+              <a:rPr lang="en-US" altLang="zh-CN" sz="2400" dirty="0">
+                <a:solidFill>
+                  <a:prstClr val="white"/>
+                </a:solidFill>
+              </a:rPr>
+              <a:t>RGB: 5*5*5	SIFT: 2000       </a:t>
+            </a:r>
+            <a:r>
+              <a:rPr lang="en-US" altLang="zh-CN" sz="2400" dirty="0" err="1">
+                <a:solidFill>
+                  <a:prstClr val="white"/>
+                </a:solidFill>
+              </a:rPr>
+              <a:t>MobileNet</a:t>
+            </a:r>
+            <a:r>
+              <a:rPr lang="en-US" altLang="zh-CN" sz="2400" dirty="0">
+                <a:solidFill>
+                  <a:prstClr val="white"/>
+                </a:solidFill>
+              </a:rPr>
+              <a:t>:  </a:t>
+            </a:r>
           </a:p>
           <a:p>
             <a:pPr lvl="0"/>
@@ -3568,25 +3384,56 @@
                   <a:prstClr val="white"/>
                 </a:solidFill>
               </a:rPr>
-              <a:t>model running time (training/prediction/tuning time)</a:t>
+              <a:t>model running time (cross validation/training/prediction time)</a:t>
             </a:r>
           </a:p>
           <a:p>
             <a:pPr marL="0" lvl="0" indent="0">
               <a:buNone/>
             </a:pPr>
-            <a:endParaRPr lang="en-US" altLang="zh-CN" sz="2600" b="1" dirty="0">
-              <a:solidFill>
-                <a:prstClr val="white"/>
-              </a:solidFill>
-              <a:latin typeface="等线" panose="020F0502020204030204"/>
-            </a:endParaRPr>
+            <a:r>
+              <a:rPr lang="en-US" altLang="zh-CN" sz="2400" b="1" dirty="0">
+                <a:solidFill>
+                  <a:prstClr val="white"/>
+                </a:solidFill>
+                <a:latin typeface="等线" panose="020F0502020204030204"/>
+              </a:rPr>
+              <a:t>XGBoost (9675.41/67.88/7.8s)</a:t>
+            </a:r>
           </a:p>
           <a:p>
             <a:pPr marL="0" lvl="0" indent="0">
               <a:buNone/>
             </a:pPr>
             <a:r>
+              <a:rPr lang="en-US" altLang="zh-CN" sz="2400" b="1" dirty="0">
+                <a:solidFill>
+                  <a:prstClr val="white"/>
+                </a:solidFill>
+                <a:latin typeface="等线" panose="020F0502020204030204"/>
+              </a:rPr>
+              <a:t>SVM</a:t>
+            </a:r>
+          </a:p>
+          <a:p>
+            <a:pPr marL="0" lvl="0" indent="0">
+              <a:buNone/>
+            </a:pPr>
+            <a:r>
+              <a:rPr lang="en-US" altLang="zh-CN" sz="2400" b="1" dirty="0">
+                <a:solidFill>
+                  <a:prstClr val="white"/>
+                </a:solidFill>
+                <a:latin typeface="等线" panose="020F0502020204030204"/>
+              </a:rPr>
+              <a:t>CNN(</a:t>
+            </a:r>
+          </a:p>
+          <a:p>
+            <a:pPr marL="0" lvl="0" indent="0">
+              <a:buNone/>
+            </a:pPr>
+            <a:r>
               <a:rPr lang="en-US" altLang="zh-CN" sz="2600" b="1" dirty="0">
                 <a:solidFill>
                   <a:prstClr val="white"/>
@@ -3611,22 +3458,6 @@
             <a:pPr marL="0" indent="0">
               <a:buNone/>
             </a:pPr>
-            <a:endParaRPr lang="en-US" altLang="zh-CN" sz="2200" b="1" dirty="0">
-              <a:solidFill>
-                <a:prstClr val="white"/>
-              </a:solidFill>
-              <a:latin typeface="等线" panose="020F0502020204030204"/>
-            </a:endParaRPr>
-          </a:p>
-          <a:p>
-            <a:endParaRPr lang="en-US" altLang="zh-CN" sz="2200" b="1" dirty="0">
-              <a:solidFill>
-                <a:prstClr val="white"/>
-              </a:solidFill>
-              <a:latin typeface="等线" panose="020F0502020204030204"/>
-            </a:endParaRPr>
-          </a:p>
-          <a:p>
             <a:endParaRPr lang="en-US" altLang="zh-CN" sz="2200" b="1" dirty="0">
               <a:solidFill>
                 <a:prstClr val="white"/>
@@ -3877,7 +3708,7 @@
                                         <p:tgtEl>
                                           <p:spTgt spid="3">
                                             <p:txEl>
-                                              <p:pRg st="4" end="4"/>
+                                              <p:pRg st="3" end="3"/>
                                             </p:txEl>
                                           </p:spTgt>
                                         </p:tgtEl>
@@ -3895,7 +3726,7 @@
                                         <p:tgtEl>
                                           <p:spTgt spid="3">
                                             <p:txEl>
-                                              <p:pRg st="4" end="4"/>
+                                              <p:pRg st="3" end="3"/>
                                             </p:txEl>
                                           </p:spTgt>
                                         </p:tgtEl>
@@ -3938,7 +3769,7 @@
                                         <p:tgtEl>
                                           <p:spTgt spid="3">
                                             <p:txEl>
-                                              <p:pRg st="6" end="6"/>
+                                              <p:pRg st="4" end="4"/>
                                             </p:txEl>
                                           </p:spTgt>
                                         </p:tgtEl>
@@ -3956,7 +3787,7 @@
                                         <p:tgtEl>
                                           <p:spTgt spid="3">
                                             <p:txEl>
-                                              <p:pRg st="6" end="6"/>
+                                              <p:pRg st="4" end="4"/>
                                             </p:txEl>
                                           </p:spTgt>
                                         </p:tgtEl>
@@ -3999,7 +3830,7 @@
                                         <p:tgtEl>
                                           <p:spTgt spid="3">
                                             <p:txEl>
-                                              <p:pRg st="7" end="7"/>
+                                              <p:pRg st="5" end="5"/>
                                             </p:txEl>
                                           </p:spTgt>
                                         </p:tgtEl>
@@ -4017,7 +3848,7 @@
                                         <p:tgtEl>
                                           <p:spTgt spid="3">
                                             <p:txEl>
-                                              <p:pRg st="7" end="7"/>
+                                              <p:pRg st="5" end="5"/>
                                             </p:txEl>
                                           </p:spTgt>
                                         </p:tgtEl>
@@ -4060,7 +3891,7 @@
                                         <p:tgtEl>
                                           <p:spTgt spid="3">
                                             <p:txEl>
-                                              <p:pRg st="11" end="11"/>
+                                              <p:pRg st="6" end="6"/>
                                             </p:txEl>
                                           </p:spTgt>
                                         </p:tgtEl>
@@ -4075,6 +3906,250 @@
                                     <p:animEffect transition="in" filter="fade">
                                       <p:cBhvr>
                                         <p:cTn id="37" dur="500"/>
+                                        <p:tgtEl>
+                                          <p:spTgt spid="3">
+                                            <p:txEl>
+                                              <p:pRg st="6" end="6"/>
+                                            </p:txEl>
+                                          </p:spTgt>
+                                        </p:tgtEl>
+                                      </p:cBhvr>
+                                    </p:animEffect>
+                                  </p:childTnLst>
+                                </p:cTn>
+                              </p:par>
+                            </p:childTnLst>
+                          </p:cTn>
+                        </p:par>
+                      </p:childTnLst>
+                    </p:cTn>
+                  </p:par>
+                  <p:par>
+                    <p:cTn id="38" fill="hold">
+                      <p:stCondLst>
+                        <p:cond delay="indefinite"/>
+                      </p:stCondLst>
+                      <p:childTnLst>
+                        <p:par>
+                          <p:cTn id="39" fill="hold">
+                            <p:stCondLst>
+                              <p:cond delay="0"/>
+                            </p:stCondLst>
+                            <p:childTnLst>
+                              <p:par>
+                                <p:cTn id="40" presetID="10" presetClass="entr" presetSubtype="0" fill="hold" grpId="0" nodeType="clickEffect">
+                                  <p:stCondLst>
+                                    <p:cond delay="0"/>
+                                  </p:stCondLst>
+                                  <p:childTnLst>
+                                    <p:set>
+                                      <p:cBhvr>
+                                        <p:cTn id="41" dur="1" fill="hold">
+                                          <p:stCondLst>
+                                            <p:cond delay="0"/>
+                                          </p:stCondLst>
+                                        </p:cTn>
+                                        <p:tgtEl>
+                                          <p:spTgt spid="3">
+                                            <p:txEl>
+                                              <p:pRg st="7" end="7"/>
+                                            </p:txEl>
+                                          </p:spTgt>
+                                        </p:tgtEl>
+                                        <p:attrNameLst>
+                                          <p:attrName>style.visibility</p:attrName>
+                                        </p:attrNameLst>
+                                      </p:cBhvr>
+                                      <p:to>
+                                        <p:strVal val="visible"/>
+                                      </p:to>
+                                    </p:set>
+                                    <p:animEffect transition="in" filter="fade">
+                                      <p:cBhvr>
+                                        <p:cTn id="42" dur="500"/>
+                                        <p:tgtEl>
+                                          <p:spTgt spid="3">
+                                            <p:txEl>
+                                              <p:pRg st="7" end="7"/>
+                                            </p:txEl>
+                                          </p:spTgt>
+                                        </p:tgtEl>
+                                      </p:cBhvr>
+                                    </p:animEffect>
+                                  </p:childTnLst>
+                                </p:cTn>
+                              </p:par>
+                            </p:childTnLst>
+                          </p:cTn>
+                        </p:par>
+                      </p:childTnLst>
+                    </p:cTn>
+                  </p:par>
+                  <p:par>
+                    <p:cTn id="43" fill="hold">
+                      <p:stCondLst>
+                        <p:cond delay="indefinite"/>
+                      </p:stCondLst>
+                      <p:childTnLst>
+                        <p:par>
+                          <p:cTn id="44" fill="hold">
+                            <p:stCondLst>
+                              <p:cond delay="0"/>
+                            </p:stCondLst>
+                            <p:childTnLst>
+                              <p:par>
+                                <p:cTn id="45" presetID="10" presetClass="entr" presetSubtype="0" fill="hold" grpId="0" nodeType="clickEffect">
+                                  <p:stCondLst>
+                                    <p:cond delay="0"/>
+                                  </p:stCondLst>
+                                  <p:childTnLst>
+                                    <p:set>
+                                      <p:cBhvr>
+                                        <p:cTn id="46" dur="1" fill="hold">
+                                          <p:stCondLst>
+                                            <p:cond delay="0"/>
+                                          </p:stCondLst>
+                                        </p:cTn>
+                                        <p:tgtEl>
+                                          <p:spTgt spid="3">
+                                            <p:txEl>
+                                              <p:pRg st="8" end="8"/>
+                                            </p:txEl>
+                                          </p:spTgt>
+                                        </p:tgtEl>
+                                        <p:attrNameLst>
+                                          <p:attrName>style.visibility</p:attrName>
+                                        </p:attrNameLst>
+                                      </p:cBhvr>
+                                      <p:to>
+                                        <p:strVal val="visible"/>
+                                      </p:to>
+                                    </p:set>
+                                    <p:animEffect transition="in" filter="fade">
+                                      <p:cBhvr>
+                                        <p:cTn id="47" dur="500"/>
+                                        <p:tgtEl>
+                                          <p:spTgt spid="3">
+                                            <p:txEl>
+                                              <p:pRg st="8" end="8"/>
+                                            </p:txEl>
+                                          </p:spTgt>
+                                        </p:tgtEl>
+                                      </p:cBhvr>
+                                    </p:animEffect>
+                                  </p:childTnLst>
+                                </p:cTn>
+                              </p:par>
+                            </p:childTnLst>
+                          </p:cTn>
+                        </p:par>
+                      </p:childTnLst>
+                    </p:cTn>
+                  </p:par>
+                  <p:par>
+                    <p:cTn id="48" fill="hold">
+                      <p:stCondLst>
+                        <p:cond delay="indefinite"/>
+                      </p:stCondLst>
+                      <p:childTnLst>
+                        <p:par>
+                          <p:cTn id="49" fill="hold">
+                            <p:stCondLst>
+                              <p:cond delay="0"/>
+                            </p:stCondLst>
+                            <p:childTnLst>
+                              <p:par>
+                                <p:cTn id="50" presetID="10" presetClass="entr" presetSubtype="0" fill="hold" grpId="0" nodeType="clickEffect">
+                                  <p:stCondLst>
+                                    <p:cond delay="0"/>
+                                  </p:stCondLst>
+                                  <p:childTnLst>
+                                    <p:set>
+                                      <p:cBhvr>
+                                        <p:cTn id="51" dur="1" fill="hold">
+                                          <p:stCondLst>
+                                            <p:cond delay="0"/>
+                                          </p:stCondLst>
+                                        </p:cTn>
+                                        <p:tgtEl>
+                                          <p:spTgt spid="3">
+                                            <p:txEl>
+                                              <p:pRg st="9" end="9"/>
+                                            </p:txEl>
+                                          </p:spTgt>
+                                        </p:tgtEl>
+                                        <p:attrNameLst>
+                                          <p:attrName>style.visibility</p:attrName>
+                                        </p:attrNameLst>
+                                      </p:cBhvr>
+                                      <p:to>
+                                        <p:strVal val="visible"/>
+                                      </p:to>
+                                    </p:set>
+                                    <p:animEffect transition="in" filter="fade">
+                                      <p:cBhvr>
+                                        <p:cTn id="52" dur="500"/>
+                                        <p:tgtEl>
+                                          <p:spTgt spid="3">
+                                            <p:txEl>
+                                              <p:pRg st="9" end="9"/>
+                                            </p:txEl>
+                                          </p:spTgt>
+                                        </p:tgtEl>
+                                      </p:cBhvr>
+                                    </p:animEffect>
+                                  </p:childTnLst>
+                                </p:cTn>
+                              </p:par>
+                            </p:childTnLst>
+                          </p:cTn>
+                        </p:par>
+                      </p:childTnLst>
+                    </p:cTn>
+                  </p:par>
+                  <p:par>
+                    <p:cTn id="53" fill="hold">
+                      <p:stCondLst>
+                        <p:cond delay="indefinite"/>
+                      </p:stCondLst>
+                      <p:childTnLst>
+                        <p:par>
+                          <p:cTn id="54" fill="hold">
+                            <p:stCondLst>
+                              <p:cond delay="0"/>
+                            </p:stCondLst>
+                            <p:childTnLst>
+                              <p:par>
+                                <p:cTn id="55" presetID="10" presetClass="entr" presetSubtype="0" fill="hold" grpId="0" nodeType="clickEffect">
+                                  <p:stCondLst>
+                                    <p:cond delay="0"/>
+                                  </p:stCondLst>
+                                  <p:childTnLst>
+                                    <p:set>
+                                      <p:cBhvr>
+                                        <p:cTn id="56" dur="1" fill="hold">
+                                          <p:stCondLst>
+                                            <p:cond delay="0"/>
+                                          </p:stCondLst>
+                                        </p:cTn>
+                                        <p:tgtEl>
+                                          <p:spTgt spid="3">
+                                            <p:txEl>
+                                              <p:pRg st="11" end="11"/>
+                                            </p:txEl>
+                                          </p:spTgt>
+                                        </p:tgtEl>
+                                        <p:attrNameLst>
+                                          <p:attrName>style.visibility</p:attrName>
+                                        </p:attrNameLst>
+                                      </p:cBhvr>
+                                      <p:to>
+                                        <p:strVal val="visible"/>
+                                      </p:to>
+                                    </p:set>
+                                    <p:animEffect transition="in" filter="fade">
+                                      <p:cBhvr>
+                                        <p:cTn id="57" dur="500"/>
                                         <p:tgtEl>
                                           <p:spTgt spid="3">
                                             <p:txEl>
@@ -4122,481 +4197,6 @@
 </file>
 
 <file path=ppt/slides/slide11.xml><?xml version="1.0" encoding="utf-8"?>
-<p:sld xmlns:a="http://schemas.openxmlformats.org/drawingml/2006/main" xmlns:r="http://schemas.openxmlformats.org/officeDocument/2006/relationships" xmlns:p="http://schemas.openxmlformats.org/presentationml/2006/main">
-  <p:cSld>
-    <p:spTree>
-      <p:nvGrpSpPr>
-        <p:cNvPr id="1" name=""/>
-        <p:cNvGrpSpPr/>
-        <p:nvPr/>
-      </p:nvGrpSpPr>
-      <p:grpSpPr>
-        <a:xfrm>
-          <a:off x="0" y="0"/>
-          <a:ext cx="0" cy="0"/>
-          <a:chOff x="0" y="0"/>
-          <a:chExt cx="0" cy="0"/>
-        </a:xfrm>
-      </p:grpSpPr>
-      <p:sp>
-        <p:nvSpPr>
-          <p:cNvPr id="2" name="标题 1">
-            <a:extLst>
-              <a:ext uri="{FF2B5EF4-FFF2-40B4-BE49-F238E27FC236}">
-                <a16:creationId xmlns:a16="http://schemas.microsoft.com/office/drawing/2014/main" id="{8303632E-C5E3-4D3B-98AA-DF6AD7C09AA2}"/>
-              </a:ext>
-            </a:extLst>
-          </p:cNvPr>
-          <p:cNvSpPr>
-            <a:spLocks noGrp="1"/>
-          </p:cNvSpPr>
-          <p:nvPr>
-            <p:ph type="title"/>
-          </p:nvPr>
-        </p:nvSpPr>
-        <p:spPr/>
-        <p:txBody>
-          <a:bodyPr/>
-          <a:lstStyle/>
-          <a:p>
-            <a:pPr algn="ctr"/>
-            <a:r>
-              <a:rPr lang="en-US" altLang="zh-CN" sz="4800" b="1" dirty="0">
-                <a:solidFill>
-                  <a:prstClr val="white"/>
-                </a:solidFill>
-                <a:latin typeface="等线 Light" panose="020F0302020204030204"/>
-              </a:rPr>
-              <a:t>4. Model assessment and comparison</a:t>
-            </a:r>
-            <a:endParaRPr lang="zh-CN" altLang="en-US" dirty="0"/>
-          </a:p>
-        </p:txBody>
-      </p:sp>
-      <p:sp>
-        <p:nvSpPr>
-          <p:cNvPr id="3" name="内容占位符 2">
-            <a:extLst>
-              <a:ext uri="{FF2B5EF4-FFF2-40B4-BE49-F238E27FC236}">
-                <a16:creationId xmlns:a16="http://schemas.microsoft.com/office/drawing/2014/main" id="{EEE2EDEE-55E3-4C5C-B65F-88E0BA17260E}"/>
-              </a:ext>
-            </a:extLst>
-          </p:cNvPr>
-          <p:cNvSpPr>
-            <a:spLocks noGrp="1"/>
-          </p:cNvSpPr>
-          <p:nvPr>
-            <p:ph idx="1"/>
-          </p:nvPr>
-        </p:nvSpPr>
-        <p:spPr/>
-        <p:txBody>
-          <a:bodyPr>
-            <a:normAutofit/>
-          </a:bodyPr>
-          <a:lstStyle/>
-          <a:p>
-            <a:pPr marL="0" lvl="0" indent="0">
-              <a:buNone/>
-            </a:pPr>
-            <a:r>
-              <a:rPr lang="en-US" altLang="zh-CN" sz="2600" b="1" dirty="0">
-                <a:solidFill>
-                  <a:prstClr val="white"/>
-                </a:solidFill>
-                <a:latin typeface="等线" panose="020F0502020204030204"/>
-              </a:rPr>
-              <a:t>4.2 Model comparison</a:t>
-            </a:r>
-          </a:p>
-          <a:p>
-            <a:pPr marL="0" lvl="0" indent="0">
-              <a:buNone/>
-            </a:pPr>
-            <a:r>
-              <a:rPr lang="en-US" altLang="zh-CN" sz="2600" b="1" dirty="0">
-                <a:solidFill>
-                  <a:prstClr val="white"/>
-                </a:solidFill>
-                <a:latin typeface="等线" panose="020F0502020204030204"/>
-              </a:rPr>
-              <a:t>4.1.2 Performance evaluation</a:t>
-            </a:r>
-          </a:p>
-          <a:p>
-            <a:r>
-              <a:rPr lang="en-US" altLang="zh-CN" sz="2200" b="1" dirty="0">
-                <a:solidFill>
-                  <a:prstClr val="white"/>
-                </a:solidFill>
-                <a:latin typeface="等线" panose="020F0502020204030204"/>
-              </a:rPr>
-              <a:t>cost (model running time)</a:t>
-            </a:r>
-          </a:p>
-          <a:p>
-            <a:r>
-              <a:rPr lang="en-US" altLang="zh-CN" sz="2200" b="1" dirty="0">
-                <a:solidFill>
-                  <a:prstClr val="white"/>
-                </a:solidFill>
-                <a:latin typeface="等线" panose="020F0502020204030204"/>
-              </a:rPr>
-              <a:t>performance (accuracy)</a:t>
-            </a:r>
-          </a:p>
-          <a:p>
-            <a:endParaRPr lang="en-US" altLang="zh-CN" sz="2200" b="1" dirty="0">
-              <a:solidFill>
-                <a:prstClr val="white"/>
-              </a:solidFill>
-              <a:latin typeface="等线" panose="020F0502020204030204"/>
-            </a:endParaRPr>
-          </a:p>
-          <a:p>
-            <a:endParaRPr lang="en-US" altLang="zh-CN" sz="2000" b="1" dirty="0">
-              <a:solidFill>
-                <a:prstClr val="white"/>
-              </a:solidFill>
-              <a:latin typeface="等线" panose="020F0502020204030204"/>
-            </a:endParaRPr>
-          </a:p>
-          <a:p>
-            <a:endParaRPr lang="en-US" altLang="zh-CN" sz="2000" b="1" dirty="0">
-              <a:solidFill>
-                <a:prstClr val="white"/>
-              </a:solidFill>
-              <a:latin typeface="等线" panose="020F0502020204030204"/>
-            </a:endParaRPr>
-          </a:p>
-          <a:p>
-            <a:endParaRPr lang="en-US" altLang="zh-CN" sz="2000" b="1" dirty="0">
-              <a:solidFill>
-                <a:prstClr val="white"/>
-              </a:solidFill>
-              <a:latin typeface="等线" panose="020F0502020204030204"/>
-            </a:endParaRPr>
-          </a:p>
-          <a:p>
-            <a:endParaRPr lang="en-US" altLang="zh-CN" sz="2000" b="1" dirty="0">
-              <a:solidFill>
-                <a:prstClr val="white"/>
-              </a:solidFill>
-              <a:latin typeface="等线" panose="020F0502020204030204"/>
-            </a:endParaRPr>
-          </a:p>
-          <a:p>
-            <a:endParaRPr lang="en-US" altLang="zh-CN" sz="2000" b="1" dirty="0">
-              <a:solidFill>
-                <a:prstClr val="white"/>
-              </a:solidFill>
-              <a:latin typeface="等线" panose="020F0502020204030204"/>
-            </a:endParaRPr>
-          </a:p>
-          <a:p>
-            <a:endParaRPr lang="en-US" altLang="zh-CN" sz="2000" b="1" dirty="0">
-              <a:solidFill>
-                <a:prstClr val="white"/>
-              </a:solidFill>
-              <a:latin typeface="等线" panose="020F0502020204030204"/>
-            </a:endParaRPr>
-          </a:p>
-          <a:p>
-            <a:endParaRPr lang="zh-CN" altLang="en-US" dirty="0"/>
-          </a:p>
-        </p:txBody>
-      </p:sp>
-    </p:spTree>
-    <p:extLst>
-      <p:ext uri="{BB962C8B-B14F-4D97-AF65-F5344CB8AC3E}">
-        <p14:creationId xmlns:p14="http://schemas.microsoft.com/office/powerpoint/2010/main" val="4271793140"/>
-      </p:ext>
-    </p:extLst>
-  </p:cSld>
-  <p:clrMapOvr>
-    <a:masterClrMapping/>
-  </p:clrMapOvr>
-  <p:timing>
-    <p:tnLst>
-      <p:par>
-        <p:cTn id="1" dur="indefinite" restart="never" nodeType="tmRoot">
-          <p:childTnLst>
-            <p:seq concurrent="1" nextAc="seek">
-              <p:cTn id="2" dur="indefinite" nodeType="mainSeq">
-                <p:childTnLst>
-                  <p:par>
-                    <p:cTn id="3" fill="hold">
-                      <p:stCondLst>
-                        <p:cond delay="indefinite"/>
-                      </p:stCondLst>
-                      <p:childTnLst>
-                        <p:par>
-                          <p:cTn id="4" fill="hold">
-                            <p:stCondLst>
-                              <p:cond delay="0"/>
-                            </p:stCondLst>
-                            <p:childTnLst>
-                              <p:par>
-                                <p:cTn id="5" presetID="10" presetClass="entr" presetSubtype="0" fill="hold" grpId="0" nodeType="clickEffect">
-                                  <p:stCondLst>
-                                    <p:cond delay="0"/>
-                                  </p:stCondLst>
-                                  <p:childTnLst>
-                                    <p:set>
-                                      <p:cBhvr>
-                                        <p:cTn id="6" dur="1" fill="hold">
-                                          <p:stCondLst>
-                                            <p:cond delay="0"/>
-                                          </p:stCondLst>
-                                        </p:cTn>
-                                        <p:tgtEl>
-                                          <p:spTgt spid="3">
-                                            <p:txEl>
-                                              <p:pRg st="0" end="0"/>
-                                            </p:txEl>
-                                          </p:spTgt>
-                                        </p:tgtEl>
-                                        <p:attrNameLst>
-                                          <p:attrName>style.visibility</p:attrName>
-                                        </p:attrNameLst>
-                                      </p:cBhvr>
-                                      <p:to>
-                                        <p:strVal val="visible"/>
-                                      </p:to>
-                                    </p:set>
-                                    <p:animEffect transition="in" filter="fade">
-                                      <p:cBhvr>
-                                        <p:cTn id="7" dur="500"/>
-                                        <p:tgtEl>
-                                          <p:spTgt spid="3">
-                                            <p:txEl>
-                                              <p:pRg st="0" end="0"/>
-                                            </p:txEl>
-                                          </p:spTgt>
-                                        </p:tgtEl>
-                                      </p:cBhvr>
-                                    </p:animEffect>
-                                  </p:childTnLst>
-                                </p:cTn>
-                              </p:par>
-                            </p:childTnLst>
-                          </p:cTn>
-                        </p:par>
-                      </p:childTnLst>
-                    </p:cTn>
-                  </p:par>
-                  <p:par>
-                    <p:cTn id="8" fill="hold">
-                      <p:stCondLst>
-                        <p:cond delay="indefinite"/>
-                      </p:stCondLst>
-                      <p:childTnLst>
-                        <p:par>
-                          <p:cTn id="9" fill="hold">
-                            <p:stCondLst>
-                              <p:cond delay="0"/>
-                            </p:stCondLst>
-                            <p:childTnLst>
-                              <p:par>
-                                <p:cTn id="10" presetID="10" presetClass="entr" presetSubtype="0" fill="hold" grpId="0" nodeType="clickEffect">
-                                  <p:stCondLst>
-                                    <p:cond delay="0"/>
-                                  </p:stCondLst>
-                                  <p:childTnLst>
-                                    <p:set>
-                                      <p:cBhvr>
-                                        <p:cTn id="11" dur="1" fill="hold">
-                                          <p:stCondLst>
-                                            <p:cond delay="0"/>
-                                          </p:stCondLst>
-                                        </p:cTn>
-                                        <p:tgtEl>
-                                          <p:spTgt spid="3">
-                                            <p:txEl>
-                                              <p:pRg st="1" end="1"/>
-                                            </p:txEl>
-                                          </p:spTgt>
-                                        </p:tgtEl>
-                                        <p:attrNameLst>
-                                          <p:attrName>style.visibility</p:attrName>
-                                        </p:attrNameLst>
-                                      </p:cBhvr>
-                                      <p:to>
-                                        <p:strVal val="visible"/>
-                                      </p:to>
-                                    </p:set>
-                                    <p:animEffect transition="in" filter="fade">
-                                      <p:cBhvr>
-                                        <p:cTn id="12" dur="500"/>
-                                        <p:tgtEl>
-                                          <p:spTgt spid="3">
-                                            <p:txEl>
-                                              <p:pRg st="1" end="1"/>
-                                            </p:txEl>
-                                          </p:spTgt>
-                                        </p:tgtEl>
-                                      </p:cBhvr>
-                                    </p:animEffect>
-                                  </p:childTnLst>
-                                </p:cTn>
-                              </p:par>
-                            </p:childTnLst>
-                          </p:cTn>
-                        </p:par>
-                      </p:childTnLst>
-                    </p:cTn>
-                  </p:par>
-                  <p:par>
-                    <p:cTn id="13" fill="hold">
-                      <p:stCondLst>
-                        <p:cond delay="indefinite"/>
-                      </p:stCondLst>
-                      <p:childTnLst>
-                        <p:par>
-                          <p:cTn id="14" fill="hold">
-                            <p:stCondLst>
-                              <p:cond delay="0"/>
-                            </p:stCondLst>
-                            <p:childTnLst>
-                              <p:par>
-                                <p:cTn id="15" presetID="10" presetClass="entr" presetSubtype="0" fill="hold" grpId="0" nodeType="clickEffect">
-                                  <p:stCondLst>
-                                    <p:cond delay="0"/>
-                                  </p:stCondLst>
-                                  <p:childTnLst>
-                                    <p:set>
-                                      <p:cBhvr>
-                                        <p:cTn id="16" dur="1" fill="hold">
-                                          <p:stCondLst>
-                                            <p:cond delay="0"/>
-                                          </p:stCondLst>
-                                        </p:cTn>
-                                        <p:tgtEl>
-                                          <p:spTgt spid="3">
-                                            <p:txEl>
-                                              <p:pRg st="2" end="2"/>
-                                            </p:txEl>
-                                          </p:spTgt>
-                                        </p:tgtEl>
-                                        <p:attrNameLst>
-                                          <p:attrName>style.visibility</p:attrName>
-                                        </p:attrNameLst>
-                                      </p:cBhvr>
-                                      <p:to>
-                                        <p:strVal val="visible"/>
-                                      </p:to>
-                                    </p:set>
-                                    <p:animEffect transition="in" filter="fade">
-                                      <p:cBhvr>
-                                        <p:cTn id="17" dur="500"/>
-                                        <p:tgtEl>
-                                          <p:spTgt spid="3">
-                                            <p:txEl>
-                                              <p:pRg st="2" end="2"/>
-                                            </p:txEl>
-                                          </p:spTgt>
-                                        </p:tgtEl>
-                                      </p:cBhvr>
-                                    </p:animEffect>
-                                  </p:childTnLst>
-                                </p:cTn>
-                              </p:par>
-                            </p:childTnLst>
-                          </p:cTn>
-                        </p:par>
-                      </p:childTnLst>
-                    </p:cTn>
-                  </p:par>
-                  <p:par>
-                    <p:cTn id="18" fill="hold">
-                      <p:stCondLst>
-                        <p:cond delay="indefinite"/>
-                      </p:stCondLst>
-                      <p:childTnLst>
-                        <p:par>
-                          <p:cTn id="19" fill="hold">
-                            <p:stCondLst>
-                              <p:cond delay="0"/>
-                            </p:stCondLst>
-                            <p:childTnLst>
-                              <p:par>
-                                <p:cTn id="20" presetID="10" presetClass="entr" presetSubtype="0" fill="hold" grpId="0" nodeType="clickEffect">
-                                  <p:stCondLst>
-                                    <p:cond delay="0"/>
-                                  </p:stCondLst>
-                                  <p:childTnLst>
-                                    <p:set>
-                                      <p:cBhvr>
-                                        <p:cTn id="21" dur="1" fill="hold">
-                                          <p:stCondLst>
-                                            <p:cond delay="0"/>
-                                          </p:stCondLst>
-                                        </p:cTn>
-                                        <p:tgtEl>
-                                          <p:spTgt spid="3">
-                                            <p:txEl>
-                                              <p:pRg st="3" end="3"/>
-                                            </p:txEl>
-                                          </p:spTgt>
-                                        </p:tgtEl>
-                                        <p:attrNameLst>
-                                          <p:attrName>style.visibility</p:attrName>
-                                        </p:attrNameLst>
-                                      </p:cBhvr>
-                                      <p:to>
-                                        <p:strVal val="visible"/>
-                                      </p:to>
-                                    </p:set>
-                                    <p:animEffect transition="in" filter="fade">
-                                      <p:cBhvr>
-                                        <p:cTn id="22" dur="500"/>
-                                        <p:tgtEl>
-                                          <p:spTgt spid="3">
-                                            <p:txEl>
-                                              <p:pRg st="3" end="3"/>
-                                            </p:txEl>
-                                          </p:spTgt>
-                                        </p:tgtEl>
-                                      </p:cBhvr>
-                                    </p:animEffect>
-                                  </p:childTnLst>
-                                </p:cTn>
-                              </p:par>
-                            </p:childTnLst>
-                          </p:cTn>
-                        </p:par>
-                      </p:childTnLst>
-                    </p:cTn>
-                  </p:par>
-                </p:childTnLst>
-              </p:cTn>
-              <p:prevCondLst>
-                <p:cond evt="onPrev" delay="0">
-                  <p:tgtEl>
-                    <p:sldTgt/>
-                  </p:tgtEl>
-                </p:cond>
-              </p:prevCondLst>
-              <p:nextCondLst>
-                <p:cond evt="onNext" delay="0">
-                  <p:tgtEl>
-                    <p:sldTgt/>
-                  </p:tgtEl>
-                </p:cond>
-              </p:nextCondLst>
-            </p:seq>
-          </p:childTnLst>
-        </p:cTn>
-      </p:par>
-    </p:tnLst>
-    <p:bldLst>
-      <p:bldP spid="3" grpId="0" build="p"/>
-    </p:bldLst>
-  </p:timing>
-</p:sld>
-</file>
-
-<file path=ppt/slides/slide12.xml><?xml version="1.0" encoding="utf-8"?>
 <p:sld xmlns:a="http://schemas.openxmlformats.org/drawingml/2006/main" xmlns:r="http://schemas.openxmlformats.org/officeDocument/2006/relationships" xmlns:p="http://schemas.openxmlformats.org/presentationml/2006/main">
   <p:cSld>
     <p:spTree>
@@ -5314,33 +4914,15 @@
                                   </p:childTnLst>
                                 </p:cTn>
                               </p:par>
-                            </p:childTnLst>
-                          </p:cTn>
-                        </p:par>
-                      </p:childTnLst>
-                    </p:cTn>
-                  </p:par>
-                  <p:par>
-                    <p:cTn id="38" fill="hold">
-                      <p:stCondLst>
-                        <p:cond delay="indefinite"/>
-                      </p:stCondLst>
-                      <p:childTnLst>
-                        <p:par>
-                          <p:cTn id="39" fill="hold">
-                            <p:stCondLst>
-                              <p:cond delay="0"/>
-                            </p:stCondLst>
-                            <p:childTnLst>
                               <p:par>
-                                <p:cTn id="40" presetID="10" presetClass="entr" presetSubtype="0" fill="hold" grpId="0" nodeType="clickEffect">
+                                <p:cTn id="38" presetID="10" presetClass="entr" presetSubtype="0" fill="hold" grpId="0" nodeType="withEffect">
                                   <p:stCondLst>
                                     <p:cond delay="0"/>
                                   </p:stCondLst>
                                   <p:childTnLst>
                                     <p:set>
                                       <p:cBhvr>
-                                        <p:cTn id="41" dur="1" fill="hold">
+                                        <p:cTn id="39" dur="1" fill="hold">
                                           <p:stCondLst>
                                             <p:cond delay="0"/>
                                           </p:stCondLst>
@@ -5362,7 +4944,7 @@
                                     </p:set>
                                     <p:animEffect transition="in" filter="fade">
                                       <p:cBhvr>
-                                        <p:cTn id="42" dur="500"/>
+                                        <p:cTn id="40" dur="500"/>
                                         <p:tgtEl>
                                           <p:spTgt spid="3">
                                             <p:txEl>
@@ -5382,26 +4964,26 @@
                     </p:cTn>
                   </p:par>
                   <p:par>
-                    <p:cTn id="43" fill="hold">
+                    <p:cTn id="41" fill="hold">
                       <p:stCondLst>
                         <p:cond delay="indefinite"/>
                       </p:stCondLst>
                       <p:childTnLst>
                         <p:par>
-                          <p:cTn id="44" fill="hold">
+                          <p:cTn id="42" fill="hold">
                             <p:stCondLst>
                               <p:cond delay="0"/>
                             </p:stCondLst>
                             <p:childTnLst>
                               <p:par>
-                                <p:cTn id="45" presetID="10" presetClass="entr" presetSubtype="0" fill="hold" grpId="0" nodeType="clickEffect">
+                                <p:cTn id="43" presetID="10" presetClass="entr" presetSubtype="0" fill="hold" grpId="0" nodeType="clickEffect">
                                   <p:stCondLst>
                                     <p:cond delay="0"/>
                                   </p:stCondLst>
                                   <p:childTnLst>
                                     <p:set>
                                       <p:cBhvr>
-                                        <p:cTn id="46" dur="1" fill="hold">
+                                        <p:cTn id="44" dur="1" fill="hold">
                                           <p:stCondLst>
                                             <p:cond delay="0"/>
                                           </p:stCondLst>
@@ -5423,7 +5005,7 @@
                                     </p:set>
                                     <p:animEffect transition="in" filter="fade">
                                       <p:cBhvr>
-                                        <p:cTn id="47" dur="500"/>
+                                        <p:cTn id="45" dur="500"/>
                                         <p:tgtEl>
                                           <p:spTgt spid="3">
                                             <p:txEl>
@@ -5443,26 +5025,26 @@
                     </p:cTn>
                   </p:par>
                   <p:par>
-                    <p:cTn id="48" fill="hold">
+                    <p:cTn id="46" fill="hold">
                       <p:stCondLst>
                         <p:cond delay="indefinite"/>
                       </p:stCondLst>
                       <p:childTnLst>
                         <p:par>
-                          <p:cTn id="49" fill="hold">
+                          <p:cTn id="47" fill="hold">
                             <p:stCondLst>
                               <p:cond delay="0"/>
                             </p:stCondLst>
                             <p:childTnLst>
                               <p:par>
-                                <p:cTn id="50" presetID="10" presetClass="entr" presetSubtype="0" fill="hold" grpId="0" nodeType="clickEffect">
+                                <p:cTn id="48" presetID="10" presetClass="entr" presetSubtype="0" fill="hold" grpId="0" nodeType="clickEffect">
                                   <p:stCondLst>
                                     <p:cond delay="0"/>
                                   </p:stCondLst>
                                   <p:childTnLst>
                                     <p:set>
                                       <p:cBhvr>
-                                        <p:cTn id="51" dur="1" fill="hold">
+                                        <p:cTn id="49" dur="1" fill="hold">
                                           <p:stCondLst>
                                             <p:cond delay="0"/>
                                           </p:stCondLst>
@@ -5484,7 +5066,7 @@
                                     </p:set>
                                     <p:animEffect transition="in" filter="fade">
                                       <p:cBhvr>
-                                        <p:cTn id="52" dur="500"/>
+                                        <p:cTn id="50" dur="500"/>
                                         <p:tgtEl>
                                           <p:spTgt spid="3">
                                             <p:txEl>
@@ -5504,26 +5086,26 @@
                     </p:cTn>
                   </p:par>
                   <p:par>
-                    <p:cTn id="53" fill="hold">
+                    <p:cTn id="51" fill="hold">
                       <p:stCondLst>
                         <p:cond delay="indefinite"/>
                       </p:stCondLst>
                       <p:childTnLst>
                         <p:par>
-                          <p:cTn id="54" fill="hold">
+                          <p:cTn id="52" fill="hold">
                             <p:stCondLst>
                               <p:cond delay="0"/>
                             </p:stCondLst>
                             <p:childTnLst>
                               <p:par>
-                                <p:cTn id="55" presetID="10" presetClass="entr" presetSubtype="0" fill="hold" grpId="0" nodeType="clickEffect">
+                                <p:cTn id="53" presetID="10" presetClass="entr" presetSubtype="0" fill="hold" grpId="0" nodeType="clickEffect">
                                   <p:stCondLst>
                                     <p:cond delay="0"/>
                                   </p:stCondLst>
                                   <p:childTnLst>
                                     <p:set>
                                       <p:cBhvr>
-                                        <p:cTn id="56" dur="1" fill="hold">
+                                        <p:cTn id="54" dur="1" fill="hold">
                                           <p:stCondLst>
                                             <p:cond delay="0"/>
                                           </p:stCondLst>
@@ -5541,7 +5123,7 @@
                                     </p:set>
                                     <p:animEffect transition="in" filter="fade">
                                       <p:cBhvr>
-                                        <p:cTn id="57" dur="500"/>
+                                        <p:cTn id="55" dur="500"/>
                                         <p:tgtEl>
                                           <p:spTgt spid="6"/>
                                         </p:tgtEl>
@@ -5557,26 +5139,26 @@
                     </p:cTn>
                   </p:par>
                   <p:par>
-                    <p:cTn id="58" fill="hold">
+                    <p:cTn id="56" fill="hold">
                       <p:stCondLst>
                         <p:cond delay="indefinite"/>
                       </p:stCondLst>
                       <p:childTnLst>
                         <p:par>
-                          <p:cTn id="59" fill="hold">
+                          <p:cTn id="57" fill="hold">
                             <p:stCondLst>
                               <p:cond delay="0"/>
                             </p:stCondLst>
                             <p:childTnLst>
                               <p:par>
-                                <p:cTn id="60" presetID="42" presetClass="entr" presetSubtype="0" fill="hold" nodeType="clickEffect">
+                                <p:cTn id="58" presetID="42" presetClass="entr" presetSubtype="0" fill="hold" nodeType="clickEffect">
                                   <p:stCondLst>
                                     <p:cond delay="0"/>
                                   </p:stCondLst>
                                   <p:childTnLst>
                                     <p:set>
                                       <p:cBhvr>
-                                        <p:cTn id="61" dur="1" fill="hold">
+                                        <p:cTn id="59" dur="1" fill="hold">
                                           <p:stCondLst>
                                             <p:cond delay="0"/>
                                           </p:stCondLst>
@@ -5594,7 +5176,7 @@
                                     </p:set>
                                     <p:animEffect transition="in" filter="fade">
                                       <p:cBhvr>
-                                        <p:cTn id="62" dur="1000"/>
+                                        <p:cTn id="60" dur="1000"/>
                                         <p:tgtEl>
                                           <p:spTgt spid="5"/>
                                         </p:tgtEl>
@@ -5602,7 +5184,7 @@
                                     </p:animEffect>
                                     <p:anim calcmode="lin" valueType="num">
                                       <p:cBhvr>
-                                        <p:cTn id="63" dur="1000" fill="hold"/>
+                                        <p:cTn id="61" dur="1000" fill="hold"/>
                                         <p:tgtEl>
                                           <p:spTgt spid="5"/>
                                         </p:tgtEl>
@@ -5625,7 +5207,7 @@
                                     </p:anim>
                                     <p:anim calcmode="lin" valueType="num">
                                       <p:cBhvr>
-                                        <p:cTn id="64" dur="1000" fill="hold"/>
+                                        <p:cTn id="62" dur="1000" fill="hold"/>
                                         <p:tgtEl>
                                           <p:spTgt spid="5"/>
                                         </p:tgtEl>
@@ -5685,7 +5267,7 @@
 </p:sld>
 </file>
 
-<file path=ppt/slides/slide13.xml><?xml version="1.0" encoding="utf-8"?>
+<file path=ppt/slides/slide12.xml><?xml version="1.0" encoding="utf-8"?>
 <p:sld xmlns:a="http://schemas.openxmlformats.org/drawingml/2006/main" xmlns:r="http://schemas.openxmlformats.org/officeDocument/2006/relationships" xmlns:p="http://schemas.openxmlformats.org/presentationml/2006/main">
   <p:cSld>
     <p:spTree>
@@ -5790,13 +5372,20 @@
           </a:p>
           <a:p>
             <a:r>
-              <a:rPr lang="en-US" altLang="zh-CN" sz="2400" b="1" dirty="0">
+              <a:rPr lang="en-US" altLang="zh-CN" sz="2400" b="1">
                 <a:solidFill>
                   <a:prstClr val="white"/>
                 </a:solidFill>
               </a:rPr>
               <a:t>SVM model</a:t>
             </a:r>
+          </a:p>
+          <a:p>
+            <a:endParaRPr lang="en-US" altLang="zh-CN" sz="2400" b="1" dirty="0">
+              <a:solidFill>
+                <a:prstClr val="white"/>
+              </a:solidFill>
+            </a:endParaRPr>
           </a:p>
           <a:p>
             <a:r>
@@ -5879,6 +5468,19 @@
                 </a:solidFill>
               </a:rPr>
               <a:t>CNN(mobile net)</a:t>
+            </a:r>
+          </a:p>
+          <a:p>
+            <a:pPr marL="0" indent="0">
+              <a:buNone/>
+            </a:pPr>
+            <a:r>
+              <a:rPr lang="en-US" altLang="zh-CN" sz="2000" b="1" dirty="0">
+                <a:solidFill>
+                  <a:prstClr val="white"/>
+                </a:solidFill>
+              </a:rPr>
+              <a:t>Number of units in the last dense layer: 256</a:t>
             </a:r>
           </a:p>
           <a:p>
@@ -5894,6 +5496,36 @@
           </a:p>
         </p:txBody>
       </p:sp>
+      <p:pic>
+        <p:nvPicPr>
+          <p:cNvPr id="4" name="图片 3">
+            <a:extLst>
+              <a:ext uri="{FF2B5EF4-FFF2-40B4-BE49-F238E27FC236}">
+                <a16:creationId xmlns:a16="http://schemas.microsoft.com/office/drawing/2014/main" id="{B37150F2-0EE5-45A5-963B-1BA307824184}"/>
+              </a:ext>
+            </a:extLst>
+          </p:cNvPr>
+          <p:cNvPicPr>
+            <a:picLocks noChangeAspect="1"/>
+          </p:cNvPicPr>
+          <p:nvPr/>
+        </p:nvPicPr>
+        <p:blipFill>
+          <a:blip r:embed="rId2"/>
+          <a:stretch>
+            <a:fillRect/>
+          </a:stretch>
+        </p:blipFill>
+        <p:spPr>
+          <a:xfrm>
+            <a:off x="6429375" y="2808705"/>
+            <a:ext cx="5457825" cy="3368258"/>
+          </a:xfrm>
+          <a:prstGeom prst="rect">
+            <a:avLst/>
+          </a:prstGeom>
+        </p:spPr>
+      </p:pic>
     </p:spTree>
     <p:extLst>
       <p:ext uri="{BB962C8B-B14F-4D97-AF65-F5344CB8AC3E}">
@@ -5940,7 +5572,7 @@
                                         <p:tgtEl>
                                           <p:spTgt spid="3">
                                             <p:txEl>
-                                              <p:pRg st="0" end="0"/>
+                                              <p:pRg st="1" end="1"/>
                                             </p:txEl>
                                           </p:spTgt>
                                         </p:tgtEl>
@@ -5958,7 +5590,7 @@
                                         <p:tgtEl>
                                           <p:spTgt spid="3">
                                             <p:txEl>
-                                              <p:pRg st="0" end="0"/>
+                                              <p:pRg st="1" end="1"/>
                                             </p:txEl>
                                           </p:spTgt>
                                         </p:tgtEl>
@@ -6001,7 +5633,7 @@
                                         <p:tgtEl>
                                           <p:spTgt spid="3">
                                             <p:txEl>
-                                              <p:pRg st="1" end="1"/>
+                                              <p:pRg st="2" end="2"/>
                                             </p:txEl>
                                           </p:spTgt>
                                         </p:tgtEl>
@@ -6019,7 +5651,7 @@
                                         <p:tgtEl>
                                           <p:spTgt spid="3">
                                             <p:txEl>
-                                              <p:pRg st="1" end="1"/>
+                                              <p:pRg st="2" end="2"/>
                                             </p:txEl>
                                           </p:spTgt>
                                         </p:tgtEl>
@@ -6062,7 +5694,7 @@
                                         <p:tgtEl>
                                           <p:spTgt spid="3">
                                             <p:txEl>
-                                              <p:pRg st="2" end="2"/>
+                                              <p:pRg st="4" end="4"/>
                                             </p:txEl>
                                           </p:spTgt>
                                         </p:tgtEl>
@@ -6080,7 +5712,7 @@
                                         <p:tgtEl>
                                           <p:spTgt spid="3">
                                             <p:txEl>
-                                              <p:pRg st="2" end="2"/>
+                                              <p:pRg st="4" end="4"/>
                                             </p:txEl>
                                           </p:spTgt>
                                         </p:tgtEl>
@@ -6123,7 +5755,7 @@
                                         <p:tgtEl>
                                           <p:spTgt spid="3">
                                             <p:txEl>
-                                              <p:pRg st="3" end="3"/>
+                                              <p:pRg st="5" end="5"/>
                                             </p:txEl>
                                           </p:spTgt>
                                         </p:tgtEl>
@@ -6141,7 +5773,7 @@
                                         <p:tgtEl>
                                           <p:spTgt spid="3">
                                             <p:txEl>
-                                              <p:pRg st="3" end="3"/>
+                                              <p:pRg st="5" end="5"/>
                                             </p:txEl>
                                           </p:spTgt>
                                         </p:tgtEl>
@@ -6184,7 +5816,7 @@
                                         <p:tgtEl>
                                           <p:spTgt spid="3">
                                             <p:txEl>
-                                              <p:pRg st="4" end="4"/>
+                                              <p:pRg st="6" end="6"/>
                                             </p:txEl>
                                           </p:spTgt>
                                         </p:tgtEl>
@@ -6202,7 +5834,7 @@
                                         <p:tgtEl>
                                           <p:spTgt spid="3">
                                             <p:txEl>
-                                              <p:pRg st="4" end="4"/>
+                                              <p:pRg st="6" end="6"/>
                                             </p:txEl>
                                           </p:spTgt>
                                         </p:tgtEl>
@@ -6245,7 +5877,7 @@
                                         <p:tgtEl>
                                           <p:spTgt spid="3">
                                             <p:txEl>
-                                              <p:pRg st="5" end="5"/>
+                                              <p:pRg st="7" end="7"/>
                                             </p:txEl>
                                           </p:spTgt>
                                         </p:tgtEl>
@@ -6263,7 +5895,7 @@
                                         <p:tgtEl>
                                           <p:spTgt spid="3">
                                             <p:txEl>
-                                              <p:pRg st="5" end="5"/>
+                                              <p:pRg st="7" end="7"/>
                                             </p:txEl>
                                           </p:spTgt>
                                         </p:tgtEl>
@@ -6306,7 +5938,7 @@
                                         <p:tgtEl>
                                           <p:spTgt spid="3">
                                             <p:txEl>
-                                              <p:pRg st="6" end="6"/>
+                                              <p:pRg st="8" end="8"/>
                                             </p:txEl>
                                           </p:spTgt>
                                         </p:tgtEl>
@@ -6324,7 +5956,7 @@
                                         <p:tgtEl>
                                           <p:spTgt spid="3">
                                             <p:txEl>
-                                              <p:pRg st="6" end="6"/>
+                                              <p:pRg st="8" end="8"/>
                                             </p:txEl>
                                           </p:spTgt>
                                         </p:tgtEl>
@@ -6352,7 +5984,7 @@
                             </p:stCondLst>
                             <p:childTnLst>
                               <p:par>
-                                <p:cTn id="40" presetID="10" presetClass="entr" presetSubtype="0" fill="hold" grpId="0" nodeType="clickEffect">
+                                <p:cTn id="40" presetID="2" presetClass="entr" presetSubtype="4" fill="hold" nodeType="clickEffect">
                                   <p:stCondLst>
                                     <p:cond delay="0"/>
                                   </p:stCondLst>
@@ -6365,9 +5997,100 @@
                                           </p:stCondLst>
                                         </p:cTn>
                                         <p:tgtEl>
-                                          <p:spTgt spid="3">
-                                            <p:txEl>
-                                              <p:pRg st="7" end="7"/>
+                                          <p:spTgt spid="4"/>
+                                        </p:tgtEl>
+                                        <p:attrNameLst>
+                                          <p:attrName>style.visibility</p:attrName>
+                                        </p:attrNameLst>
+                                      </p:cBhvr>
+                                      <p:to>
+                                        <p:strVal val="visible"/>
+                                      </p:to>
+                                    </p:set>
+                                    <p:anim calcmode="lin" valueType="num">
+                                      <p:cBhvr additive="base">
+                                        <p:cTn id="42" dur="500" fill="hold"/>
+                                        <p:tgtEl>
+                                          <p:spTgt spid="4"/>
+                                        </p:tgtEl>
+                                        <p:attrNameLst>
+                                          <p:attrName>ppt_x</p:attrName>
+                                        </p:attrNameLst>
+                                      </p:cBhvr>
+                                      <p:tavLst>
+                                        <p:tav tm="0">
+                                          <p:val>
+                                            <p:strVal val="#ppt_x"/>
+                                          </p:val>
+                                        </p:tav>
+                                        <p:tav tm="100000">
+                                          <p:val>
+                                            <p:strVal val="#ppt_x"/>
+                                          </p:val>
+                                        </p:tav>
+                                      </p:tavLst>
+                                    </p:anim>
+                                    <p:anim calcmode="lin" valueType="num">
+                                      <p:cBhvr additive="base">
+                                        <p:cTn id="43" dur="500" fill="hold"/>
+                                        <p:tgtEl>
+                                          <p:spTgt spid="4"/>
+                                        </p:tgtEl>
+                                        <p:attrNameLst>
+                                          <p:attrName>ppt_y</p:attrName>
+                                        </p:attrNameLst>
+                                      </p:cBhvr>
+                                      <p:tavLst>
+                                        <p:tav tm="0">
+                                          <p:val>
+                                            <p:strVal val="1+#ppt_h/2"/>
+                                          </p:val>
+                                        </p:tav>
+                                        <p:tav tm="100000">
+                                          <p:val>
+                                            <p:strVal val="#ppt_y"/>
+                                          </p:val>
+                                        </p:tav>
+                                      </p:tavLst>
+                                    </p:anim>
+                                  </p:childTnLst>
+                                </p:cTn>
+                              </p:par>
+                            </p:childTnLst>
+                          </p:cTn>
+                        </p:par>
+                      </p:childTnLst>
+                    </p:cTn>
+                  </p:par>
+                  <p:par>
+                    <p:cTn id="44" fill="hold">
+                      <p:stCondLst>
+                        <p:cond delay="indefinite"/>
+                      </p:stCondLst>
+                      <p:childTnLst>
+                        <p:par>
+                          <p:cTn id="45" fill="hold">
+                            <p:stCondLst>
+                              <p:cond delay="0"/>
+                            </p:stCondLst>
+                            <p:childTnLst>
+                              <p:par>
+                                <p:cTn id="46" presetID="10" presetClass="entr" presetSubtype="0" fill="hold" grpId="0" nodeType="clickEffect">
+                                  <p:stCondLst>
+                                    <p:cond delay="0"/>
+                                  </p:stCondLst>
+                                  <p:childTnLst>
+                                    <p:set>
+                                      <p:cBhvr>
+                                        <p:cTn id="47" dur="1" fill="hold">
+                                          <p:stCondLst>
+                                            <p:cond delay="0"/>
+                                          </p:stCondLst>
+                                        </p:cTn>
+                                        <p:tgtEl>
+                                          <p:spTgt spid="3">
+                                            <p:txEl>
+                                              <p:pRg st="9" end="9"/>
                                             </p:txEl>
                                           </p:spTgt>
                                         </p:tgtEl>
@@ -6381,11 +6104,11 @@
                                     </p:set>
                                     <p:animEffect transition="in" filter="fade">
                                       <p:cBhvr>
-                                        <p:cTn id="42" dur="500"/>
-                                        <p:tgtEl>
-                                          <p:spTgt spid="3">
-                                            <p:txEl>
-                                              <p:pRg st="7" end="7"/>
+                                        <p:cTn id="48" dur="500"/>
+                                        <p:tgtEl>
+                                          <p:spTgt spid="3">
+                                            <p:txEl>
+                                              <p:pRg st="9" end="9"/>
                                             </p:txEl>
                                           </p:spTgt>
                                         </p:tgtEl>
@@ -6422,13 +6145,13 @@
       </p:par>
     </p:tnLst>
     <p:bldLst>
-      <p:bldP spid="3" grpId="0" build="p"/>
+      <p:bldP spid="3" grpId="0" uiExpand="1" build="p"/>
     </p:bldLst>
   </p:timing>
 </p:sld>
 </file>
 
-<file path=ppt/slides/slide14.xml><?xml version="1.0" encoding="utf-8"?>
+<file path=ppt/slides/slide13.xml><?xml version="1.0" encoding="utf-8"?>
 <p:sld xmlns:a="http://schemas.openxmlformats.org/drawingml/2006/main" xmlns:r="http://schemas.openxmlformats.org/officeDocument/2006/relationships" xmlns:p="http://schemas.openxmlformats.org/presentationml/2006/main">
   <p:cSld>
     <p:spTree>
@@ -7873,7 +7596,7 @@
 </p:sld>
 </file>
 
-<file path=ppt/slides/slide15.xml><?xml version="1.0" encoding="utf-8"?>
+<file path=ppt/slides/slide14.xml><?xml version="1.0" encoding="utf-8"?>
 <p:sld xmlns:a="http://schemas.openxmlformats.org/drawingml/2006/main" xmlns:r="http://schemas.openxmlformats.org/officeDocument/2006/relationships" xmlns:p="http://schemas.openxmlformats.org/presentationml/2006/main">
   <p:cSld>
     <p:spTree>
@@ -8017,7 +7740,11 @@
             <a:pPr marL="0" indent="0">
               <a:buNone/>
             </a:pPr>
-            <a:endParaRPr lang="zh-CN" altLang="en-US" dirty="0"/>
+            <a:r>
+              <a:rPr lang="en-US" altLang="zh-CN" sz="2400" dirty="0"/>
+              <a:t>More indicators besides accuracy</a:t>
+            </a:r>
+            <a:endParaRPr lang="zh-CN" altLang="en-US" sz="2400" dirty="0"/>
           </a:p>
         </p:txBody>
       </p:sp>
@@ -8064,7 +7791,7 @@
 </p:sld>
 </file>
 
-<file path=ppt/slides/slide16.xml><?xml version="1.0" encoding="utf-8"?>
+<file path=ppt/slides/slide15.xml><?xml version="1.0" encoding="utf-8"?>
 <p:sld xmlns:a="http://schemas.openxmlformats.org/drawingml/2006/main" xmlns:r="http://schemas.openxmlformats.org/officeDocument/2006/relationships" xmlns:p="http://schemas.openxmlformats.org/presentationml/2006/main">
   <p:cSld>
     <p:spTree>
@@ -9259,7 +8986,7 @@
 </p:sld>
 </file>
 
-<file path=ppt/slides/slide17.xml><?xml version="1.0" encoding="utf-8"?>
+<file path=ppt/slides/slide16.xml><?xml version="1.0" encoding="utf-8"?>
 <p:sld xmlns:a="http://schemas.openxmlformats.org/drawingml/2006/main" xmlns:r="http://schemas.openxmlformats.org/officeDocument/2006/relationships" xmlns:p="http://schemas.openxmlformats.org/presentationml/2006/main">
   <p:cSld>
     <p:spTree>
@@ -9445,7 +9172,7 @@
 </p:sld>
 </file>
 
-<file path=ppt/slides/slide18.xml><?xml version="1.0" encoding="utf-8"?>
+<file path=ppt/slides/slide17.xml><?xml version="1.0" encoding="utf-8"?>
 <p:sld xmlns:a="http://schemas.openxmlformats.org/drawingml/2006/main" xmlns:r="http://schemas.openxmlformats.org/officeDocument/2006/relationships" xmlns:p="http://schemas.openxmlformats.org/presentationml/2006/main">
   <p:cSld>
     <p:spTree>
@@ -9929,33 +9656,15 @@
                                   </p:childTnLst>
                                 </p:cTn>
                               </p:par>
-                            </p:childTnLst>
-                          </p:cTn>
-                        </p:par>
-                      </p:childTnLst>
-                    </p:cTn>
-                  </p:par>
-                  <p:par>
-                    <p:cTn id="13" fill="hold">
-                      <p:stCondLst>
-                        <p:cond delay="indefinite"/>
-                      </p:stCondLst>
-                      <p:childTnLst>
-                        <p:par>
-                          <p:cTn id="14" fill="hold">
-                            <p:stCondLst>
-                              <p:cond delay="0"/>
-                            </p:stCondLst>
-                            <p:childTnLst>
                               <p:par>
-                                <p:cTn id="15" presetID="10" presetClass="entr" presetSubtype="0" fill="hold" grpId="0" nodeType="clickEffect">
+                                <p:cTn id="13" presetID="10" presetClass="entr" presetSubtype="0" fill="hold" grpId="0" nodeType="withEffect">
                                   <p:stCondLst>
                                     <p:cond delay="0"/>
                                   </p:stCondLst>
                                   <p:childTnLst>
                                     <p:set>
                                       <p:cBhvr>
-                                        <p:cTn id="16" dur="1" fill="hold">
+                                        <p:cTn id="14" dur="1" fill="hold">
                                           <p:stCondLst>
                                             <p:cond delay="0"/>
                                           </p:stCondLst>
@@ -9977,7 +9686,7 @@
                                     </p:set>
                                     <p:animEffect transition="in" filter="fade">
                                       <p:cBhvr>
-                                        <p:cTn id="17" dur="500"/>
+                                        <p:cTn id="15" dur="500"/>
                                         <p:tgtEl>
                                           <p:spTgt spid="3">
                                             <p:txEl>
@@ -9990,33 +9699,15 @@
                                   </p:childTnLst>
                                 </p:cTn>
                               </p:par>
-                            </p:childTnLst>
-                          </p:cTn>
-                        </p:par>
-                      </p:childTnLst>
-                    </p:cTn>
-                  </p:par>
-                  <p:par>
-                    <p:cTn id="18" fill="hold">
-                      <p:stCondLst>
-                        <p:cond delay="indefinite"/>
-                      </p:stCondLst>
-                      <p:childTnLst>
-                        <p:par>
-                          <p:cTn id="19" fill="hold">
-                            <p:stCondLst>
-                              <p:cond delay="0"/>
-                            </p:stCondLst>
-                            <p:childTnLst>
                               <p:par>
-                                <p:cTn id="20" presetID="10" presetClass="entr" presetSubtype="0" fill="hold" grpId="0" nodeType="clickEffect">
+                                <p:cTn id="16" presetID="10" presetClass="entr" presetSubtype="0" fill="hold" grpId="0" nodeType="withEffect">
                                   <p:stCondLst>
                                     <p:cond delay="0"/>
                                   </p:stCondLst>
                                   <p:childTnLst>
                                     <p:set>
                                       <p:cBhvr>
-                                        <p:cTn id="21" dur="1" fill="hold">
+                                        <p:cTn id="17" dur="1" fill="hold">
                                           <p:stCondLst>
                                             <p:cond delay="0"/>
                                           </p:stCondLst>
@@ -10038,7 +9729,7 @@
                                     </p:set>
                                     <p:animEffect transition="in" filter="fade">
                                       <p:cBhvr>
-                                        <p:cTn id="22" dur="500"/>
+                                        <p:cTn id="18" dur="500"/>
                                         <p:tgtEl>
                                           <p:spTgt spid="3">
                                             <p:txEl>
@@ -10051,32 +9742,100 @@
                                   </p:childTnLst>
                                 </p:cTn>
                               </p:par>
-                            </p:childTnLst>
-                          </p:cTn>
-                        </p:par>
-                      </p:childTnLst>
-                    </p:cTn>
-                  </p:par>
-                  <p:par>
-                    <p:cTn id="23" fill="hold">
-                      <p:stCondLst>
-                        <p:cond delay="indefinite"/>
-                      </p:stCondLst>
-                      <p:childTnLst>
-                        <p:par>
-                          <p:cTn id="24" fill="hold">
-                            <p:stCondLst>
-                              <p:cond delay="0"/>
-                            </p:stCondLst>
-                            <p:childTnLst>
                               <p:par>
-                                <p:cTn id="25" presetID="10" presetClass="entr" presetSubtype="0" fill="hold" grpId="0" nodeType="clickEffect">
+                                <p:cTn id="19" presetID="10" presetClass="entr" presetSubtype="0" fill="hold" grpId="0" nodeType="withEffect">
                                   <p:stCondLst>
                                     <p:cond delay="0"/>
                                   </p:stCondLst>
                                   <p:childTnLst>
                                     <p:set>
                                       <p:cBhvr>
+                                        <p:cTn id="20" dur="1" fill="hold">
+                                          <p:stCondLst>
+                                            <p:cond delay="0"/>
+                                          </p:stCondLst>
+                                        </p:cTn>
+                                        <p:tgtEl>
+                                          <p:spTgt spid="3">
+                                            <p:txEl>
+                                              <p:pRg st="3" end="3"/>
+                                            </p:txEl>
+                                          </p:spTgt>
+                                        </p:tgtEl>
+                                        <p:attrNameLst>
+                                          <p:attrName>style.visibility</p:attrName>
+                                        </p:attrNameLst>
+                                      </p:cBhvr>
+                                      <p:to>
+                                        <p:strVal val="visible"/>
+                                      </p:to>
+                                    </p:set>
+                                    <p:animEffect transition="in" filter="fade">
+                                      <p:cBhvr>
+                                        <p:cTn id="21" dur="500"/>
+                                        <p:tgtEl>
+                                          <p:spTgt spid="3">
+                                            <p:txEl>
+                                              <p:pRg st="3" end="3"/>
+                                            </p:txEl>
+                                          </p:spTgt>
+                                        </p:tgtEl>
+                                      </p:cBhvr>
+                                    </p:animEffect>
+                                  </p:childTnLst>
+                                </p:cTn>
+                              </p:par>
+                              <p:par>
+                                <p:cTn id="22" presetID="10" presetClass="entr" presetSubtype="0" fill="hold" grpId="0" nodeType="withEffect">
+                                  <p:stCondLst>
+                                    <p:cond delay="0"/>
+                                  </p:stCondLst>
+                                  <p:childTnLst>
+                                    <p:set>
+                                      <p:cBhvr>
+                                        <p:cTn id="23" dur="1" fill="hold">
+                                          <p:stCondLst>
+                                            <p:cond delay="0"/>
+                                          </p:stCondLst>
+                                        </p:cTn>
+                                        <p:tgtEl>
+                                          <p:spTgt spid="3">
+                                            <p:txEl>
+                                              <p:pRg st="4" end="4"/>
+                                            </p:txEl>
+                                          </p:spTgt>
+                                        </p:tgtEl>
+                                        <p:attrNameLst>
+                                          <p:attrName>style.visibility</p:attrName>
+                                        </p:attrNameLst>
+                                      </p:cBhvr>
+                                      <p:to>
+                                        <p:strVal val="visible"/>
+                                      </p:to>
+                                    </p:set>
+                                    <p:animEffect transition="in" filter="fade">
+                                      <p:cBhvr>
+                                        <p:cTn id="24" dur="500"/>
+                                        <p:tgtEl>
+                                          <p:spTgt spid="3">
+                                            <p:txEl>
+                                              <p:pRg st="4" end="4"/>
+                                            </p:txEl>
+                                          </p:spTgt>
+                                        </p:tgtEl>
+                                      </p:cBhvr>
+                                    </p:animEffect>
+                                  </p:childTnLst>
+                                </p:cTn>
+                              </p:par>
+                              <p:par>
+                                <p:cTn id="25" presetID="10" presetClass="entr" presetSubtype="0" fill="hold" grpId="0" nodeType="withEffect">
+                                  <p:stCondLst>
+                                    <p:cond delay="0"/>
+                                  </p:stCondLst>
+                                  <p:childTnLst>
+                                    <p:set>
+                                      <p:cBhvr>
                                         <p:cTn id="26" dur="1" fill="hold">
                                           <p:stCondLst>
                                             <p:cond delay="0"/>
@@ -10085,7 +9844,7 @@
                                         <p:tgtEl>
                                           <p:spTgt spid="3">
                                             <p:txEl>
-                                              <p:pRg st="3" end="3"/>
+                                              <p:pRg st="5" end="5"/>
                                             </p:txEl>
                                           </p:spTgt>
                                         </p:tgtEl>
@@ -10100,128 +9859,6 @@
                                     <p:animEffect transition="in" filter="fade">
                                       <p:cBhvr>
                                         <p:cTn id="27" dur="500"/>
-                                        <p:tgtEl>
-                                          <p:spTgt spid="3">
-                                            <p:txEl>
-                                              <p:pRg st="3" end="3"/>
-                                            </p:txEl>
-                                          </p:spTgt>
-                                        </p:tgtEl>
-                                      </p:cBhvr>
-                                    </p:animEffect>
-                                  </p:childTnLst>
-                                </p:cTn>
-                              </p:par>
-                            </p:childTnLst>
-                          </p:cTn>
-                        </p:par>
-                      </p:childTnLst>
-                    </p:cTn>
-                  </p:par>
-                  <p:par>
-                    <p:cTn id="28" fill="hold">
-                      <p:stCondLst>
-                        <p:cond delay="indefinite"/>
-                      </p:stCondLst>
-                      <p:childTnLst>
-                        <p:par>
-                          <p:cTn id="29" fill="hold">
-                            <p:stCondLst>
-                              <p:cond delay="0"/>
-                            </p:stCondLst>
-                            <p:childTnLst>
-                              <p:par>
-                                <p:cTn id="30" presetID="10" presetClass="entr" presetSubtype="0" fill="hold" grpId="0" nodeType="clickEffect">
-                                  <p:stCondLst>
-                                    <p:cond delay="0"/>
-                                  </p:stCondLst>
-                                  <p:childTnLst>
-                                    <p:set>
-                                      <p:cBhvr>
-                                        <p:cTn id="31" dur="1" fill="hold">
-                                          <p:stCondLst>
-                                            <p:cond delay="0"/>
-                                          </p:stCondLst>
-                                        </p:cTn>
-                                        <p:tgtEl>
-                                          <p:spTgt spid="3">
-                                            <p:txEl>
-                                              <p:pRg st="4" end="4"/>
-                                            </p:txEl>
-                                          </p:spTgt>
-                                        </p:tgtEl>
-                                        <p:attrNameLst>
-                                          <p:attrName>style.visibility</p:attrName>
-                                        </p:attrNameLst>
-                                      </p:cBhvr>
-                                      <p:to>
-                                        <p:strVal val="visible"/>
-                                      </p:to>
-                                    </p:set>
-                                    <p:animEffect transition="in" filter="fade">
-                                      <p:cBhvr>
-                                        <p:cTn id="32" dur="500"/>
-                                        <p:tgtEl>
-                                          <p:spTgt spid="3">
-                                            <p:txEl>
-                                              <p:pRg st="4" end="4"/>
-                                            </p:txEl>
-                                          </p:spTgt>
-                                        </p:tgtEl>
-                                      </p:cBhvr>
-                                    </p:animEffect>
-                                  </p:childTnLst>
-                                </p:cTn>
-                              </p:par>
-                            </p:childTnLst>
-                          </p:cTn>
-                        </p:par>
-                      </p:childTnLst>
-                    </p:cTn>
-                  </p:par>
-                  <p:par>
-                    <p:cTn id="33" fill="hold">
-                      <p:stCondLst>
-                        <p:cond delay="indefinite"/>
-                      </p:stCondLst>
-                      <p:childTnLst>
-                        <p:par>
-                          <p:cTn id="34" fill="hold">
-                            <p:stCondLst>
-                              <p:cond delay="0"/>
-                            </p:stCondLst>
-                            <p:childTnLst>
-                              <p:par>
-                                <p:cTn id="35" presetID="10" presetClass="entr" presetSubtype="0" fill="hold" grpId="0" nodeType="clickEffect">
-                                  <p:stCondLst>
-                                    <p:cond delay="0"/>
-                                  </p:stCondLst>
-                                  <p:childTnLst>
-                                    <p:set>
-                                      <p:cBhvr>
-                                        <p:cTn id="36" dur="1" fill="hold">
-                                          <p:stCondLst>
-                                            <p:cond delay="0"/>
-                                          </p:stCondLst>
-                                        </p:cTn>
-                                        <p:tgtEl>
-                                          <p:spTgt spid="3">
-                                            <p:txEl>
-                                              <p:pRg st="5" end="5"/>
-                                            </p:txEl>
-                                          </p:spTgt>
-                                        </p:tgtEl>
-                                        <p:attrNameLst>
-                                          <p:attrName>style.visibility</p:attrName>
-                                        </p:attrNameLst>
-                                      </p:cBhvr>
-                                      <p:to>
-                                        <p:strVal val="visible"/>
-                                      </p:to>
-                                    </p:set>
-                                    <p:animEffect transition="in" filter="fade">
-                                      <p:cBhvr>
-                                        <p:cTn id="37" dur="500"/>
                                         <p:tgtEl>
                                           <p:spTgt spid="3">
                                             <p:txEl>
@@ -12338,11 +11975,7 @@
                                           </p:stCondLst>
                                         </p:cTn>
                                         <p:tgtEl>
-                                          <p:spTgt spid="3">
-                                            <p:txEl>
-                                              <p:pRg st="4" end="4"/>
-                                            </p:txEl>
-                                          </p:spTgt>
+                                          <p:spTgt spid="6"/>
                                         </p:tgtEl>
                                         <p:attrNameLst>
                                           <p:attrName>style.visibility</p:attrName>
@@ -12356,11 +11989,7 @@
                                       <p:cBhvr>
                                         <p:cTn id="12" dur="500"/>
                                         <p:tgtEl>
-                                          <p:spTgt spid="3">
-                                            <p:txEl>
-                                              <p:pRg st="4" end="4"/>
-                                            </p:txEl>
-                                          </p:spTgt>
+                                          <p:spTgt spid="6"/>
                                         </p:tgtEl>
                                       </p:cBhvr>
                                     </p:animEffect>
@@ -12399,7 +12028,11 @@
                                           </p:stCondLst>
                                         </p:cTn>
                                         <p:tgtEl>
-                                          <p:spTgt spid="6"/>
+                                          <p:spTgt spid="3">
+                                            <p:txEl>
+                                              <p:pRg st="4" end="4"/>
+                                            </p:txEl>
+                                          </p:spTgt>
                                         </p:tgtEl>
                                         <p:attrNameLst>
                                           <p:attrName>style.visibility</p:attrName>
@@ -12413,7 +12046,11 @@
                                       <p:cBhvr>
                                         <p:cTn id="17" dur="500"/>
                                         <p:tgtEl>
-                                          <p:spTgt spid="6"/>
+                                          <p:spTgt spid="3">
+                                            <p:txEl>
+                                              <p:pRg st="4" end="4"/>
+                                            </p:txEl>
+                                          </p:spTgt>
                                         </p:tgtEl>
                                       </p:cBhvr>
                                     </p:animEffect>
@@ -13877,7 +13514,7 @@
                                         <p:tgtEl>
                                           <p:spTgt spid="3">
                                             <p:txEl>
-                                              <p:pRg st="0" end="0"/>
+                                              <p:pRg st="1" end="1"/>
                                             </p:txEl>
                                           </p:spTgt>
                                         </p:tgtEl>
@@ -13895,7 +13532,7 @@
                                         <p:tgtEl>
                                           <p:spTgt spid="3">
                                             <p:txEl>
-                                              <p:pRg st="0" end="0"/>
+                                              <p:pRg st="1" end="1"/>
                                             </p:txEl>
                                           </p:spTgt>
                                         </p:tgtEl>
@@ -13938,7 +13575,7 @@
                                         <p:tgtEl>
                                           <p:spTgt spid="3">
                                             <p:txEl>
-                                              <p:pRg st="1" end="1"/>
+                                              <p:pRg st="2" end="2"/>
                                             </p:txEl>
                                           </p:spTgt>
                                         </p:tgtEl>
@@ -13956,7 +13593,7 @@
                                         <p:tgtEl>
                                           <p:spTgt spid="3">
                                             <p:txEl>
-                                              <p:pRg st="1" end="1"/>
+                                              <p:pRg st="2" end="2"/>
                                             </p:txEl>
                                           </p:spTgt>
                                         </p:tgtEl>
@@ -13999,7 +13636,7 @@
                                         <p:tgtEl>
                                           <p:spTgt spid="3">
                                             <p:txEl>
-                                              <p:pRg st="2" end="2"/>
+                                              <p:pRg st="3" end="3"/>
                                             </p:txEl>
                                           </p:spTgt>
                                         </p:tgtEl>
@@ -14017,7 +13654,7 @@
                                         <p:tgtEl>
                                           <p:spTgt spid="3">
                                             <p:txEl>
-                                              <p:pRg st="2" end="2"/>
+                                              <p:pRg st="3" end="3"/>
                                             </p:txEl>
                                           </p:spTgt>
                                         </p:tgtEl>
@@ -14060,7 +13697,7 @@
                                         <p:tgtEl>
                                           <p:spTgt spid="3">
                                             <p:txEl>
-                                              <p:pRg st="3" end="3"/>
+                                              <p:pRg st="5" end="5"/>
                                             </p:txEl>
                                           </p:spTgt>
                                         </p:tgtEl>
@@ -14078,7 +13715,7 @@
                                         <p:tgtEl>
                                           <p:spTgt spid="3">
                                             <p:txEl>
-                                              <p:pRg st="3" end="3"/>
+                                              <p:pRg st="5" end="5"/>
                                             </p:txEl>
                                           </p:spTgt>
                                         </p:tgtEl>
@@ -14121,7 +13758,7 @@
                                         <p:tgtEl>
                                           <p:spTgt spid="3">
                                             <p:txEl>
-                                              <p:pRg st="5" end="5"/>
+                                              <p:pRg st="6" end="6"/>
                                             </p:txEl>
                                           </p:spTgt>
                                         </p:tgtEl>
@@ -14139,7 +13776,7 @@
                                         <p:tgtEl>
                                           <p:spTgt spid="3">
                                             <p:txEl>
-                                              <p:pRg st="5" end="5"/>
+                                              <p:pRg st="6" end="6"/>
                                             </p:txEl>
                                           </p:spTgt>
                                         </p:tgtEl>
@@ -14182,7 +13819,7 @@
                                         <p:tgtEl>
                                           <p:spTgt spid="3">
                                             <p:txEl>
-                                              <p:pRg st="6" end="6"/>
+                                              <p:pRg st="7" end="7"/>
                                             </p:txEl>
                                           </p:spTgt>
                                         </p:tgtEl>
@@ -14200,7 +13837,7 @@
                                         <p:tgtEl>
                                           <p:spTgt spid="3">
                                             <p:txEl>
-                                              <p:pRg st="6" end="6"/>
+                                              <p:pRg st="7" end="7"/>
                                             </p:txEl>
                                           </p:spTgt>
                                         </p:tgtEl>
@@ -14243,7 +13880,7 @@
                                         <p:tgtEl>
                                           <p:spTgt spid="3">
                                             <p:txEl>
-                                              <p:pRg st="7" end="7"/>
+                                              <p:pRg st="8" end="8"/>
                                             </p:txEl>
                                           </p:spTgt>
                                         </p:tgtEl>
@@ -14261,7 +13898,7 @@
                                         <p:tgtEl>
                                           <p:spTgt spid="3">
                                             <p:txEl>
-                                              <p:pRg st="7" end="7"/>
+                                              <p:pRg st="8" end="8"/>
                                             </p:txEl>
                                           </p:spTgt>
                                         </p:tgtEl>
@@ -14304,7 +13941,7 @@
                                         <p:tgtEl>
                                           <p:spTgt spid="3">
                                             <p:txEl>
-                                              <p:pRg st="8" end="8"/>
+                                              <p:pRg st="10" end="10"/>
                                             </p:txEl>
                                           </p:spTgt>
                                         </p:tgtEl>
@@ -14322,7 +13959,7 @@
                                         <p:tgtEl>
                                           <p:spTgt spid="3">
                                             <p:txEl>
-                                              <p:pRg st="8" end="8"/>
+                                              <p:pRg st="10" end="10"/>
                                             </p:txEl>
                                           </p:spTgt>
                                         </p:tgtEl>
@@ -14365,7 +14002,7 @@
                                         <p:tgtEl>
                                           <p:spTgt spid="3">
                                             <p:txEl>
-                                              <p:pRg st="10" end="10"/>
+                                              <p:pRg st="11" end="11"/>
                                             </p:txEl>
                                           </p:spTgt>
                                         </p:tgtEl>
@@ -14383,7 +14020,7 @@
                                         <p:tgtEl>
                                           <p:spTgt spid="3">
                                             <p:txEl>
-                                              <p:pRg st="10" end="10"/>
+                                              <p:pRg st="11" end="11"/>
                                             </p:txEl>
                                           </p:spTgt>
                                         </p:tgtEl>
@@ -14426,7 +14063,7 @@
                                         <p:tgtEl>
                                           <p:spTgt spid="3">
                                             <p:txEl>
-                                              <p:pRg st="11" end="11"/>
+                                              <p:pRg st="12" end="12"/>
                                             </p:txEl>
                                           </p:spTgt>
                                         </p:tgtEl>
@@ -14441,67 +14078,6 @@
                                     <p:animEffect transition="in" filter="fade">
                                       <p:cBhvr>
                                         <p:cTn id="52" dur="500"/>
-                                        <p:tgtEl>
-                                          <p:spTgt spid="3">
-                                            <p:txEl>
-                                              <p:pRg st="11" end="11"/>
-                                            </p:txEl>
-                                          </p:spTgt>
-                                        </p:tgtEl>
-                                      </p:cBhvr>
-                                    </p:animEffect>
-                                  </p:childTnLst>
-                                </p:cTn>
-                              </p:par>
-                            </p:childTnLst>
-                          </p:cTn>
-                        </p:par>
-                      </p:childTnLst>
-                    </p:cTn>
-                  </p:par>
-                  <p:par>
-                    <p:cTn id="53" fill="hold">
-                      <p:stCondLst>
-                        <p:cond delay="indefinite"/>
-                      </p:stCondLst>
-                      <p:childTnLst>
-                        <p:par>
-                          <p:cTn id="54" fill="hold">
-                            <p:stCondLst>
-                              <p:cond delay="0"/>
-                            </p:stCondLst>
-                            <p:childTnLst>
-                              <p:par>
-                                <p:cTn id="55" presetID="10" presetClass="entr" presetSubtype="0" fill="hold" grpId="0" nodeType="clickEffect">
-                                  <p:stCondLst>
-                                    <p:cond delay="0"/>
-                                  </p:stCondLst>
-                                  <p:childTnLst>
-                                    <p:set>
-                                      <p:cBhvr>
-                                        <p:cTn id="56" dur="1" fill="hold">
-                                          <p:stCondLst>
-                                            <p:cond delay="0"/>
-                                          </p:stCondLst>
-                                        </p:cTn>
-                                        <p:tgtEl>
-                                          <p:spTgt spid="3">
-                                            <p:txEl>
-                                              <p:pRg st="12" end="12"/>
-                                            </p:txEl>
-                                          </p:spTgt>
-                                        </p:tgtEl>
-                                        <p:attrNameLst>
-                                          <p:attrName>style.visibility</p:attrName>
-                                        </p:attrNameLst>
-                                      </p:cBhvr>
-                                      <p:to>
-                                        <p:strVal val="visible"/>
-                                      </p:to>
-                                    </p:set>
-                                    <p:animEffect transition="in" filter="fade">
-                                      <p:cBhvr>
-                                        <p:cTn id="57" dur="500"/>
                                         <p:tgtEl>
                                           <p:spTgt spid="3">
                                             <p:txEl>
@@ -14542,7 +14118,7 @@
       </p:par>
     </p:tnLst>
     <p:bldLst>
-      <p:bldP spid="3" grpId="0" build="p"/>
+      <p:bldP spid="3" grpId="0" uiExpand="1" build="p"/>
     </p:bldLst>
   </p:timing>
 </p:sld>
@@ -14879,7 +14455,7 @@
                                         <p:tgtEl>
                                           <p:spTgt spid="3">
                                             <p:txEl>
-                                              <p:pRg st="0" end="0"/>
+                                              <p:pRg st="1" end="1"/>
                                             </p:txEl>
                                           </p:spTgt>
                                         </p:tgtEl>
@@ -14897,7 +14473,7 @@
                                         <p:tgtEl>
                                           <p:spTgt spid="3">
                                             <p:txEl>
-                                              <p:pRg st="0" end="0"/>
+                                              <p:pRg st="1" end="1"/>
                                             </p:txEl>
                                           </p:spTgt>
                                         </p:tgtEl>
@@ -14940,7 +14516,7 @@
                                         <p:tgtEl>
                                           <p:spTgt spid="3">
                                             <p:txEl>
-                                              <p:pRg st="1" end="1"/>
+                                              <p:pRg st="2" end="2"/>
                                             </p:txEl>
                                           </p:spTgt>
                                         </p:tgtEl>
@@ -14958,7 +14534,7 @@
                                         <p:tgtEl>
                                           <p:spTgt spid="3">
                                             <p:txEl>
-                                              <p:pRg st="1" end="1"/>
+                                              <p:pRg st="2" end="2"/>
                                             </p:txEl>
                                           </p:spTgt>
                                         </p:tgtEl>
@@ -15001,7 +14577,7 @@
                                         <p:tgtEl>
                                           <p:spTgt spid="3">
                                             <p:txEl>
-                                              <p:pRg st="2" end="2"/>
+                                              <p:pRg st="3" end="3"/>
                                             </p:txEl>
                                           </p:spTgt>
                                         </p:tgtEl>
@@ -15019,7 +14595,7 @@
                                         <p:tgtEl>
                                           <p:spTgt spid="3">
                                             <p:txEl>
-                                              <p:pRg st="2" end="2"/>
+                                              <p:pRg st="3" end="3"/>
                                             </p:txEl>
                                           </p:spTgt>
                                         </p:tgtEl>
@@ -15062,7 +14638,7 @@
                                         <p:tgtEl>
                                           <p:spTgt spid="3">
                                             <p:txEl>
-                                              <p:pRg st="3" end="3"/>
+                                              <p:pRg st="5" end="5"/>
                                             </p:txEl>
                                           </p:spTgt>
                                         </p:tgtEl>
@@ -15080,7 +14656,7 @@
                                         <p:tgtEl>
                                           <p:spTgt spid="3">
                                             <p:txEl>
-                                              <p:pRg st="3" end="3"/>
+                                              <p:pRg st="5" end="5"/>
                                             </p:txEl>
                                           </p:spTgt>
                                         </p:tgtEl>
@@ -15123,7 +14699,7 @@
                                         <p:tgtEl>
                                           <p:spTgt spid="3">
                                             <p:txEl>
-                                              <p:pRg st="5" end="5"/>
+                                              <p:pRg st="6" end="6"/>
                                             </p:txEl>
                                           </p:spTgt>
                                         </p:tgtEl>
@@ -15141,7 +14717,7 @@
                                         <p:tgtEl>
                                           <p:spTgt spid="3">
                                             <p:txEl>
-                                              <p:pRg st="5" end="5"/>
+                                              <p:pRg st="6" end="6"/>
                                             </p:txEl>
                                           </p:spTgt>
                                         </p:tgtEl>
@@ -15184,7 +14760,7 @@
                                         <p:tgtEl>
                                           <p:spTgt spid="3">
                                             <p:txEl>
-                                              <p:pRg st="6" end="6"/>
+                                              <p:pRg st="7" end="7"/>
                                             </p:txEl>
                                           </p:spTgt>
                                         </p:tgtEl>
@@ -15202,7 +14778,7 @@
                                         <p:tgtEl>
                                           <p:spTgt spid="3">
                                             <p:txEl>
-                                              <p:pRg st="6" end="6"/>
+                                              <p:pRg st="7" end="7"/>
                                             </p:txEl>
                                           </p:spTgt>
                                         </p:tgtEl>
@@ -15245,7 +14821,7 @@
                                         <p:tgtEl>
                                           <p:spTgt spid="3">
                                             <p:txEl>
-                                              <p:pRg st="7" end="7"/>
+                                              <p:pRg st="8" end="8"/>
                                             </p:txEl>
                                           </p:spTgt>
                                         </p:tgtEl>
@@ -15263,7 +14839,7 @@
                                         <p:tgtEl>
                                           <p:spTgt spid="3">
                                             <p:txEl>
-                                              <p:pRg st="7" end="7"/>
+                                              <p:pRg st="8" end="8"/>
                                             </p:txEl>
                                           </p:spTgt>
                                         </p:tgtEl>
@@ -15306,7 +14882,7 @@
                                         <p:tgtEl>
                                           <p:spTgt spid="3">
                                             <p:txEl>
-                                              <p:pRg st="8" end="8"/>
+                                              <p:pRg st="9" end="9"/>
                                             </p:txEl>
                                           </p:spTgt>
                                         </p:tgtEl>
@@ -15324,7 +14900,7 @@
                                         <p:tgtEl>
                                           <p:spTgt spid="3">
                                             <p:txEl>
-                                              <p:pRg st="8" end="8"/>
+                                              <p:pRg st="9" end="9"/>
                                             </p:txEl>
                                           </p:spTgt>
                                         </p:tgtEl>
@@ -15367,7 +14943,7 @@
                                         <p:tgtEl>
                                           <p:spTgt spid="3">
                                             <p:txEl>
-                                              <p:pRg st="9" end="9"/>
+                                              <p:pRg st="11" end="11"/>
                                             </p:txEl>
                                           </p:spTgt>
                                         </p:tgtEl>
@@ -15385,7 +14961,7 @@
                                         <p:tgtEl>
                                           <p:spTgt spid="3">
                                             <p:txEl>
-                                              <p:pRg st="9" end="9"/>
+                                              <p:pRg st="11" end="11"/>
                                             </p:txEl>
                                           </p:spTgt>
                                         </p:tgtEl>
@@ -15428,7 +15004,7 @@
                                         <p:tgtEl>
                                           <p:spTgt spid="3">
                                             <p:txEl>
-                                              <p:pRg st="11" end="11"/>
+                                              <p:pRg st="12" end="12"/>
                                             </p:txEl>
                                           </p:spTgt>
                                         </p:tgtEl>
@@ -15443,67 +15019,6 @@
                                     <p:animEffect transition="in" filter="fade">
                                       <p:cBhvr>
                                         <p:cTn id="52" dur="500"/>
-                                        <p:tgtEl>
-                                          <p:spTgt spid="3">
-                                            <p:txEl>
-                                              <p:pRg st="11" end="11"/>
-                                            </p:txEl>
-                                          </p:spTgt>
-                                        </p:tgtEl>
-                                      </p:cBhvr>
-                                    </p:animEffect>
-                                  </p:childTnLst>
-                                </p:cTn>
-                              </p:par>
-                            </p:childTnLst>
-                          </p:cTn>
-                        </p:par>
-                      </p:childTnLst>
-                    </p:cTn>
-                  </p:par>
-                  <p:par>
-                    <p:cTn id="53" fill="hold">
-                      <p:stCondLst>
-                        <p:cond delay="indefinite"/>
-                      </p:stCondLst>
-                      <p:childTnLst>
-                        <p:par>
-                          <p:cTn id="54" fill="hold">
-                            <p:stCondLst>
-                              <p:cond delay="0"/>
-                            </p:stCondLst>
-                            <p:childTnLst>
-                              <p:par>
-                                <p:cTn id="55" presetID="10" presetClass="entr" presetSubtype="0" fill="hold" grpId="0" nodeType="clickEffect">
-                                  <p:stCondLst>
-                                    <p:cond delay="0"/>
-                                  </p:stCondLst>
-                                  <p:childTnLst>
-                                    <p:set>
-                                      <p:cBhvr>
-                                        <p:cTn id="56" dur="1" fill="hold">
-                                          <p:stCondLst>
-                                            <p:cond delay="0"/>
-                                          </p:stCondLst>
-                                        </p:cTn>
-                                        <p:tgtEl>
-                                          <p:spTgt spid="3">
-                                            <p:txEl>
-                                              <p:pRg st="12" end="12"/>
-                                            </p:txEl>
-                                          </p:spTgt>
-                                        </p:tgtEl>
-                                        <p:attrNameLst>
-                                          <p:attrName>style.visibility</p:attrName>
-                                        </p:attrNameLst>
-                                      </p:cBhvr>
-                                      <p:to>
-                                        <p:strVal val="visible"/>
-                                      </p:to>
-                                    </p:set>
-                                    <p:animEffect transition="in" filter="fade">
-                                      <p:cBhvr>
-                                        <p:cTn id="57" dur="500"/>
                                         <p:tgtEl>
                                           <p:spTgt spid="3">
                                             <p:txEl>
@@ -15544,7 +15059,7 @@
       </p:par>
     </p:tnLst>
     <p:bldLst>
-      <p:bldP spid="3" grpId="0" build="p"/>
+      <p:bldP spid="3" grpId="0" uiExpand="1" build="p"/>
     </p:bldLst>
   </p:timing>
 </p:sld>
@@ -15688,7 +15203,7 @@
               <a:buNone/>
             </a:pPr>
             <a:r>
-              <a:rPr lang="en-US" altLang="zh-CN" sz="3500" dirty="0"/>
+              <a:rPr lang="en-US" altLang="zh-CN" sz="3600" dirty="0"/>
               <a:t>“Vision begins with eyes, but truly takes place in the brain.”</a:t>
             </a:r>
           </a:p>
@@ -15697,11 +15212,11 @@
               <a:buNone/>
             </a:pPr>
             <a:r>
-              <a:rPr lang="en-US" altLang="zh-CN" sz="3500" dirty="0"/>
+              <a:rPr lang="en-US" altLang="zh-CN" sz="3600" dirty="0"/>
               <a:t>Mostly based on an </a:t>
             </a:r>
             <a:r>
-              <a:rPr lang="en-US" altLang="zh-CN" sz="3500" dirty="0">
+              <a:rPr lang="en-US" altLang="zh-CN" sz="3600" dirty="0">
                 <a:solidFill>
                   <a:srgbClr val="FFFF00"/>
                 </a:solidFill>
@@ -15709,11 +15224,11 @@
               <a:t>artificial neural network</a:t>
             </a:r>
             <a:r>
-              <a:rPr lang="en-US" altLang="zh-CN" sz="3500" dirty="0"/>
+              <a:rPr lang="en-US" altLang="zh-CN" sz="3600" dirty="0"/>
               <a:t>; using a cascade of </a:t>
             </a:r>
             <a:r>
-              <a:rPr lang="en-US" altLang="zh-CN" sz="3500" dirty="0">
+              <a:rPr lang="en-US" altLang="zh-CN" sz="3600" dirty="0">
                 <a:solidFill>
                   <a:srgbClr val="FFFF00"/>
                 </a:solidFill>
@@ -15721,11 +15236,11 @@
               <a:t>multiple layers </a:t>
             </a:r>
             <a:r>
-              <a:rPr lang="en-US" altLang="zh-CN" sz="3500" dirty="0"/>
+              <a:rPr lang="en-US" altLang="zh-CN" sz="3600" dirty="0"/>
               <a:t>of </a:t>
             </a:r>
             <a:r>
-              <a:rPr lang="en-US" altLang="zh-CN" sz="3500" dirty="0">
+              <a:rPr lang="en-US" altLang="zh-CN" sz="3600" dirty="0">
                 <a:solidFill>
                   <a:srgbClr val="FFFF00"/>
                 </a:solidFill>
@@ -15733,8 +15248,71 @@
               <a:t>nonlinear</a:t>
             </a:r>
             <a:r>
-              <a:rPr lang="en-US" altLang="zh-CN" sz="3500" dirty="0"/>
+              <a:rPr lang="en-US" altLang="zh-CN" sz="3600" dirty="0"/>
               <a:t> processing units for feature extraction and transformation .</a:t>
+            </a:r>
+          </a:p>
+          <a:p>
+            <a:pPr marL="0" indent="0">
+              <a:buNone/>
+            </a:pPr>
+            <a:endParaRPr lang="en-US" altLang="zh-CN" sz="3600" dirty="0"/>
+          </a:p>
+          <a:p>
+            <a:r>
+              <a:rPr lang="en-US" altLang="zh-CN" sz="3500" b="1" dirty="0"/>
+              <a:t>Advantage</a:t>
+            </a:r>
+          </a:p>
+          <a:p>
+            <a:pPr marL="0" indent="0">
+              <a:buNone/>
+            </a:pPr>
+            <a:r>
+              <a:rPr lang="en-US" altLang="zh-CN" sz="3600" dirty="0">
+                <a:solidFill>
+                  <a:srgbClr val="FFFF00"/>
+                </a:solidFill>
+              </a:rPr>
+              <a:t>High performance </a:t>
+            </a:r>
+            <a:r>
+              <a:rPr lang="en-US" altLang="zh-CN" sz="3600" dirty="0"/>
+              <a:t>with enough data</a:t>
+            </a:r>
+          </a:p>
+          <a:p>
+            <a:pPr marL="0" indent="0">
+              <a:buNone/>
+            </a:pPr>
+            <a:r>
+              <a:rPr lang="en-US" altLang="zh-CN" sz="3600" dirty="0">
+                <a:solidFill>
+                  <a:srgbClr val="FFFF00"/>
+                </a:solidFill>
+              </a:rPr>
+              <a:t>Time efficient</a:t>
+            </a:r>
+            <a:r>
+              <a:rPr lang="en-US" altLang="zh-CN" sz="3600" dirty="0"/>
+              <a:t>: reduces the need for feature engineering</a:t>
+            </a:r>
+          </a:p>
+          <a:p>
+            <a:pPr marL="0" indent="0">
+              <a:buNone/>
+            </a:pPr>
+            <a:r>
+              <a:rPr lang="en-US" altLang="zh-CN" sz="3600" dirty="0">
+                <a:solidFill>
+                  <a:srgbClr val="FFFF00"/>
+                </a:solidFill>
+              </a:rPr>
+              <a:t>Universality</a:t>
+            </a:r>
+            <a:r>
+              <a:rPr lang="en-US" altLang="zh-CN" sz="3600" dirty="0"/>
+              <a:t>: can be adapted to new problems relatively easily </a:t>
             </a:r>
           </a:p>
           <a:p>
@@ -15746,7 +15324,7 @@
           <a:p>
             <a:r>
               <a:rPr lang="en-US" altLang="zh-CN" sz="3500" b="1" dirty="0"/>
-              <a:t>Advantage</a:t>
+              <a:t>Weakness</a:t>
             </a:r>
           </a:p>
           <a:p>
@@ -15754,16 +15332,20 @@
               <a:buNone/>
             </a:pPr>
             <a:r>
-              <a:rPr lang="en-US" altLang="zh-CN" sz="3500" dirty="0">
+              <a:rPr lang="en-US" altLang="zh-CN" sz="3600" dirty="0"/>
+              <a:t>Extremely </a:t>
+            </a:r>
+            <a:r>
+              <a:rPr lang="en-US" altLang="zh-CN" sz="3600" dirty="0">
                 <a:solidFill>
                   <a:srgbClr val="FFFF00"/>
                 </a:solidFill>
               </a:rPr>
-              <a:t>High performance </a:t>
-            </a:r>
-            <a:r>
-              <a:rPr lang="en-US" altLang="zh-CN" sz="3500" dirty="0"/>
-              <a:t>with enough data</a:t>
+              <a:t>computationally expensive </a:t>
+            </a:r>
+            <a:r>
+              <a:rPr lang="en-US" altLang="zh-CN" sz="3600" dirty="0"/>
+              <a:t>to train</a:t>
             </a:r>
           </a:p>
           <a:p>
@@ -15771,74 +15353,7 @@
               <a:buNone/>
             </a:pPr>
             <a:r>
-              <a:rPr lang="en-US" altLang="zh-CN" sz="3500" dirty="0">
-                <a:solidFill>
-                  <a:srgbClr val="FFFF00"/>
-                </a:solidFill>
-              </a:rPr>
-              <a:t>Time efficient</a:t>
-            </a:r>
-            <a:r>
-              <a:rPr lang="en-US" altLang="zh-CN" sz="3500" dirty="0"/>
-              <a:t>: reduces the need for feature engineering</a:t>
-            </a:r>
-          </a:p>
-          <a:p>
-            <a:pPr marL="0" indent="0">
-              <a:buNone/>
-            </a:pPr>
-            <a:r>
-              <a:rPr lang="en-US" altLang="zh-CN" sz="3500" dirty="0">
-                <a:solidFill>
-                  <a:srgbClr val="FFFF00"/>
-                </a:solidFill>
-              </a:rPr>
-              <a:t>Universality</a:t>
-            </a:r>
-            <a:r>
-              <a:rPr lang="en-US" altLang="zh-CN" sz="3500" dirty="0"/>
-              <a:t>: can be adapted to new problems relatively easily </a:t>
-            </a:r>
-          </a:p>
-          <a:p>
-            <a:pPr marL="0" indent="0">
-              <a:buNone/>
-            </a:pPr>
-            <a:endParaRPr lang="en-US" altLang="zh-CN" sz="3500" dirty="0"/>
-          </a:p>
-          <a:p>
-            <a:r>
-              <a:rPr lang="en-US" altLang="zh-CN" sz="3500" b="1" dirty="0"/>
-              <a:t>Weakness</a:t>
-            </a:r>
-          </a:p>
-          <a:p>
-            <a:pPr marL="0" indent="0">
-              <a:buNone/>
-            </a:pPr>
-            <a:r>
-              <a:rPr lang="en-US" altLang="zh-CN" sz="3500" dirty="0"/>
-              <a:t>Extremely </a:t>
-            </a:r>
-            <a:r>
-              <a:rPr lang="en-US" altLang="zh-CN" sz="3500" dirty="0">
-                <a:solidFill>
-                  <a:srgbClr val="FFFF00"/>
-                </a:solidFill>
-              </a:rPr>
-              <a:t>computationally expensive </a:t>
-            </a:r>
-            <a:r>
-              <a:rPr lang="en-US" altLang="zh-CN" sz="3500" dirty="0"/>
-              <a:t>to train</a:t>
-            </a:r>
-          </a:p>
-          <a:p>
-            <a:pPr marL="0" indent="0">
-              <a:buNone/>
-            </a:pPr>
-            <a:r>
-              <a:rPr lang="en-US" altLang="zh-CN" sz="3500" dirty="0"/>
+              <a:rPr lang="en-US" altLang="zh-CN" sz="3600" dirty="0"/>
               <a:t>Without strong theoretical foundation, hard to comprehend</a:t>
             </a:r>
           </a:p>

--- a/doc/model selection and evaluation.pptx
+++ b/doc/model selection and evaluation.pptx
@@ -8,9 +8,9 @@
     <p:sldId id="256" r:id="rId2"/>
     <p:sldId id="257" r:id="rId3"/>
     <p:sldId id="258" r:id="rId4"/>
-    <p:sldId id="259" r:id="rId5"/>
-    <p:sldId id="261" r:id="rId6"/>
-    <p:sldId id="262" r:id="rId7"/>
+    <p:sldId id="262" r:id="rId5"/>
+    <p:sldId id="277" r:id="rId6"/>
+    <p:sldId id="261" r:id="rId7"/>
     <p:sldId id="263" r:id="rId8"/>
     <p:sldId id="270" r:id="rId9"/>
     <p:sldId id="271" r:id="rId10"/>
@@ -3280,7 +3280,7 @@
                 </a:solidFill>
                 <a:latin typeface="等线 Light" panose="020F0302020204030204"/>
               </a:rPr>
-              <a:t>4. Model assessment and comparison</a:t>
+              <a:t>3. Model assessment and comparison</a:t>
             </a:r>
             <a:endParaRPr lang="zh-CN" altLang="en-US" dirty="0"/>
           </a:p>
@@ -3305,7 +3305,7 @@
         <p:spPr/>
         <p:txBody>
           <a:bodyPr>
-            <a:normAutofit fontScale="85000" lnSpcReduction="20000"/>
+            <a:normAutofit/>
           </a:bodyPr>
           <a:lstStyle/>
           <a:p>
@@ -3319,7 +3319,27 @@
                 </a:solidFill>
                 <a:latin typeface="等线" panose="020F0502020204030204"/>
               </a:rPr>
-              <a:t>4.1 Model assessment</a:t>
+              <a:t> </a:t>
+            </a:r>
+            <a:r>
+              <a:rPr lang="en-US" altLang="zh-CN" sz="2400" b="1" dirty="0">
+                <a:solidFill>
+                  <a:prstClr val="white"/>
+                </a:solidFill>
+                <a:latin typeface="等线" panose="020F0502020204030204"/>
+              </a:rPr>
+              <a:t>3.1. Cost evaluation</a:t>
+            </a:r>
+          </a:p>
+          <a:p>
+            <a:pPr lvl="0"/>
+            <a:r>
+              <a:rPr lang="en-US" altLang="zh-CN" sz="2400" dirty="0">
+                <a:solidFill>
+                  <a:prstClr val="white"/>
+                </a:solidFill>
+              </a:rPr>
+              <a:t>feature dimensions</a:t>
             </a:r>
           </a:p>
           <a:p>
@@ -3327,13 +3347,28 @@
               <a:buNone/>
             </a:pPr>
             <a:r>
-              <a:rPr lang="en-US" altLang="zh-CN" sz="2400" b="1" dirty="0">
+              <a:rPr lang="en-US" altLang="zh-CN" sz="2400" dirty="0">
                 <a:solidFill>
                   <a:prstClr val="white"/>
                 </a:solidFill>
-                <a:latin typeface="等线" panose="020F0502020204030204"/>
-              </a:rPr>
-              <a:t>4.1.1 Cost evaluation</a:t>
+              </a:rPr>
+              <a:t>RGB: 5*5*5	SIFT: 2000       </a:t>
+            </a:r>
+            <a:r>
+              <a:rPr lang="en-US" altLang="zh-CN" sz="2400" dirty="0" err="1">
+                <a:solidFill>
+                  <a:prstClr val="white"/>
+                </a:solidFill>
+              </a:rPr>
+              <a:t>MobileNet</a:t>
+            </a:r>
+            <a:r>
+              <a:rPr lang="en-US" altLang="zh-CN" sz="2400" dirty="0">
+                <a:solidFill>
+                  <a:prstClr val="white"/>
+                </a:solidFill>
+              </a:rPr>
+              <a:t>: 256*256*3 </a:t>
             </a:r>
           </a:p>
           <a:p>
@@ -3344,7 +3379,7 @@
                   <a:prstClr val="white"/>
                 </a:solidFill>
               </a:rPr>
-              <a:t>feature dimensions</a:t>
+              <a:t>model running time ( cross validation/training/prediction time)</a:t>
             </a:r>
           </a:p>
           <a:p>
@@ -3352,39 +3387,13 @@
               <a:buNone/>
             </a:pPr>
             <a:r>
-              <a:rPr lang="en-US" altLang="zh-CN" sz="2400" dirty="0">
+              <a:rPr lang="en-US" altLang="zh-CN" sz="2000" b="1" dirty="0">
                 <a:solidFill>
                   <a:prstClr val="white"/>
                 </a:solidFill>
-              </a:rPr>
-              <a:t>RGB: 5*5*5	SIFT: 2000       </a:t>
-            </a:r>
-            <a:r>
-              <a:rPr lang="en-US" altLang="zh-CN" sz="2400" dirty="0" err="1">
-                <a:solidFill>
-                  <a:prstClr val="white"/>
-                </a:solidFill>
-              </a:rPr>
-              <a:t>MobileNet</a:t>
-            </a:r>
-            <a:r>
-              <a:rPr lang="en-US" altLang="zh-CN" sz="2400" dirty="0">
-                <a:solidFill>
-                  <a:prstClr val="white"/>
-                </a:solidFill>
-              </a:rPr>
-              <a:t>:  </a:t>
-            </a:r>
-          </a:p>
-          <a:p>
-            <a:pPr lvl="0"/>
-            <a:r>
-              <a:rPr lang="en-US" altLang="zh-CN" sz="2400" dirty="0">
-                <a:solidFill>
-                  <a:prstClr val="white"/>
-                </a:solidFill>
-              </a:rPr>
-              <a:t>model running time (cross validation/training/prediction time)</a:t>
+                <a:latin typeface="等线" panose="020F0502020204030204"/>
+              </a:rPr>
+              <a:t>XGBoost (9675.41s/1.46s/0.04s)</a:t>
             </a:r>
           </a:p>
           <a:p>
@@ -3392,13 +3401,31 @@
               <a:buNone/>
             </a:pPr>
             <a:r>
-              <a:rPr lang="en-US" altLang="zh-CN" sz="2400" b="1" dirty="0">
+              <a:rPr lang="en-US" altLang="zh-CN" sz="2000" b="1" dirty="0">
                 <a:solidFill>
                   <a:prstClr val="white"/>
                 </a:solidFill>
                 <a:latin typeface="等线" panose="020F0502020204030204"/>
               </a:rPr>
-              <a:t>XGBoost (9675.41/67.88/7.8s)</a:t>
+              <a:t>SVM (</a:t>
+            </a:r>
+            <a:r>
+              <a:rPr lang="en-US" altLang="zh-CN" sz="2000" b="1">
+                <a:solidFill>
+                  <a:prstClr val="white"/>
+                </a:solidFill>
+                <a:latin typeface="等线" panose="020F0502020204030204"/>
+              </a:rPr>
+              <a:t>Linear 0.41/3.18/0.40s   RBF 2.59/2.45/0.33s</a:t>
+            </a:r>
+            <a:r>
+              <a:rPr lang="en-US" altLang="zh-CN" sz="2000" b="1" dirty="0">
+                <a:solidFill>
+                  <a:prstClr val="white"/>
+                </a:solidFill>
+                <a:latin typeface="等线" panose="020F0502020204030204"/>
+              </a:rPr>
+              <a:t>)  </a:t>
             </a:r>
           </a:p>
           <a:p>
@@ -3406,13 +3433,13 @@
               <a:buNone/>
             </a:pPr>
             <a:r>
-              <a:rPr lang="en-US" altLang="zh-CN" sz="2400" b="1" dirty="0">
-                <a:solidFill>
-                  <a:prstClr val="white"/>
+              <a:rPr lang="en-US" altLang="zh-CN" sz="2000" b="1" dirty="0">
+                <a:solidFill>
+                  <a:srgbClr val="FFFF00"/>
                 </a:solidFill>
                 <a:latin typeface="等线" panose="020F0502020204030204"/>
               </a:rPr>
-              <a:t>SVM</a:t>
+              <a:t>CNN ( resize 118.69/548.78/22.68s)</a:t>
             </a:r>
           </a:p>
           <a:p>
@@ -3426,33 +3453,35 @@
                 </a:solidFill>
                 <a:latin typeface="等线" panose="020F0502020204030204"/>
               </a:rPr>
-              <a:t>CNN(</a:t>
-            </a:r>
-          </a:p>
-          <a:p>
-            <a:pPr marL="0" lvl="0" indent="0">
-              <a:buNone/>
-            </a:pPr>
-            <a:r>
-              <a:rPr lang="en-US" altLang="zh-CN" sz="2600" b="1" dirty="0">
+              <a:t>3.2 Performance evaluation</a:t>
+            </a:r>
+          </a:p>
+          <a:p>
+            <a:r>
+              <a:rPr lang="en-US" altLang="zh-CN" sz="2200" b="1" dirty="0">
                 <a:solidFill>
                   <a:prstClr val="white"/>
                 </a:solidFill>
                 <a:latin typeface="等线" panose="020F0502020204030204"/>
               </a:rPr>
-              <a:t>4.1.2 Performance evaluation</a:t>
-            </a:r>
-          </a:p>
-          <a:p>
-            <a:r>
-              <a:rPr lang="en-US" altLang="zh-CN" sz="2200" b="1" dirty="0">
-                <a:solidFill>
-                  <a:prstClr val="white"/>
-                </a:solidFill>
-                <a:latin typeface="等线" panose="020F0502020204030204"/>
-              </a:rPr>
               <a:t>Accuracy</a:t>
             </a:r>
+          </a:p>
+          <a:p>
+            <a:endParaRPr lang="en-US" altLang="zh-CN" sz="2200" b="1" dirty="0">
+              <a:solidFill>
+                <a:prstClr val="white"/>
+              </a:solidFill>
+              <a:latin typeface="等线" panose="020F0502020204030204"/>
+            </a:endParaRPr>
+          </a:p>
+          <a:p>
+            <a:endParaRPr lang="en-US" altLang="zh-CN" sz="2200" b="1" dirty="0">
+              <a:solidFill>
+                <a:prstClr val="white"/>
+              </a:solidFill>
+              <a:latin typeface="等线" panose="020F0502020204030204"/>
+            </a:endParaRPr>
           </a:p>
           <a:p>
             <a:pPr marL="0" indent="0">
@@ -3466,19 +3495,404 @@
             </a:endParaRPr>
           </a:p>
           <a:p>
-            <a:r>
-              <a:rPr lang="en-US" altLang="zh-CN" sz="2200" b="1" dirty="0">
-                <a:solidFill>
-                  <a:prstClr val="white"/>
-                </a:solidFill>
-                <a:latin typeface="等线" panose="020F0502020204030204"/>
-              </a:rPr>
-              <a:t>ROC curve, gams &amp; lift charts etc.</a:t>
-            </a:r>
+            <a:pPr marL="0" indent="0">
+              <a:buNone/>
+            </a:pPr>
+            <a:endParaRPr lang="en-US" altLang="zh-CN" sz="2200" b="1" dirty="0">
+              <a:solidFill>
+                <a:prstClr val="white"/>
+              </a:solidFill>
+              <a:latin typeface="等线" panose="020F0502020204030204"/>
+            </a:endParaRPr>
+          </a:p>
+          <a:p>
+            <a:pPr marL="0" indent="0">
+              <a:buNone/>
+            </a:pPr>
             <a:endParaRPr lang="zh-CN" altLang="en-US" sz="2200" dirty="0"/>
           </a:p>
         </p:txBody>
       </p:sp>
+      <p:graphicFrame>
+        <p:nvGraphicFramePr>
+          <p:cNvPr id="5" name="表格 4">
+            <a:extLst>
+              <a:ext uri="{FF2B5EF4-FFF2-40B4-BE49-F238E27FC236}">
+                <a16:creationId xmlns:a16="http://schemas.microsoft.com/office/drawing/2014/main" id="{32685F43-52E9-42CF-ADD3-579727A924BD}"/>
+              </a:ext>
+            </a:extLst>
+          </p:cNvPr>
+          <p:cNvGraphicFramePr>
+            <a:graphicFrameLocks noGrp="1"/>
+          </p:cNvGraphicFramePr>
+          <p:nvPr>
+            <p:extLst>
+              <p:ext uri="{D42A27DB-BD31-4B8C-83A1-F6EECF244321}">
+                <p14:modId xmlns:p14="http://schemas.microsoft.com/office/powerpoint/2010/main" val="2437139582"/>
+              </p:ext>
+            </p:extLst>
+          </p:nvPr>
+        </p:nvGraphicFramePr>
+        <p:xfrm>
+          <a:off x="906729" y="5882213"/>
+          <a:ext cx="10515601" cy="610662"/>
+        </p:xfrm>
+        <a:graphic>
+          <a:graphicData uri="http://schemas.openxmlformats.org/drawingml/2006/table">
+            <a:tbl>
+              <a:tblPr>
+                <a:tableStyleId>{5C22544A-7EE6-4342-B048-85BDC9FD1C3A}</a:tableStyleId>
+              </a:tblPr>
+              <a:tblGrid>
+                <a:gridCol w="1257964">
+                  <a:extLst>
+                    <a:ext uri="{9D8B030D-6E8A-4147-A177-3AD203B41FA5}">
+                      <a16:colId xmlns:a16="http://schemas.microsoft.com/office/drawing/2014/main" val="3526924584"/>
+                    </a:ext>
+                  </a:extLst>
+                </a:gridCol>
+                <a:gridCol w="1355670">
+                  <a:extLst>
+                    <a:ext uri="{9D8B030D-6E8A-4147-A177-3AD203B41FA5}">
+                      <a16:colId xmlns:a16="http://schemas.microsoft.com/office/drawing/2014/main" val="805790107"/>
+                    </a:ext>
+                  </a:extLst>
+                </a:gridCol>
+                <a:gridCol w="1831986">
+                  <a:extLst>
+                    <a:ext uri="{9D8B030D-6E8A-4147-A177-3AD203B41FA5}">
+                      <a16:colId xmlns:a16="http://schemas.microsoft.com/office/drawing/2014/main" val="2398233489"/>
+                    </a:ext>
+                  </a:extLst>
+                </a:gridCol>
+                <a:gridCol w="2381582">
+                  <a:extLst>
+                    <a:ext uri="{9D8B030D-6E8A-4147-A177-3AD203B41FA5}">
+                      <a16:colId xmlns:a16="http://schemas.microsoft.com/office/drawing/2014/main" val="3106737808"/>
+                    </a:ext>
+                  </a:extLst>
+                </a:gridCol>
+                <a:gridCol w="2381582">
+                  <a:extLst>
+                    <a:ext uri="{9D8B030D-6E8A-4147-A177-3AD203B41FA5}">
+                      <a16:colId xmlns:a16="http://schemas.microsoft.com/office/drawing/2014/main" val="2939882380"/>
+                    </a:ext>
+                  </a:extLst>
+                </a:gridCol>
+                <a:gridCol w="1306817">
+                  <a:extLst>
+                    <a:ext uri="{9D8B030D-6E8A-4147-A177-3AD203B41FA5}">
+                      <a16:colId xmlns:a16="http://schemas.microsoft.com/office/drawing/2014/main" val="1587427253"/>
+                    </a:ext>
+                  </a:extLst>
+                </a:gridCol>
+              </a:tblGrid>
+              <a:tr h="305331">
+                <a:tc>
+                  <a:txBody>
+                    <a:bodyPr/>
+                    <a:lstStyle/>
+                    <a:p>
+                      <a:pPr algn="ctr" fontAlgn="b"/>
+                      <a:r>
+                        <a:rPr lang="en-US" sz="1900" u="none" strike="noStrike">
+                          <a:effectLst/>
+                        </a:rPr>
+                        <a:t>Baseline </a:t>
+                      </a:r>
+                      <a:endParaRPr lang="en-US" sz="1900" b="0" i="0" u="none" strike="noStrike">
+                        <a:solidFill>
+                          <a:srgbClr val="000000"/>
+                        </a:solidFill>
+                        <a:effectLst/>
+                        <a:latin typeface="等线" panose="02010600030101010101" pitchFamily="2" charset="-122"/>
+                        <a:ea typeface="等线" panose="02010600030101010101" pitchFamily="2" charset="-122"/>
+                      </a:endParaRPr>
+                    </a:p>
+                  </a:txBody>
+                  <a:tcPr marL="6107" marR="6107" marT="6107" marB="0" anchor="b"/>
+                </a:tc>
+                <a:tc>
+                  <a:txBody>
+                    <a:bodyPr/>
+                    <a:lstStyle/>
+                    <a:p>
+                      <a:pPr algn="ctr" fontAlgn="b"/>
+                      <a:r>
+                        <a:rPr lang="en-US" sz="1900" u="none" strike="noStrike" dirty="0">
+                          <a:effectLst/>
+                        </a:rPr>
+                        <a:t>SVM(linear)</a:t>
+                      </a:r>
+                      <a:endParaRPr lang="en-US" sz="1900" b="0" i="0" u="none" strike="noStrike" dirty="0">
+                        <a:solidFill>
+                          <a:srgbClr val="000000"/>
+                        </a:solidFill>
+                        <a:effectLst/>
+                        <a:latin typeface="等线" panose="02010600030101010101" pitchFamily="2" charset="-122"/>
+                        <a:ea typeface="等线" panose="02010600030101010101" pitchFamily="2" charset="-122"/>
+                      </a:endParaRPr>
+                    </a:p>
+                  </a:txBody>
+                  <a:tcPr marL="6107" marR="6107" marT="6107" marB="0" anchor="b"/>
+                </a:tc>
+                <a:tc>
+                  <a:txBody>
+                    <a:bodyPr/>
+                    <a:lstStyle/>
+                    <a:p>
+                      <a:pPr algn="ctr" fontAlgn="b"/>
+                      <a:r>
+                        <a:rPr lang="en-US" sz="1900" u="none" strike="noStrike">
+                          <a:effectLst/>
+                        </a:rPr>
+                        <a:t>SVM(RBF kernal)</a:t>
+                      </a:r>
+                      <a:endParaRPr lang="en-US" sz="1900" b="0" i="0" u="none" strike="noStrike">
+                        <a:solidFill>
+                          <a:srgbClr val="000000"/>
+                        </a:solidFill>
+                        <a:effectLst/>
+                        <a:latin typeface="等线" panose="02010600030101010101" pitchFamily="2" charset="-122"/>
+                        <a:ea typeface="等线" panose="02010600030101010101" pitchFamily="2" charset="-122"/>
+                      </a:endParaRPr>
+                    </a:p>
+                  </a:txBody>
+                  <a:tcPr marL="6107" marR="6107" marT="6107" marB="0" anchor="b"/>
+                </a:tc>
+                <a:tc>
+                  <a:txBody>
+                    <a:bodyPr/>
+                    <a:lstStyle/>
+                    <a:p>
+                      <a:pPr algn="ctr" fontAlgn="b"/>
+                      <a:r>
+                        <a:rPr lang="en-US" sz="1900" u="none" strike="noStrike">
+                          <a:effectLst/>
+                        </a:rPr>
+                        <a:t>XGBoost(RGB feature)</a:t>
+                      </a:r>
+                      <a:endParaRPr lang="en-US" sz="1900" b="0" i="0" u="none" strike="noStrike">
+                        <a:solidFill>
+                          <a:srgbClr val="000000"/>
+                        </a:solidFill>
+                        <a:effectLst/>
+                        <a:latin typeface="等线" panose="02010600030101010101" pitchFamily="2" charset="-122"/>
+                        <a:ea typeface="等线" panose="02010600030101010101" pitchFamily="2" charset="-122"/>
+                      </a:endParaRPr>
+                    </a:p>
+                  </a:txBody>
+                  <a:tcPr marL="6107" marR="6107" marT="6107" marB="0" anchor="b"/>
+                </a:tc>
+                <a:tc>
+                  <a:txBody>
+                    <a:bodyPr/>
+                    <a:lstStyle/>
+                    <a:p>
+                      <a:pPr algn="ctr" fontAlgn="b"/>
+                      <a:r>
+                        <a:rPr lang="en-US" sz="1900" u="none" strike="noStrike">
+                          <a:effectLst/>
+                        </a:rPr>
+                        <a:t>XGBoost(SIFT feature)</a:t>
+                      </a:r>
+                      <a:endParaRPr lang="en-US" sz="1900" b="0" i="0" u="none" strike="noStrike">
+                        <a:solidFill>
+                          <a:srgbClr val="000000"/>
+                        </a:solidFill>
+                        <a:effectLst/>
+                        <a:latin typeface="等线" panose="02010600030101010101" pitchFamily="2" charset="-122"/>
+                        <a:ea typeface="等线" panose="02010600030101010101" pitchFamily="2" charset="-122"/>
+                      </a:endParaRPr>
+                    </a:p>
+                  </a:txBody>
+                  <a:tcPr marL="6107" marR="6107" marT="6107" marB="0" anchor="b"/>
+                </a:tc>
+                <a:tc>
+                  <a:txBody>
+                    <a:bodyPr/>
+                    <a:lstStyle/>
+                    <a:p>
+                      <a:pPr algn="ctr" fontAlgn="b"/>
+                      <a:r>
+                        <a:rPr lang="en-US" sz="1900" u="none" strike="noStrike">
+                          <a:effectLst/>
+                        </a:rPr>
+                        <a:t>MobileNet</a:t>
+                      </a:r>
+                      <a:endParaRPr lang="en-US" sz="1900" b="0" i="0" u="none" strike="noStrike">
+                        <a:solidFill>
+                          <a:srgbClr val="000000"/>
+                        </a:solidFill>
+                        <a:effectLst/>
+                        <a:latin typeface="等线" panose="02010600030101010101" pitchFamily="2" charset="-122"/>
+                        <a:ea typeface="等线" panose="02010600030101010101" pitchFamily="2" charset="-122"/>
+                      </a:endParaRPr>
+                    </a:p>
+                  </a:txBody>
+                  <a:tcPr marL="6107" marR="6107" marT="6107" marB="0" anchor="b"/>
+                </a:tc>
+                <a:extLst>
+                  <a:ext uri="{0D108BD9-81ED-4DB2-BD59-A6C34878D82A}">
+                    <a16:rowId xmlns:a16="http://schemas.microsoft.com/office/drawing/2014/main" val="1967039000"/>
+                  </a:ext>
+                </a:extLst>
+              </a:tr>
+              <a:tr h="305331">
+                <a:tc>
+                  <a:txBody>
+                    <a:bodyPr/>
+                    <a:lstStyle/>
+                    <a:p>
+                      <a:pPr algn="ctr" fontAlgn="b"/>
+                      <a:r>
+                        <a:rPr lang="en-US" altLang="zh-CN" sz="1900" u="none" strike="noStrike" dirty="0">
+                          <a:effectLst/>
+                        </a:rPr>
+                        <a:t>0.883</a:t>
+                      </a:r>
+                      <a:endParaRPr lang="en-US" altLang="zh-CN" sz="1900" b="0" i="0" u="none" strike="noStrike" dirty="0">
+                        <a:solidFill>
+                          <a:srgbClr val="000000"/>
+                        </a:solidFill>
+                        <a:effectLst/>
+                        <a:latin typeface="等线" panose="02010600030101010101" pitchFamily="2" charset="-122"/>
+                        <a:ea typeface="等线" panose="02010600030101010101" pitchFamily="2" charset="-122"/>
+                      </a:endParaRPr>
+                    </a:p>
+                  </a:txBody>
+                  <a:tcPr marL="6107" marR="6107" marT="6107" marB="0" anchor="b"/>
+                </a:tc>
+                <a:tc>
+                  <a:txBody>
+                    <a:bodyPr/>
+                    <a:lstStyle/>
+                    <a:p>
+                      <a:pPr algn="ctr" fontAlgn="b"/>
+                      <a:r>
+                        <a:rPr lang="en-US" altLang="zh-CN" sz="1900" u="none" strike="noStrike">
+                          <a:effectLst/>
+                        </a:rPr>
+                        <a:t>0.589</a:t>
+                      </a:r>
+                      <a:endParaRPr lang="en-US" altLang="zh-CN" sz="1900" b="0" i="0" u="none" strike="noStrike">
+                        <a:solidFill>
+                          <a:srgbClr val="000000"/>
+                        </a:solidFill>
+                        <a:effectLst/>
+                        <a:latin typeface="等线" panose="02010600030101010101" pitchFamily="2" charset="-122"/>
+                        <a:ea typeface="等线" panose="02010600030101010101" pitchFamily="2" charset="-122"/>
+                      </a:endParaRPr>
+                    </a:p>
+                  </a:txBody>
+                  <a:tcPr marL="6107" marR="6107" marT="6107" marB="0" anchor="b"/>
+                </a:tc>
+                <a:tc>
+                  <a:txBody>
+                    <a:bodyPr/>
+                    <a:lstStyle/>
+                    <a:p>
+                      <a:pPr algn="ctr" fontAlgn="b"/>
+                      <a:r>
+                        <a:rPr lang="en-US" altLang="zh-CN" sz="1900" u="none" strike="noStrike">
+                          <a:effectLst/>
+                        </a:rPr>
+                        <a:t>0.742</a:t>
+                      </a:r>
+                      <a:endParaRPr lang="en-US" altLang="zh-CN" sz="1900" b="0" i="0" u="none" strike="noStrike">
+                        <a:solidFill>
+                          <a:srgbClr val="000000"/>
+                        </a:solidFill>
+                        <a:effectLst/>
+                        <a:latin typeface="等线" panose="02010600030101010101" pitchFamily="2" charset="-122"/>
+                        <a:ea typeface="等线" panose="02010600030101010101" pitchFamily="2" charset="-122"/>
+                      </a:endParaRPr>
+                    </a:p>
+                  </a:txBody>
+                  <a:tcPr marL="6107" marR="6107" marT="6107" marB="0" anchor="b"/>
+                </a:tc>
+                <a:tc>
+                  <a:txBody>
+                    <a:bodyPr/>
+                    <a:lstStyle/>
+                    <a:p>
+                      <a:pPr algn="ctr" fontAlgn="b"/>
+                      <a:r>
+                        <a:rPr lang="en-US" altLang="zh-CN" sz="1900" u="none" strike="noStrike">
+                          <a:effectLst/>
+                        </a:rPr>
+                        <a:t>0.889</a:t>
+                      </a:r>
+                      <a:endParaRPr lang="en-US" altLang="zh-CN" sz="1900" b="0" i="0" u="none" strike="noStrike">
+                        <a:solidFill>
+                          <a:srgbClr val="000000"/>
+                        </a:solidFill>
+                        <a:effectLst/>
+                        <a:latin typeface="等线" panose="02010600030101010101" pitchFamily="2" charset="-122"/>
+                        <a:ea typeface="等线" panose="02010600030101010101" pitchFamily="2" charset="-122"/>
+                      </a:endParaRPr>
+                    </a:p>
+                  </a:txBody>
+                  <a:tcPr marL="6107" marR="6107" marT="6107" marB="0" anchor="b"/>
+                </a:tc>
+                <a:tc>
+                  <a:txBody>
+                    <a:bodyPr/>
+                    <a:lstStyle/>
+                    <a:p>
+                      <a:pPr algn="ctr" fontAlgn="b"/>
+                      <a:r>
+                        <a:rPr lang="en-US" altLang="zh-CN" sz="1900" u="none" strike="noStrike">
+                          <a:effectLst/>
+                        </a:rPr>
+                        <a:t>0.678</a:t>
+                      </a:r>
+                      <a:endParaRPr lang="en-US" altLang="zh-CN" sz="1900" b="0" i="0" u="none" strike="noStrike">
+                        <a:solidFill>
+                          <a:srgbClr val="000000"/>
+                        </a:solidFill>
+                        <a:effectLst/>
+                        <a:latin typeface="等线" panose="02010600030101010101" pitchFamily="2" charset="-122"/>
+                        <a:ea typeface="等线" panose="02010600030101010101" pitchFamily="2" charset="-122"/>
+                      </a:endParaRPr>
+                    </a:p>
+                  </a:txBody>
+                  <a:tcPr marL="6107" marR="6107" marT="6107" marB="0" anchor="b"/>
+                </a:tc>
+                <a:tc>
+                  <a:txBody>
+                    <a:bodyPr/>
+                    <a:lstStyle/>
+                    <a:p>
+                      <a:pPr algn="ctr" fontAlgn="b"/>
+                      <a:r>
+                        <a:rPr lang="en-US" altLang="zh-CN" sz="1900" u="none" strike="noStrike" dirty="0">
+                          <a:effectLst/>
+                        </a:rPr>
+                        <a:t>0.993</a:t>
+                      </a:r>
+                      <a:endParaRPr lang="en-US" altLang="zh-CN" sz="1900" b="0" i="0" u="none" strike="noStrike" dirty="0">
+                        <a:solidFill>
+                          <a:srgbClr val="000000"/>
+                        </a:solidFill>
+                        <a:effectLst/>
+                        <a:latin typeface="等线" panose="02010600030101010101" pitchFamily="2" charset="-122"/>
+                        <a:ea typeface="等线" panose="02010600030101010101" pitchFamily="2" charset="-122"/>
+                      </a:endParaRPr>
+                    </a:p>
+                  </a:txBody>
+                  <a:tcPr marL="6107" marR="6107" marT="6107" marB="0" anchor="b"/>
+                </a:tc>
+                <a:extLst>
+                  <a:ext uri="{0D108BD9-81ED-4DB2-BD59-A6C34878D82A}">
+                    <a16:rowId xmlns:a16="http://schemas.microsoft.com/office/drawing/2014/main" val="818185257"/>
+                  </a:ext>
+                </a:extLst>
+              </a:tr>
+            </a:tbl>
+          </a:graphicData>
+        </a:graphic>
+      </p:graphicFrame>
     </p:spTree>
     <p:extLst>
       <p:ext uri="{BB962C8B-B14F-4D97-AF65-F5344CB8AC3E}">
@@ -4059,7 +4473,7 @@
                             </p:stCondLst>
                             <p:childTnLst>
                               <p:par>
-                                <p:cTn id="50" presetID="10" presetClass="entr" presetSubtype="0" fill="hold" grpId="0" nodeType="clickEffect">
+                                <p:cTn id="50" presetID="10" presetClass="entr" presetSubtype="0" fill="hold" nodeType="clickEffect">
                                   <p:stCondLst>
                                     <p:cond delay="0"/>
                                   </p:stCondLst>
@@ -4072,11 +4486,7 @@
                                           </p:stCondLst>
                                         </p:cTn>
                                         <p:tgtEl>
-                                          <p:spTgt spid="3">
-                                            <p:txEl>
-                                              <p:pRg st="9" end="9"/>
-                                            </p:txEl>
-                                          </p:spTgt>
+                                          <p:spTgt spid="5"/>
                                         </p:tgtEl>
                                         <p:attrNameLst>
                                           <p:attrName>style.visibility</p:attrName>
@@ -4090,72 +4500,7 @@
                                       <p:cBhvr>
                                         <p:cTn id="52" dur="500"/>
                                         <p:tgtEl>
-                                          <p:spTgt spid="3">
-                                            <p:txEl>
-                                              <p:pRg st="9" end="9"/>
-                                            </p:txEl>
-                                          </p:spTgt>
-                                        </p:tgtEl>
-                                      </p:cBhvr>
-                                    </p:animEffect>
-                                  </p:childTnLst>
-                                </p:cTn>
-                              </p:par>
-                            </p:childTnLst>
-                          </p:cTn>
-                        </p:par>
-                      </p:childTnLst>
-                    </p:cTn>
-                  </p:par>
-                  <p:par>
-                    <p:cTn id="53" fill="hold">
-                      <p:stCondLst>
-                        <p:cond delay="indefinite"/>
-                      </p:stCondLst>
-                      <p:childTnLst>
-                        <p:par>
-                          <p:cTn id="54" fill="hold">
-                            <p:stCondLst>
-                              <p:cond delay="0"/>
-                            </p:stCondLst>
-                            <p:childTnLst>
-                              <p:par>
-                                <p:cTn id="55" presetID="10" presetClass="entr" presetSubtype="0" fill="hold" grpId="0" nodeType="clickEffect">
-                                  <p:stCondLst>
-                                    <p:cond delay="0"/>
-                                  </p:stCondLst>
-                                  <p:childTnLst>
-                                    <p:set>
-                                      <p:cBhvr>
-                                        <p:cTn id="56" dur="1" fill="hold">
-                                          <p:stCondLst>
-                                            <p:cond delay="0"/>
-                                          </p:stCondLst>
-                                        </p:cTn>
-                                        <p:tgtEl>
-                                          <p:spTgt spid="3">
-                                            <p:txEl>
-                                              <p:pRg st="11" end="11"/>
-                                            </p:txEl>
-                                          </p:spTgt>
-                                        </p:tgtEl>
-                                        <p:attrNameLst>
-                                          <p:attrName>style.visibility</p:attrName>
-                                        </p:attrNameLst>
-                                      </p:cBhvr>
-                                      <p:to>
-                                        <p:strVal val="visible"/>
-                                      </p:to>
-                                    </p:set>
-                                    <p:animEffect transition="in" filter="fade">
-                                      <p:cBhvr>
-                                        <p:cTn id="57" dur="500"/>
-                                        <p:tgtEl>
-                                          <p:spTgt spid="3">
-                                            <p:txEl>
-                                              <p:pRg st="11" end="11"/>
-                                            </p:txEl>
-                                          </p:spTgt>
+                                          <p:spTgt spid="5"/>
                                         </p:tgtEl>
                                       </p:cBhvr>
                                     </p:animEffect>
@@ -4190,7 +4535,7 @@
       </p:par>
     </p:tnLst>
     <p:bldLst>
-      <p:bldP spid="3" grpId="0" build="p"/>
+      <p:bldP spid="3" grpId="0" uiExpand="1" build="p"/>
     </p:bldLst>
   </p:timing>
 </p:sld>
@@ -4244,7 +4589,7 @@
                 </a:solidFill>
                 <a:latin typeface="等线 Light" panose="020F0302020204030204"/>
               </a:rPr>
-              <a:t>5. Model improvement and prospect</a:t>
+              <a:t>4. Model improvement and prospect</a:t>
             </a:r>
             <a:endParaRPr lang="zh-CN" altLang="en-US" sz="4800" dirty="0"/>
           </a:p>
@@ -4283,7 +4628,7 @@
                 </a:solidFill>
                 <a:latin typeface="等线" panose="020F0502020204030204"/>
               </a:rPr>
-              <a:t>5.1 Model improvement</a:t>
+              <a:t>4.1 Model improvement</a:t>
             </a:r>
           </a:p>
           <a:p>
@@ -4297,7 +4642,7 @@
                 </a:solidFill>
                 <a:latin typeface="等线" panose="020F0502020204030204"/>
               </a:rPr>
-              <a:t>5.1.1 Advanced feature</a:t>
+              <a:t>4.1.1 Advanced feature</a:t>
             </a:r>
           </a:p>
           <a:p>
@@ -5315,7 +5660,7 @@
                 </a:solidFill>
                 <a:latin typeface="等线 Light" panose="020F0302020204030204"/>
               </a:rPr>
-              <a:t>5. Model improvement and prospect</a:t>
+              <a:t>4. Model improvement and prospect</a:t>
             </a:r>
             <a:endParaRPr lang="zh-CN" altLang="en-US" sz="4800" dirty="0"/>
           </a:p>
@@ -5340,7 +5685,7 @@
         <p:spPr/>
         <p:txBody>
           <a:bodyPr>
-            <a:normAutofit/>
+            <a:normAutofit fontScale="92500" lnSpcReduction="10000"/>
           </a:bodyPr>
           <a:lstStyle/>
           <a:p>
@@ -5353,7 +5698,7 @@
                   <a:prstClr val="white"/>
                 </a:solidFill>
               </a:rPr>
-              <a:t>5.1 Model improvement</a:t>
+              <a:t>4.1 Model improvement</a:t>
             </a:r>
           </a:p>
           <a:p>
@@ -5366,13 +5711,13 @@
                   <a:prstClr val="white"/>
                 </a:solidFill>
               </a:rPr>
-              <a:t>5.1.2 Parameter tuning</a:t>
+              <a:t>4.1.2 Parameter tuning</a:t>
             </a:r>
             <a:endParaRPr lang="en-US" altLang="zh-CN" dirty="0"/>
           </a:p>
           <a:p>
             <a:r>
-              <a:rPr lang="en-US" altLang="zh-CN" sz="2400" b="1">
+              <a:rPr lang="en-US" altLang="zh-CN" sz="2400" b="1" dirty="0">
                 <a:solidFill>
                   <a:prstClr val="white"/>
                 </a:solidFill>
@@ -5381,11 +5726,98 @@
             </a:r>
           </a:p>
           <a:p>
-            <a:endParaRPr lang="en-US" altLang="zh-CN" sz="2400" b="1" dirty="0">
-              <a:solidFill>
-                <a:prstClr val="white"/>
-              </a:solidFill>
-            </a:endParaRPr>
+            <a:pPr marL="0" indent="0">
+              <a:buNone/>
+            </a:pPr>
+            <a:r>
+              <a:rPr lang="en-US" altLang="zh-CN" sz="2400" b="1" dirty="0">
+                <a:solidFill>
+                  <a:prstClr val="white"/>
+                </a:solidFill>
+              </a:rPr>
+              <a:t>   </a:t>
+            </a:r>
+            <a:r>
+              <a:rPr lang="en-US" altLang="zh-CN" sz="2200" b="1" dirty="0">
+                <a:solidFill>
+                  <a:prstClr val="white"/>
+                </a:solidFill>
+              </a:rPr>
+              <a:t>Linear: cost: (0.0001,0.001,</a:t>
+            </a:r>
+            <a:r>
+              <a:rPr lang="en-US" altLang="zh-CN" sz="2200" b="1" dirty="0">
+                <a:solidFill>
+                  <a:srgbClr val="FFFF00"/>
+                </a:solidFill>
+              </a:rPr>
+              <a:t>0.1</a:t>
+            </a:r>
+            <a:r>
+              <a:rPr lang="en-US" altLang="zh-CN" sz="2200" b="1" dirty="0">
+                <a:solidFill>
+                  <a:prstClr val="white"/>
+                </a:solidFill>
+              </a:rPr>
+              <a:t>,1) </a:t>
+            </a:r>
+          </a:p>
+          <a:p>
+            <a:pPr marL="0" indent="0">
+              <a:buNone/>
+            </a:pPr>
+            <a:r>
+              <a:rPr lang="en-US" altLang="zh-CN" sz="2200" b="1" dirty="0">
+                <a:solidFill>
+                  <a:prstClr val="white"/>
+                </a:solidFill>
+              </a:rPr>
+              <a:t>   RBF:  cost: (0.0001,0.001,</a:t>
+            </a:r>
+            <a:r>
+              <a:rPr lang="en-US" altLang="zh-CN" sz="2200" b="1" dirty="0">
+                <a:solidFill>
+                  <a:srgbClr val="FFFF00"/>
+                </a:solidFill>
+              </a:rPr>
+              <a:t>0.1</a:t>
+            </a:r>
+            <a:r>
+              <a:rPr lang="en-US" altLang="zh-CN" sz="2200" b="1" dirty="0">
+                <a:solidFill>
+                  <a:prstClr val="white"/>
+                </a:solidFill>
+              </a:rPr>
+              <a:t>,</a:t>
+            </a:r>
+            <a:r>
+              <a:rPr lang="en-US" altLang="zh-CN" sz="2200" b="1" dirty="0"/>
+              <a:t>1</a:t>
+            </a:r>
+            <a:r>
+              <a:rPr lang="en-US" altLang="zh-CN" sz="2200" b="1" dirty="0">
+                <a:solidFill>
+                  <a:prstClr val="white"/>
+                </a:solidFill>
+              </a:rPr>
+              <a:t>) ; gamma: (0.01,0.1,1,</a:t>
+            </a:r>
+            <a:r>
+              <a:rPr lang="en-US" altLang="zh-CN" sz="2200" b="1" dirty="0">
+                <a:solidFill>
+                  <a:srgbClr val="FFFF00"/>
+                </a:solidFill>
+              </a:rPr>
+              <a:t>10</a:t>
+            </a:r>
+            <a:r>
+              <a:rPr lang="en-US" altLang="zh-CN" sz="2200" b="1" dirty="0">
+                <a:solidFill>
+                  <a:prstClr val="white"/>
+                </a:solidFill>
+              </a:rPr>
+              <a:t>,100)</a:t>
+            </a:r>
           </a:p>
           <a:p>
             <a:r>
@@ -5518,8 +5950,8 @@
         </p:blipFill>
         <p:spPr>
           <a:xfrm>
-            <a:off x="6429375" y="2808705"/>
-            <a:ext cx="5457825" cy="3368258"/>
+            <a:off x="6578824" y="3956814"/>
+            <a:ext cx="3997465" cy="2355086"/>
           </a:xfrm>
           <a:prstGeom prst="rect">
             <a:avLst/>
@@ -5694,7 +6126,7 @@
                                         <p:tgtEl>
                                           <p:spTgt spid="3">
                                             <p:txEl>
-                                              <p:pRg st="4" end="4"/>
+                                              <p:pRg st="3" end="3"/>
                                             </p:txEl>
                                           </p:spTgt>
                                         </p:tgtEl>
@@ -5712,7 +6144,7 @@
                                         <p:tgtEl>
                                           <p:spTgt spid="3">
                                             <p:txEl>
-                                              <p:pRg st="4" end="4"/>
+                                              <p:pRg st="3" end="3"/>
                                             </p:txEl>
                                           </p:spTgt>
                                         </p:tgtEl>
@@ -5755,7 +6187,7 @@
                                         <p:tgtEl>
                                           <p:spTgt spid="3">
                                             <p:txEl>
-                                              <p:pRg st="5" end="5"/>
+                                              <p:pRg st="4" end="4"/>
                                             </p:txEl>
                                           </p:spTgt>
                                         </p:tgtEl>
@@ -5773,7 +6205,7 @@
                                         <p:tgtEl>
                                           <p:spTgt spid="3">
                                             <p:txEl>
-                                              <p:pRg st="5" end="5"/>
+                                              <p:pRg st="4" end="4"/>
                                             </p:txEl>
                                           </p:spTgt>
                                         </p:tgtEl>
@@ -5816,7 +6248,7 @@
                                         <p:tgtEl>
                                           <p:spTgt spid="3">
                                             <p:txEl>
-                                              <p:pRg st="6" end="6"/>
+                                              <p:pRg st="5" end="5"/>
                                             </p:txEl>
                                           </p:spTgt>
                                         </p:tgtEl>
@@ -5834,7 +6266,7 @@
                                         <p:tgtEl>
                                           <p:spTgt spid="3">
                                             <p:txEl>
-                                              <p:pRg st="6" end="6"/>
+                                              <p:pRg st="5" end="5"/>
                                             </p:txEl>
                                           </p:spTgt>
                                         </p:tgtEl>
@@ -5877,7 +6309,7 @@
                                         <p:tgtEl>
                                           <p:spTgt spid="3">
                                             <p:txEl>
-                                              <p:pRg st="7" end="7"/>
+                                              <p:pRg st="6" end="6"/>
                                             </p:txEl>
                                           </p:spTgt>
                                         </p:tgtEl>
@@ -5895,7 +6327,7 @@
                                         <p:tgtEl>
                                           <p:spTgt spid="3">
                                             <p:txEl>
-                                              <p:pRg st="7" end="7"/>
+                                              <p:pRg st="6" end="6"/>
                                             </p:txEl>
                                           </p:spTgt>
                                         </p:tgtEl>
@@ -5938,7 +6370,7 @@
                                         <p:tgtEl>
                                           <p:spTgt spid="3">
                                             <p:txEl>
-                                              <p:pRg st="8" end="8"/>
+                                              <p:pRg st="7" end="7"/>
                                             </p:txEl>
                                           </p:spTgt>
                                         </p:tgtEl>
@@ -5956,7 +6388,7 @@
                                         <p:tgtEl>
                                           <p:spTgt spid="3">
                                             <p:txEl>
-                                              <p:pRg st="8" end="8"/>
+                                              <p:pRg st="7" end="7"/>
                                             </p:txEl>
                                           </p:spTgt>
                                         </p:tgtEl>
@@ -5984,7 +6416,7 @@
                             </p:stCondLst>
                             <p:childTnLst>
                               <p:par>
-                                <p:cTn id="40" presetID="2" presetClass="entr" presetSubtype="4" fill="hold" nodeType="clickEffect">
+                                <p:cTn id="40" presetID="10" presetClass="entr" presetSubtype="0" fill="hold" grpId="0" nodeType="clickEffect">
                                   <p:stCondLst>
                                     <p:cond delay="0"/>
                                   </p:stCondLst>
@@ -5992,6 +6424,128 @@
                                     <p:set>
                                       <p:cBhvr>
                                         <p:cTn id="41" dur="1" fill="hold">
+                                          <p:stCondLst>
+                                            <p:cond delay="0"/>
+                                          </p:stCondLst>
+                                        </p:cTn>
+                                        <p:tgtEl>
+                                          <p:spTgt spid="3">
+                                            <p:txEl>
+                                              <p:pRg st="8" end="8"/>
+                                            </p:txEl>
+                                          </p:spTgt>
+                                        </p:tgtEl>
+                                        <p:attrNameLst>
+                                          <p:attrName>style.visibility</p:attrName>
+                                        </p:attrNameLst>
+                                      </p:cBhvr>
+                                      <p:to>
+                                        <p:strVal val="visible"/>
+                                      </p:to>
+                                    </p:set>
+                                    <p:animEffect transition="in" filter="fade">
+                                      <p:cBhvr>
+                                        <p:cTn id="42" dur="500"/>
+                                        <p:tgtEl>
+                                          <p:spTgt spid="3">
+                                            <p:txEl>
+                                              <p:pRg st="8" end="8"/>
+                                            </p:txEl>
+                                          </p:spTgt>
+                                        </p:tgtEl>
+                                      </p:cBhvr>
+                                    </p:animEffect>
+                                  </p:childTnLst>
+                                </p:cTn>
+                              </p:par>
+                            </p:childTnLst>
+                          </p:cTn>
+                        </p:par>
+                      </p:childTnLst>
+                    </p:cTn>
+                  </p:par>
+                  <p:par>
+                    <p:cTn id="43" fill="hold">
+                      <p:stCondLst>
+                        <p:cond delay="indefinite"/>
+                      </p:stCondLst>
+                      <p:childTnLst>
+                        <p:par>
+                          <p:cTn id="44" fill="hold">
+                            <p:stCondLst>
+                              <p:cond delay="0"/>
+                            </p:stCondLst>
+                            <p:childTnLst>
+                              <p:par>
+                                <p:cTn id="45" presetID="10" presetClass="entr" presetSubtype="0" fill="hold" grpId="0" nodeType="clickEffect">
+                                  <p:stCondLst>
+                                    <p:cond delay="0"/>
+                                  </p:stCondLst>
+                                  <p:childTnLst>
+                                    <p:set>
+                                      <p:cBhvr>
+                                        <p:cTn id="46" dur="1" fill="hold">
+                                          <p:stCondLst>
+                                            <p:cond delay="0"/>
+                                          </p:stCondLst>
+                                        </p:cTn>
+                                        <p:tgtEl>
+                                          <p:spTgt spid="3">
+                                            <p:txEl>
+                                              <p:pRg st="9" end="9"/>
+                                            </p:txEl>
+                                          </p:spTgt>
+                                        </p:tgtEl>
+                                        <p:attrNameLst>
+                                          <p:attrName>style.visibility</p:attrName>
+                                        </p:attrNameLst>
+                                      </p:cBhvr>
+                                      <p:to>
+                                        <p:strVal val="visible"/>
+                                      </p:to>
+                                    </p:set>
+                                    <p:animEffect transition="in" filter="fade">
+                                      <p:cBhvr>
+                                        <p:cTn id="47" dur="500"/>
+                                        <p:tgtEl>
+                                          <p:spTgt spid="3">
+                                            <p:txEl>
+                                              <p:pRg st="9" end="9"/>
+                                            </p:txEl>
+                                          </p:spTgt>
+                                        </p:tgtEl>
+                                      </p:cBhvr>
+                                    </p:animEffect>
+                                  </p:childTnLst>
+                                </p:cTn>
+                              </p:par>
+                            </p:childTnLst>
+                          </p:cTn>
+                        </p:par>
+                      </p:childTnLst>
+                    </p:cTn>
+                  </p:par>
+                  <p:par>
+                    <p:cTn id="48" fill="hold">
+                      <p:stCondLst>
+                        <p:cond delay="indefinite"/>
+                      </p:stCondLst>
+                      <p:childTnLst>
+                        <p:par>
+                          <p:cTn id="49" fill="hold">
+                            <p:stCondLst>
+                              <p:cond delay="0"/>
+                            </p:stCondLst>
+                            <p:childTnLst>
+                              <p:par>
+                                <p:cTn id="50" presetID="2" presetClass="entr" presetSubtype="4" fill="hold" nodeType="clickEffect">
+                                  <p:stCondLst>
+                                    <p:cond delay="0"/>
+                                  </p:stCondLst>
+                                  <p:childTnLst>
+                                    <p:set>
+                                      <p:cBhvr>
+                                        <p:cTn id="51" dur="1" fill="hold">
                                           <p:stCondLst>
                                             <p:cond delay="0"/>
                                           </p:stCondLst>
@@ -6009,7 +6563,7 @@
                                     </p:set>
                                     <p:anim calcmode="lin" valueType="num">
                                       <p:cBhvr additive="base">
-                                        <p:cTn id="42" dur="500" fill="hold"/>
+                                        <p:cTn id="52" dur="500" fill="hold"/>
                                         <p:tgtEl>
                                           <p:spTgt spid="4"/>
                                         </p:tgtEl>
@@ -6032,7 +6586,7 @@
                                     </p:anim>
                                     <p:anim calcmode="lin" valueType="num">
                                       <p:cBhvr additive="base">
-                                        <p:cTn id="43" dur="500" fill="hold"/>
+                                        <p:cTn id="53" dur="500" fill="hold"/>
                                         <p:tgtEl>
                                           <p:spTgt spid="4"/>
                                         </p:tgtEl>
@@ -6063,26 +6617,26 @@
                     </p:cTn>
                   </p:par>
                   <p:par>
-                    <p:cTn id="44" fill="hold">
+                    <p:cTn id="54" fill="hold">
                       <p:stCondLst>
                         <p:cond delay="indefinite"/>
                       </p:stCondLst>
                       <p:childTnLst>
                         <p:par>
-                          <p:cTn id="45" fill="hold">
+                          <p:cTn id="55" fill="hold">
                             <p:stCondLst>
                               <p:cond delay="0"/>
                             </p:stCondLst>
                             <p:childTnLst>
                               <p:par>
-                                <p:cTn id="46" presetID="10" presetClass="entr" presetSubtype="0" fill="hold" grpId="0" nodeType="clickEffect">
+                                <p:cTn id="56" presetID="10" presetClass="entr" presetSubtype="0" fill="hold" grpId="0" nodeType="clickEffect">
                                   <p:stCondLst>
                                     <p:cond delay="0"/>
                                   </p:stCondLst>
                                   <p:childTnLst>
                                     <p:set>
                                       <p:cBhvr>
-                                        <p:cTn id="47" dur="1" fill="hold">
+                                        <p:cTn id="57" dur="1" fill="hold">
                                           <p:stCondLst>
                                             <p:cond delay="0"/>
                                           </p:stCondLst>
@@ -6090,7 +6644,7 @@
                                         <p:tgtEl>
                                           <p:spTgt spid="3">
                                             <p:txEl>
-                                              <p:pRg st="9" end="9"/>
+                                              <p:pRg st="10" end="10"/>
                                             </p:txEl>
                                           </p:spTgt>
                                         </p:tgtEl>
@@ -6104,11 +6658,11 @@
                                     </p:set>
                                     <p:animEffect transition="in" filter="fade">
                                       <p:cBhvr>
-                                        <p:cTn id="48" dur="500"/>
-                                        <p:tgtEl>
-                                          <p:spTgt spid="3">
-                                            <p:txEl>
-                                              <p:pRg st="9" end="9"/>
+                                        <p:cTn id="58" dur="500"/>
+                                        <p:tgtEl>
+                                          <p:spTgt spid="3">
+                                            <p:txEl>
+                                              <p:pRg st="10" end="10"/>
                                             </p:txEl>
                                           </p:spTgt>
                                         </p:tgtEl>
@@ -6199,7 +6753,7 @@
                 </a:solidFill>
                 <a:latin typeface="等线 Light" panose="020F0302020204030204"/>
               </a:rPr>
-              <a:t>5. Model improvement and prospect</a:t>
+              <a:t>4. Model improvement and prospect5.   </a:t>
             </a:r>
             <a:endParaRPr lang="zh-CN" altLang="en-US" sz="4800" dirty="0"/>
           </a:p>
@@ -6229,7 +6783,7 @@
         </p:spPr>
         <p:txBody>
           <a:bodyPr>
-            <a:normAutofit fontScale="25000" lnSpcReduction="20000"/>
+            <a:normAutofit fontScale="32500" lnSpcReduction="20000"/>
           </a:bodyPr>
           <a:lstStyle/>
           <a:p>
@@ -6242,20 +6796,7 @@
                   <a:prstClr val="white"/>
                 </a:solidFill>
               </a:rPr>
-              <a:t>5.1 Model improvement</a:t>
-            </a:r>
-          </a:p>
-          <a:p>
-            <a:pPr marL="0" lvl="0" indent="0">
-              <a:buNone/>
-            </a:pPr>
-            <a:r>
-              <a:rPr lang="en-US" altLang="zh-CN" sz="9600" b="1" dirty="0">
-                <a:solidFill>
-                  <a:prstClr val="white"/>
-                </a:solidFill>
-              </a:rPr>
-              <a:t>5.1.3 CNN (</a:t>
+              <a:t>4.2 CNN (</a:t>
             </a:r>
             <a:r>
               <a:rPr lang="en-US" altLang="zh-CN" sz="9600" b="1" dirty="0" err="1">
@@ -6607,7 +7148,7 @@
         </p:blipFill>
         <p:spPr>
           <a:xfrm>
-            <a:off x="943099" y="538030"/>
+            <a:off x="758420" y="538030"/>
             <a:ext cx="10223905" cy="5781940"/>
           </a:xfrm>
           <a:prstGeom prst="rect">
@@ -6881,7 +7422,7 @@
                             </p:stCondLst>
                             <p:childTnLst>
                               <p:par>
-                                <p:cTn id="20" presetID="10" presetClass="entr" presetSubtype="0" fill="hold" grpId="0" nodeType="clickEffect">
+                                <p:cTn id="20" presetID="10" presetClass="entr" presetSubtype="0" fill="hold" nodeType="clickEffect">
                                   <p:stCondLst>
                                     <p:cond delay="0"/>
                                   </p:stCondLst>
@@ -6894,11 +7435,7 @@
                                           </p:stCondLst>
                                         </p:cTn>
                                         <p:tgtEl>
-                                          <p:spTgt spid="3">
-                                            <p:txEl>
-                                              <p:pRg st="3" end="3"/>
-                                            </p:txEl>
-                                          </p:spTgt>
+                                          <p:spTgt spid="4"/>
                                         </p:tgtEl>
                                         <p:attrNameLst>
                                           <p:attrName>style.visibility</p:attrName>
@@ -6912,11 +7449,7 @@
                                       <p:cBhvr>
                                         <p:cTn id="22" dur="500"/>
                                         <p:tgtEl>
-                                          <p:spTgt spid="3">
-                                            <p:txEl>
-                                              <p:pRg st="3" end="3"/>
-                                            </p:txEl>
-                                          </p:spTgt>
+                                          <p:spTgt spid="4"/>
                                         </p:tgtEl>
                                       </p:cBhvr>
                                     </p:animEffect>
@@ -6942,7 +7475,7 @@
                             </p:stCondLst>
                             <p:childTnLst>
                               <p:par>
-                                <p:cTn id="25" presetID="10" presetClass="entr" presetSubtype="0" fill="hold" nodeType="clickEffect">
+                                <p:cTn id="25" presetID="10" presetClass="entr" presetSubtype="0" fill="hold" grpId="1" nodeType="clickEffect">
                                   <p:stCondLst>
                                     <p:cond delay="0"/>
                                   </p:stCondLst>
@@ -6955,7 +7488,7 @@
                                           </p:stCondLst>
                                         </p:cTn>
                                         <p:tgtEl>
-                                          <p:spTgt spid="4"/>
+                                          <p:spTgt spid="7"/>
                                         </p:tgtEl>
                                         <p:attrNameLst>
                                           <p:attrName>style.visibility</p:attrName>
@@ -6969,7 +7502,7 @@
                                       <p:cBhvr>
                                         <p:cTn id="27" dur="500"/>
                                         <p:tgtEl>
-                                          <p:spTgt spid="4"/>
+                                          <p:spTgt spid="7"/>
                                         </p:tgtEl>
                                       </p:cBhvr>
                                     </p:animEffect>
@@ -6995,16 +7528,24 @@
                             </p:stCondLst>
                             <p:childTnLst>
                               <p:par>
-                                <p:cTn id="30" presetID="10" presetClass="entr" presetSubtype="0" fill="hold" grpId="1" nodeType="clickEffect">
+                                <p:cTn id="30" presetID="10" presetClass="exit" presetSubtype="0" fill="hold" grpId="2" nodeType="clickEffect">
                                   <p:stCondLst>
                                     <p:cond delay="0"/>
                                   </p:stCondLst>
                                   <p:childTnLst>
+                                    <p:animEffect transition="out" filter="fade">
+                                      <p:cBhvr>
+                                        <p:cTn id="31" dur="500"/>
+                                        <p:tgtEl>
+                                          <p:spTgt spid="7"/>
+                                        </p:tgtEl>
+                                      </p:cBhvr>
+                                    </p:animEffect>
                                     <p:set>
                                       <p:cBhvr>
-                                        <p:cTn id="31" dur="1" fill="hold">
+                                        <p:cTn id="32" dur="1" fill="hold">
                                           <p:stCondLst>
-                                            <p:cond delay="0"/>
+                                            <p:cond delay="499"/>
                                           </p:stCondLst>
                                         </p:cTn>
                                         <p:tgtEl>
@@ -7015,17 +7556,9 @@
                                         </p:attrNameLst>
                                       </p:cBhvr>
                                       <p:to>
-                                        <p:strVal val="visible"/>
+                                        <p:strVal val="hidden"/>
                                       </p:to>
                                     </p:set>
-                                    <p:animEffect transition="in" filter="fade">
-                                      <p:cBhvr>
-                                        <p:cTn id="32" dur="500"/>
-                                        <p:tgtEl>
-                                          <p:spTgt spid="7"/>
-                                        </p:tgtEl>
-                                      </p:cBhvr>
-                                    </p:animEffect>
                                   </p:childTnLst>
                                 </p:cTn>
                               </p:par>
@@ -7048,7 +7581,7 @@
                             </p:stCondLst>
                             <p:childTnLst>
                               <p:par>
-                                <p:cTn id="35" presetID="10" presetClass="exit" presetSubtype="0" fill="hold" grpId="2" nodeType="clickEffect">
+                                <p:cTn id="35" presetID="10" presetClass="exit" presetSubtype="0" fill="hold" nodeType="clickEffect">
                                   <p:stCondLst>
                                     <p:cond delay="0"/>
                                   </p:stCondLst>
@@ -7057,7 +7590,7 @@
                                       <p:cBhvr>
                                         <p:cTn id="36" dur="500"/>
                                         <p:tgtEl>
-                                          <p:spTgt spid="7"/>
+                                          <p:spTgt spid="4"/>
                                         </p:tgtEl>
                                       </p:cBhvr>
                                     </p:animEffect>
@@ -7069,7 +7602,7 @@
                                           </p:stCondLst>
                                         </p:cTn>
                                         <p:tgtEl>
-                                          <p:spTgt spid="7"/>
+                                          <p:spTgt spid="4"/>
                                         </p:tgtEl>
                                         <p:attrNameLst>
                                           <p:attrName>style.visibility</p:attrName>
@@ -7101,37 +7634,37 @@
                             </p:stCondLst>
                             <p:childTnLst>
                               <p:par>
-                                <p:cTn id="40" presetID="10" presetClass="exit" presetSubtype="0" fill="hold" nodeType="clickEffect">
+                                <p:cTn id="40" presetID="10" presetClass="entr" presetSubtype="0" fill="hold" nodeType="clickEffect">
                                   <p:stCondLst>
                                     <p:cond delay="0"/>
                                   </p:stCondLst>
                                   <p:childTnLst>
-                                    <p:animEffect transition="out" filter="fade">
-                                      <p:cBhvr>
-                                        <p:cTn id="41" dur="500"/>
-                                        <p:tgtEl>
-                                          <p:spTgt spid="4"/>
-                                        </p:tgtEl>
-                                      </p:cBhvr>
-                                    </p:animEffect>
                                     <p:set>
                                       <p:cBhvr>
-                                        <p:cTn id="42" dur="1" fill="hold">
+                                        <p:cTn id="41" dur="1" fill="hold">
                                           <p:stCondLst>
-                                            <p:cond delay="499"/>
+                                            <p:cond delay="0"/>
                                           </p:stCondLst>
                                         </p:cTn>
                                         <p:tgtEl>
-                                          <p:spTgt spid="4"/>
+                                          <p:spTgt spid="6"/>
                                         </p:tgtEl>
                                         <p:attrNameLst>
                                           <p:attrName>style.visibility</p:attrName>
                                         </p:attrNameLst>
                                       </p:cBhvr>
                                       <p:to>
-                                        <p:strVal val="hidden"/>
+                                        <p:strVal val="visible"/>
                                       </p:to>
                                     </p:set>
+                                    <p:animEffect transition="in" filter="fade">
+                                      <p:cBhvr>
+                                        <p:cTn id="42" dur="500"/>
+                                        <p:tgtEl>
+                                          <p:spTgt spid="6"/>
+                                        </p:tgtEl>
+                                      </p:cBhvr>
+                                    </p:animEffect>
                                   </p:childTnLst>
                                 </p:cTn>
                               </p:par>
@@ -7154,16 +7687,24 @@
                             </p:stCondLst>
                             <p:childTnLst>
                               <p:par>
-                                <p:cTn id="45" presetID="10" presetClass="entr" presetSubtype="0" fill="hold" nodeType="clickEffect">
+                                <p:cTn id="45" presetID="10" presetClass="exit" presetSubtype="0" fill="hold" nodeType="clickEffect">
                                   <p:stCondLst>
                                     <p:cond delay="0"/>
                                   </p:stCondLst>
                                   <p:childTnLst>
+                                    <p:animEffect transition="out" filter="fade">
+                                      <p:cBhvr>
+                                        <p:cTn id="46" dur="500"/>
+                                        <p:tgtEl>
+                                          <p:spTgt spid="6"/>
+                                        </p:tgtEl>
+                                      </p:cBhvr>
+                                    </p:animEffect>
                                     <p:set>
                                       <p:cBhvr>
-                                        <p:cTn id="46" dur="1" fill="hold">
+                                        <p:cTn id="47" dur="1" fill="hold">
                                           <p:stCondLst>
-                                            <p:cond delay="0"/>
+                                            <p:cond delay="499"/>
                                           </p:stCondLst>
                                         </p:cTn>
                                         <p:tgtEl>
@@ -7174,17 +7715,9 @@
                                         </p:attrNameLst>
                                       </p:cBhvr>
                                       <p:to>
-                                        <p:strVal val="visible"/>
+                                        <p:strVal val="hidden"/>
                                       </p:to>
                                     </p:set>
-                                    <p:animEffect transition="in" filter="fade">
-                                      <p:cBhvr>
-                                        <p:cTn id="47" dur="500"/>
-                                        <p:tgtEl>
-                                          <p:spTgt spid="6"/>
-                                        </p:tgtEl>
-                                      </p:cBhvr>
-                                    </p:animEffect>
                                   </p:childTnLst>
                                 </p:cTn>
                               </p:par>
@@ -7207,67 +7740,14 @@
                             </p:stCondLst>
                             <p:childTnLst>
                               <p:par>
-                                <p:cTn id="50" presetID="10" presetClass="exit" presetSubtype="0" fill="hold" nodeType="clickEffect">
-                                  <p:stCondLst>
-                                    <p:cond delay="0"/>
-                                  </p:stCondLst>
-                                  <p:childTnLst>
-                                    <p:animEffect transition="out" filter="fade">
-                                      <p:cBhvr>
-                                        <p:cTn id="51" dur="500"/>
-                                        <p:tgtEl>
-                                          <p:spTgt spid="6"/>
-                                        </p:tgtEl>
-                                      </p:cBhvr>
-                                    </p:animEffect>
-                                    <p:set>
-                                      <p:cBhvr>
-                                        <p:cTn id="52" dur="1" fill="hold">
-                                          <p:stCondLst>
-                                            <p:cond delay="499"/>
-                                          </p:stCondLst>
-                                        </p:cTn>
-                                        <p:tgtEl>
-                                          <p:spTgt spid="6"/>
-                                        </p:tgtEl>
-                                        <p:attrNameLst>
-                                          <p:attrName>style.visibility</p:attrName>
-                                        </p:attrNameLst>
-                                      </p:cBhvr>
-                                      <p:to>
-                                        <p:strVal val="hidden"/>
-                                      </p:to>
-                                    </p:set>
-                                  </p:childTnLst>
-                                </p:cTn>
-                              </p:par>
-                            </p:childTnLst>
-                          </p:cTn>
-                        </p:par>
-                      </p:childTnLst>
-                    </p:cTn>
-                  </p:par>
-                  <p:par>
-                    <p:cTn id="53" fill="hold">
-                      <p:stCondLst>
-                        <p:cond delay="indefinite"/>
-                      </p:stCondLst>
-                      <p:childTnLst>
-                        <p:par>
-                          <p:cTn id="54" fill="hold">
-                            <p:stCondLst>
-                              <p:cond delay="0"/>
-                            </p:stCondLst>
-                            <p:childTnLst>
-                              <p:par>
-                                <p:cTn id="55" presetID="10" presetClass="entr" presetSubtype="0" fill="hold" nodeType="clickEffect">
+                                <p:cTn id="50" presetID="10" presetClass="entr" presetSubtype="0" fill="hold" nodeType="clickEffect">
                                   <p:stCondLst>
                                     <p:cond delay="0"/>
                                   </p:stCondLst>
                                   <p:childTnLst>
                                     <p:set>
                                       <p:cBhvr>
-                                        <p:cTn id="56" dur="1" fill="hold">
+                                        <p:cTn id="51" dur="1" fill="hold">
                                           <p:stCondLst>
                                             <p:cond delay="0"/>
                                           </p:stCondLst>
@@ -7289,7 +7769,7 @@
                                     </p:set>
                                     <p:animEffect transition="in" filter="fade">
                                       <p:cBhvr>
-                                        <p:cTn id="57" dur="500"/>
+                                        <p:cTn id="52" dur="500"/>
                                         <p:tgtEl>
                                           <p:spTgt spid="5">
                                             <p:txEl>
@@ -7303,14 +7783,14 @@
                                 </p:cTn>
                               </p:par>
                               <p:par>
-                                <p:cTn id="58" presetID="10" presetClass="entr" presetSubtype="0" fill="hold" nodeType="withEffect">
+                                <p:cTn id="53" presetID="10" presetClass="entr" presetSubtype="0" fill="hold" nodeType="withEffect">
                                   <p:stCondLst>
                                     <p:cond delay="0"/>
                                   </p:stCondLst>
                                   <p:childTnLst>
                                     <p:set>
                                       <p:cBhvr>
-                                        <p:cTn id="59" dur="1" fill="hold">
+                                        <p:cTn id="54" dur="1" fill="hold">
                                           <p:stCondLst>
                                             <p:cond delay="0"/>
                                           </p:stCondLst>
@@ -7332,7 +7812,7 @@
                                     </p:set>
                                     <p:animEffect transition="in" filter="fade">
                                       <p:cBhvr>
-                                        <p:cTn id="60" dur="500"/>
+                                        <p:cTn id="55" dur="500"/>
                                         <p:tgtEl>
                                           <p:spTgt spid="5">
                                             <p:txEl>
@@ -7346,14 +7826,14 @@
                                 </p:cTn>
                               </p:par>
                               <p:par>
-                                <p:cTn id="61" presetID="10" presetClass="entr" presetSubtype="0" fill="hold" nodeType="withEffect">
+                                <p:cTn id="56" presetID="10" presetClass="entr" presetSubtype="0" fill="hold" nodeType="withEffect">
                                   <p:stCondLst>
                                     <p:cond delay="0"/>
                                   </p:stCondLst>
                                   <p:childTnLst>
                                     <p:set>
                                       <p:cBhvr>
-                                        <p:cTn id="62" dur="1" fill="hold">
+                                        <p:cTn id="57" dur="1" fill="hold">
                                           <p:stCondLst>
                                             <p:cond delay="0"/>
                                           </p:stCondLst>
@@ -7375,7 +7855,7 @@
                                     </p:set>
                                     <p:animEffect transition="in" filter="fade">
                                       <p:cBhvr>
-                                        <p:cTn id="63" dur="500"/>
+                                        <p:cTn id="58" dur="500"/>
                                         <p:tgtEl>
                                           <p:spTgt spid="5">
                                             <p:txEl>
@@ -7389,14 +7869,14 @@
                                 </p:cTn>
                               </p:par>
                               <p:par>
-                                <p:cTn id="64" presetID="10" presetClass="entr" presetSubtype="0" fill="hold" nodeType="withEffect">
+                                <p:cTn id="59" presetID="10" presetClass="entr" presetSubtype="0" fill="hold" nodeType="withEffect">
                                   <p:stCondLst>
                                     <p:cond delay="0"/>
                                   </p:stCondLst>
                                   <p:childTnLst>
                                     <p:set>
                                       <p:cBhvr>
-                                        <p:cTn id="65" dur="1" fill="hold">
+                                        <p:cTn id="60" dur="1" fill="hold">
                                           <p:stCondLst>
                                             <p:cond delay="0"/>
                                           </p:stCondLst>
@@ -7418,7 +7898,7 @@
                                     </p:set>
                                     <p:animEffect transition="in" filter="fade">
                                       <p:cBhvr>
-                                        <p:cTn id="66" dur="500"/>
+                                        <p:cTn id="61" dur="500"/>
                                         <p:tgtEl>
                                           <p:spTgt spid="5">
                                             <p:txEl>
@@ -7432,14 +7912,14 @@
                                 </p:cTn>
                               </p:par>
                               <p:par>
-                                <p:cTn id="67" presetID="10" presetClass="entr" presetSubtype="0" fill="hold" nodeType="withEffect">
+                                <p:cTn id="62" presetID="10" presetClass="entr" presetSubtype="0" fill="hold" nodeType="withEffect">
                                   <p:stCondLst>
                                     <p:cond delay="0"/>
                                   </p:stCondLst>
                                   <p:childTnLst>
                                     <p:set>
                                       <p:cBhvr>
-                                        <p:cTn id="68" dur="1" fill="hold">
+                                        <p:cTn id="63" dur="1" fill="hold">
                                           <p:stCondLst>
                                             <p:cond delay="0"/>
                                           </p:stCondLst>
@@ -7461,7 +7941,7 @@
                                     </p:set>
                                     <p:animEffect transition="in" filter="fade">
                                       <p:cBhvr>
-                                        <p:cTn id="69" dur="500"/>
+                                        <p:cTn id="64" dur="500"/>
                                         <p:tgtEl>
                                           <p:spTgt spid="5">
                                             <p:txEl>
@@ -7475,14 +7955,14 @@
                                 </p:cTn>
                               </p:par>
                               <p:par>
-                                <p:cTn id="70" presetID="10" presetClass="entr" presetSubtype="0" fill="hold" nodeType="withEffect">
+                                <p:cTn id="65" presetID="10" presetClass="entr" presetSubtype="0" fill="hold" nodeType="withEffect">
                                   <p:stCondLst>
                                     <p:cond delay="0"/>
                                   </p:stCondLst>
                                   <p:childTnLst>
                                     <p:set>
                                       <p:cBhvr>
-                                        <p:cTn id="71" dur="1" fill="hold">
+                                        <p:cTn id="66" dur="1" fill="hold">
                                           <p:stCondLst>
                                             <p:cond delay="0"/>
                                           </p:stCondLst>
@@ -7504,7 +7984,7 @@
                                     </p:set>
                                     <p:animEffect transition="in" filter="fade">
                                       <p:cBhvr>
-                                        <p:cTn id="72" dur="500"/>
+                                        <p:cTn id="67" dur="500"/>
                                         <p:tgtEl>
                                           <p:spTgt spid="5">
                                             <p:txEl>
@@ -7518,14 +7998,14 @@
                                 </p:cTn>
                               </p:par>
                               <p:par>
-                                <p:cTn id="73" presetID="10" presetClass="entr" presetSubtype="0" fill="hold" nodeType="withEffect">
+                                <p:cTn id="68" presetID="10" presetClass="entr" presetSubtype="0" fill="hold" nodeType="withEffect">
                                   <p:stCondLst>
                                     <p:cond delay="0"/>
                                   </p:stCondLst>
                                   <p:childTnLst>
                                     <p:set>
                                       <p:cBhvr>
-                                        <p:cTn id="74" dur="1" fill="hold">
+                                        <p:cTn id="69" dur="1" fill="hold">
                                           <p:stCondLst>
                                             <p:cond delay="0"/>
                                           </p:stCondLst>
@@ -7547,7 +8027,7 @@
                                     </p:set>
                                     <p:animEffect transition="in" filter="fade">
                                       <p:cBhvr>
-                                        <p:cTn id="75" dur="500"/>
+                                        <p:cTn id="70" dur="500"/>
                                         <p:tgtEl>
                                           <p:spTgt spid="5">
                                             <p:txEl>
@@ -7644,7 +8124,7 @@
                 </a:solidFill>
                 <a:latin typeface="等线 Light" panose="020F0302020204030204"/>
               </a:rPr>
-              <a:t>5. Model improvement and prospect</a:t>
+              <a:t>4. Model improvement and prospect</a:t>
             </a:r>
             <a:endParaRPr lang="zh-CN" altLang="en-US" sz="4800" dirty="0"/>
           </a:p>
@@ -7681,7 +8161,7 @@
                 </a:solidFill>
                 <a:latin typeface="等线" panose="020F0502020204030204"/>
               </a:rPr>
-              <a:t>5.2 Prospect</a:t>
+              <a:t>4.2 Prospect</a:t>
             </a:r>
           </a:p>
           <a:p>
@@ -7695,7 +8175,7 @@
                 </a:solidFill>
                 <a:latin typeface="等线" panose="020F0502020204030204"/>
               </a:rPr>
-              <a:t>5.2.1 Potential problem</a:t>
+              <a:t>4.2.1 Potential problem</a:t>
             </a:r>
           </a:p>
           <a:p>
@@ -7733,7 +8213,7 @@
                 </a:solidFill>
                 <a:latin typeface="等线" panose="020F0502020204030204"/>
               </a:rPr>
-              <a:t>5.2.2 Further improvement</a:t>
+              <a:t>4.2.2 Further improvement</a:t>
             </a:r>
           </a:p>
           <a:p>
@@ -7742,7 +8222,33 @@
             </a:pPr>
             <a:r>
               <a:rPr lang="en-US" altLang="zh-CN" sz="2400" dirty="0"/>
+              <a:t>Standardization</a:t>
+            </a:r>
+          </a:p>
+          <a:p>
+            <a:pPr marL="0" indent="0">
+              <a:buNone/>
+            </a:pPr>
+            <a:r>
+              <a:rPr lang="en-US" altLang="zh-CN" sz="2400" dirty="0"/>
               <a:t>More indicators besides accuracy</a:t>
+            </a:r>
+          </a:p>
+          <a:p>
+            <a:pPr marL="0" indent="0">
+              <a:buNone/>
+            </a:pPr>
+            <a:r>
+              <a:rPr lang="en-US" altLang="zh-CN" sz="2400" dirty="0"/>
+              <a:t>(ROC curve, gams &amp; lift charts </a:t>
+            </a:r>
+            <a:r>
+              <a:rPr lang="en-US" altLang="zh-CN" sz="2400" dirty="0" err="1"/>
+              <a:t>etc</a:t>
+            </a:r>
+            <a:r>
+              <a:rPr lang="en-US" altLang="zh-CN" sz="2400" dirty="0"/>
+              <a:t>)</a:t>
             </a:r>
             <a:endParaRPr lang="zh-CN" altLang="en-US" sz="2400" dirty="0"/>
           </a:p>
@@ -7839,7 +8345,7 @@
                 </a:solidFill>
                 <a:latin typeface="等线 Light" panose="020F0302020204030204"/>
               </a:rPr>
-              <a:t>6. Reference</a:t>
+              <a:t>5. Reference</a:t>
             </a:r>
           </a:p>
         </p:txBody>
@@ -7862,8 +8368,8 @@
         </p:nvSpPr>
         <p:spPr>
           <a:xfrm>
-            <a:off x="838200" y="1597025"/>
-            <a:ext cx="10515600" cy="4351338"/>
+            <a:off x="838200" y="1772155"/>
+            <a:ext cx="10515600" cy="4337332"/>
           </a:xfrm>
         </p:spPr>
         <p:txBody>
@@ -9434,8 +9940,8 @@
         </p:nvSpPr>
         <p:spPr>
           <a:xfrm>
-            <a:off x="1320800" y="2184400"/>
-            <a:ext cx="10033000" cy="4182532"/>
+            <a:off x="1320800" y="2589451"/>
+            <a:ext cx="10033000" cy="3777480"/>
           </a:xfrm>
         </p:spPr>
         <p:txBody>
@@ -9466,7 +9972,7 @@
                 </a:solidFill>
                 <a:latin typeface="等线" panose="020F0502020204030204"/>
               </a:rPr>
-              <a:t>2. Baseline model </a:t>
+              <a:t>2. Model selection</a:t>
             </a:r>
           </a:p>
           <a:p>
@@ -9480,7 +9986,7 @@
                 </a:solidFill>
                 <a:latin typeface="等线" panose="020F0502020204030204"/>
               </a:rPr>
-              <a:t>3. Advanced model</a:t>
+              <a:t>3. Model assessment and comparison</a:t>
             </a:r>
           </a:p>
           <a:p>
@@ -9494,7 +10000,7 @@
                 </a:solidFill>
                 <a:latin typeface="等线" panose="020F0502020204030204"/>
               </a:rPr>
-              <a:t>4. Model assessment and comparison</a:t>
+              <a:t>4. Model improvement and prospect</a:t>
             </a:r>
           </a:p>
           <a:p>
@@ -9508,21 +10014,7 @@
                 </a:solidFill>
                 <a:latin typeface="等线" panose="020F0502020204030204"/>
               </a:rPr>
-              <a:t>5. Model improvement and prospect</a:t>
-            </a:r>
-          </a:p>
-          <a:p>
-            <a:pPr marL="0" lvl="0" indent="0">
-              <a:buNone/>
-            </a:pPr>
-            <a:r>
-              <a:rPr lang="en-US" altLang="zh-CN" sz="2400" b="1" dirty="0">
-                <a:solidFill>
-                  <a:prstClr val="white"/>
-                </a:solidFill>
-                <a:latin typeface="等线" panose="020F0502020204030204"/>
-              </a:rPr>
-              <a:t>6. Reference</a:t>
+              <a:t>5. Reference</a:t>
             </a:r>
           </a:p>
           <a:p>
@@ -9820,49 +10312,6 @@
                                           <p:spTgt spid="3">
                                             <p:txEl>
                                               <p:pRg st="4" end="4"/>
-                                            </p:txEl>
-                                          </p:spTgt>
-                                        </p:tgtEl>
-                                      </p:cBhvr>
-                                    </p:animEffect>
-                                  </p:childTnLst>
-                                </p:cTn>
-                              </p:par>
-                              <p:par>
-                                <p:cTn id="25" presetID="10" presetClass="entr" presetSubtype="0" fill="hold" grpId="0" nodeType="withEffect">
-                                  <p:stCondLst>
-                                    <p:cond delay="0"/>
-                                  </p:stCondLst>
-                                  <p:childTnLst>
-                                    <p:set>
-                                      <p:cBhvr>
-                                        <p:cTn id="26" dur="1" fill="hold">
-                                          <p:stCondLst>
-                                            <p:cond delay="0"/>
-                                          </p:stCondLst>
-                                        </p:cTn>
-                                        <p:tgtEl>
-                                          <p:spTgt spid="3">
-                                            <p:txEl>
-                                              <p:pRg st="5" end="5"/>
-                                            </p:txEl>
-                                          </p:spTgt>
-                                        </p:tgtEl>
-                                        <p:attrNameLst>
-                                          <p:attrName>style.visibility</p:attrName>
-                                        </p:attrNameLst>
-                                      </p:cBhvr>
-                                      <p:to>
-                                        <p:strVal val="visible"/>
-                                      </p:to>
-                                    </p:set>
-                                    <p:animEffect transition="in" filter="fade">
-                                      <p:cBhvr>
-                                        <p:cTn id="27" dur="500"/>
-                                        <p:tgtEl>
-                                          <p:spTgt spid="3">
-                                            <p:txEl>
-                                              <p:pRg st="5" end="5"/>
                                             </p:txEl>
                                           </p:spTgt>
                                         </p:tgtEl>
@@ -10430,7 +10879,7 @@
           <p:cNvPr id="2" name="标题 1">
             <a:extLst>
               <a:ext uri="{FF2B5EF4-FFF2-40B4-BE49-F238E27FC236}">
-                <a16:creationId xmlns:a16="http://schemas.microsoft.com/office/drawing/2014/main" id="{4FAEC400-8144-4761-A1B1-50DDF021F93E}"/>
+                <a16:creationId xmlns:a16="http://schemas.microsoft.com/office/drawing/2014/main" id="{4C2BB385-4705-4F48-B6AD-E09AB1CBDBD1}"/>
               </a:ext>
             </a:extLst>
           </p:cNvPr>
@@ -10443,22 +10892,20 @@
         </p:nvSpPr>
         <p:spPr/>
         <p:txBody>
-          <a:bodyPr/>
+          <a:bodyPr>
+            <a:normAutofit/>
+          </a:bodyPr>
           <a:lstStyle/>
           <a:p>
             <a:pPr algn="ctr"/>
             <a:r>
-              <a:rPr lang="en-US" altLang="zh-CN" dirty="0"/>
-              <a:t> </a:t>
-            </a:r>
-            <a:r>
               <a:rPr lang="en-US" altLang="zh-CN" sz="4800" b="1" dirty="0">
                 <a:solidFill>
                   <a:prstClr val="white"/>
                 </a:solidFill>
                 <a:latin typeface="等线 Light" panose="020F0302020204030204"/>
               </a:rPr>
-              <a:t>2. Baseline model</a:t>
+              <a:t>2. Model selection</a:t>
             </a:r>
             <a:endParaRPr lang="zh-CN" altLang="en-US" sz="4800" dirty="0"/>
           </a:p>
@@ -10469,7 +10916,7 @@
           <p:cNvPr id="3" name="内容占位符 2">
             <a:extLst>
               <a:ext uri="{FF2B5EF4-FFF2-40B4-BE49-F238E27FC236}">
-                <a16:creationId xmlns:a16="http://schemas.microsoft.com/office/drawing/2014/main" id="{EEDD875C-0601-46DE-892C-94B8E288DABE}"/>
+                <a16:creationId xmlns:a16="http://schemas.microsoft.com/office/drawing/2014/main" id="{CF8A32D2-2A78-43FE-9003-CDFCDE376294}"/>
               </a:ext>
             </a:extLst>
           </p:cNvPr>
@@ -10480,29 +10927,36 @@
             <p:ph idx="1"/>
           </p:nvPr>
         </p:nvSpPr>
-        <p:spPr/>
+        <p:spPr>
+          <a:xfrm>
+            <a:off x="651933" y="1800225"/>
+            <a:ext cx="11023600" cy="4351338"/>
+          </a:xfrm>
+        </p:spPr>
         <p:txBody>
-          <a:bodyPr/>
+          <a:bodyPr>
+            <a:normAutofit fontScale="92500" lnSpcReduction="10000"/>
+          </a:bodyPr>
           <a:lstStyle/>
           <a:p>
             <a:pPr marL="0" lvl="0" indent="0">
               <a:buNone/>
             </a:pPr>
             <a:r>
-              <a:rPr lang="en-US" altLang="zh-CN" b="1" dirty="0">
+              <a:rPr lang="en-US" altLang="zh-CN" sz="3000" b="1" dirty="0">
                 <a:solidFill>
                   <a:prstClr val="white"/>
                 </a:solidFill>
                 <a:latin typeface="等线" panose="020F0502020204030204"/>
               </a:rPr>
-              <a:t>2.1 feature extraction</a:t>
+              <a:t>2.1 Terminology</a:t>
             </a:r>
           </a:p>
           <a:p>
             <a:pPr marL="0" lvl="0" indent="0">
               <a:buNone/>
             </a:pPr>
-            <a:endParaRPr lang="en-US" altLang="zh-CN" b="1" dirty="0">
+            <a:endParaRPr lang="en-US" altLang="zh-CN" sz="2400" b="1" dirty="0">
               <a:solidFill>
                 <a:prstClr val="white"/>
               </a:solidFill>
@@ -10511,135 +10965,161 @@
           </a:p>
           <a:p>
             <a:r>
-              <a:rPr lang="en-US" altLang="zh-CN" sz="2400" b="1" dirty="0"/>
-              <a:t>ORB(Oriented FAST and Rotated BRIEF): </a:t>
-            </a:r>
-            <a:r>
-              <a:rPr lang="en-US" altLang="zh-CN" sz="2400" dirty="0"/>
-              <a:t>a fusion of </a:t>
-            </a:r>
-            <a:r>
-              <a:rPr lang="en-US" altLang="zh-CN" sz="2400" dirty="0">
+              <a:rPr lang="en-US" altLang="zh-CN" sz="2600" b="1" dirty="0"/>
+              <a:t>Hypothesis/model</a:t>
+            </a:r>
+            <a:r>
+              <a:rPr lang="en-US" altLang="zh-CN" sz="2600" dirty="0"/>
+              <a:t>: a certain function that we believe (or hope) is </a:t>
+            </a:r>
+            <a:r>
+              <a:rPr lang="en-US" altLang="zh-CN" sz="2600" dirty="0">
                 <a:solidFill>
                   <a:srgbClr val="FFFF00"/>
                 </a:solidFill>
               </a:rPr>
-              <a:t>FAST </a:t>
-            </a:r>
-            <a:r>
-              <a:rPr lang="en-US" altLang="zh-CN" sz="2400" dirty="0" err="1">
+              <a:t>similar to </a:t>
+            </a:r>
+            <a:r>
+              <a:rPr lang="en-US" altLang="zh-CN" sz="2600" dirty="0"/>
+              <a:t>the true function, the </a:t>
+            </a:r>
+            <a:r>
+              <a:rPr lang="en-US" altLang="zh-CN" sz="2600" dirty="0">
                 <a:solidFill>
                   <a:srgbClr val="FFFF00"/>
                 </a:solidFill>
               </a:rPr>
-              <a:t>keypoint</a:t>
-            </a:r>
-            <a:r>
-              <a:rPr lang="en-US" altLang="zh-CN" sz="2400" dirty="0">
+              <a:t>target function </a:t>
+            </a:r>
+            <a:r>
+              <a:rPr lang="en-US" altLang="zh-CN" sz="2600" dirty="0"/>
+              <a:t>that we want to model. </a:t>
+            </a:r>
+          </a:p>
+          <a:p>
+            <a:r>
+              <a:rPr lang="en-US" altLang="zh-CN" sz="2600" b="1" dirty="0"/>
+              <a:t>Learning algorithm</a:t>
+            </a:r>
+            <a:r>
+              <a:rPr lang="en-US" altLang="zh-CN" sz="2600" dirty="0"/>
+              <a:t>: a set of </a:t>
+            </a:r>
+            <a:r>
+              <a:rPr lang="en-US" altLang="zh-CN" sz="2600" dirty="0">
                 <a:solidFill>
                   <a:srgbClr val="FFFF00"/>
                 </a:solidFill>
               </a:rPr>
-              <a:t> detector </a:t>
-            </a:r>
-            <a:r>
-              <a:rPr lang="en-US" altLang="zh-CN" sz="2400" dirty="0"/>
-              <a:t>and </a:t>
-            </a:r>
-            <a:r>
-              <a:rPr lang="en-US" altLang="zh-CN" sz="2400" dirty="0">
+              <a:t>instructions</a:t>
+            </a:r>
+            <a:r>
+              <a:rPr lang="en-US" altLang="zh-CN" sz="2600" dirty="0"/>
+              <a:t> that tries to </a:t>
+            </a:r>
+            <a:r>
+              <a:rPr lang="en-US" altLang="zh-CN" sz="2600" dirty="0">
                 <a:solidFill>
                   <a:srgbClr val="FFFF00"/>
                 </a:solidFill>
               </a:rPr>
-              <a:t>BRIEF descriptor </a:t>
-            </a:r>
-            <a:r>
-              <a:rPr lang="en-US" altLang="zh-CN" sz="2400" dirty="0"/>
-              <a:t>with many modifications to enhance the performance.</a:t>
-            </a:r>
-          </a:p>
-          <a:p>
-            <a:r>
-              <a:rPr lang="en-US" altLang="zh-CN" sz="2400" b="1" dirty="0"/>
-              <a:t> SIFT(Scale Invariant Feature Transform): </a:t>
-            </a:r>
-            <a:r>
-              <a:rPr lang="en-US" altLang="zh-CN" sz="2400" dirty="0"/>
-              <a:t>local and based on the appearance of the object at particular </a:t>
-            </a:r>
-            <a:r>
-              <a:rPr lang="en-US" altLang="zh-CN" sz="2400" dirty="0">
+              <a:t>model the target function</a:t>
+            </a:r>
+            <a:r>
+              <a:rPr lang="en-US" altLang="zh-CN" sz="2600" dirty="0"/>
+              <a:t> using our training dataset.</a:t>
+            </a:r>
+          </a:p>
+          <a:p>
+            <a:r>
+              <a:rPr lang="en-US" altLang="zh-CN" sz="2600" b="1" dirty="0"/>
+              <a:t>Classifier</a:t>
+            </a:r>
+            <a:r>
+              <a:rPr lang="en-US" altLang="zh-CN" sz="2600" dirty="0"/>
+              <a:t>: a </a:t>
+            </a:r>
+            <a:r>
+              <a:rPr lang="en-US" altLang="zh-CN" sz="2600" dirty="0">
                 <a:solidFill>
                   <a:srgbClr val="FFFF00"/>
                 </a:solidFill>
               </a:rPr>
-              <a:t>interest points</a:t>
-            </a:r>
-            <a:r>
-              <a:rPr lang="en-US" altLang="zh-CN" sz="2400" dirty="0"/>
-              <a:t>, and are </a:t>
-            </a:r>
-            <a:r>
-              <a:rPr lang="en-US" altLang="zh-CN" sz="2400" dirty="0">
+              <a:t>hypothesis</a:t>
+            </a:r>
+            <a:r>
+              <a:rPr lang="en-US" altLang="zh-CN" sz="2600" dirty="0"/>
+              <a:t> or </a:t>
+            </a:r>
+            <a:r>
+              <a:rPr lang="en-US" altLang="zh-CN" sz="2600" dirty="0">
                 <a:solidFill>
                   <a:srgbClr val="FFFF00"/>
                 </a:solidFill>
               </a:rPr>
-              <a:t>invariant to image scale and rotation.</a:t>
-            </a:r>
-            <a:endParaRPr lang="en-US" altLang="zh-CN" sz="2400" dirty="0"/>
-          </a:p>
-          <a:p>
-            <a:r>
-              <a:rPr lang="en-US" altLang="zh-CN" sz="2400" b="1" dirty="0"/>
-              <a:t>SURF(speeded up robust features): </a:t>
-            </a:r>
-            <a:r>
-              <a:rPr lang="en-US" altLang="zh-CN" sz="2400" dirty="0"/>
-              <a:t>based on the similar principles and steps as SIFT; algorithm contains three main steps: </a:t>
-            </a:r>
-            <a:r>
-              <a:rPr lang="en-US" altLang="zh-CN" sz="2400" dirty="0">
+              <a:t>discrete-valued function </a:t>
+            </a:r>
+            <a:r>
+              <a:rPr lang="en-US" altLang="zh-CN" sz="2600" dirty="0"/>
+              <a:t>which is used to assign (categorical) class labels to particular data points.</a:t>
+            </a:r>
+          </a:p>
+          <a:p>
+            <a:r>
+              <a:rPr lang="en-US" altLang="zh-CN" sz="2600" b="1" dirty="0"/>
+              <a:t>Hyperparameters</a:t>
+            </a:r>
+            <a:r>
+              <a:rPr lang="en-US" altLang="zh-CN" sz="2600" dirty="0"/>
+              <a:t>: </a:t>
+            </a:r>
+            <a:r>
+              <a:rPr lang="en-US" altLang="zh-CN" sz="2600" dirty="0">
                 <a:solidFill>
                   <a:srgbClr val="FFFF00"/>
                 </a:solidFill>
               </a:rPr>
-              <a:t>interest point detection</a:t>
-            </a:r>
-            <a:r>
-              <a:rPr lang="en-US" altLang="zh-CN" sz="2400" dirty="0"/>
-              <a:t>, </a:t>
-            </a:r>
-            <a:r>
-              <a:rPr lang="en-US" altLang="zh-CN" sz="2400" dirty="0">
+              <a:t>tuning parameters</a:t>
+            </a:r>
+            <a:r>
+              <a:rPr lang="en-US" altLang="zh-CN" sz="2600" dirty="0"/>
+              <a:t> of a machine learning algorithm.</a:t>
+            </a:r>
+          </a:p>
+          <a:p>
+            <a:pPr marL="0" indent="0">
+              <a:buNone/>
+            </a:pPr>
+            <a:r>
+              <a:rPr lang="en-US" altLang="zh-CN" sz="2600" dirty="0"/>
+              <a:t> (while </a:t>
+            </a:r>
+            <a:r>
+              <a:rPr lang="en-US" altLang="zh-CN" sz="2600" b="1" dirty="0"/>
+              <a:t>model parameters </a:t>
+            </a:r>
+            <a:r>
+              <a:rPr lang="en-US" altLang="zh-CN" sz="2600" dirty="0"/>
+              <a:t>are the parameters that a learning algorithm </a:t>
+            </a:r>
+            <a:r>
+              <a:rPr lang="en-US" altLang="zh-CN" sz="2600" dirty="0">
                 <a:solidFill>
                   <a:srgbClr val="FFFF00"/>
                 </a:solidFill>
               </a:rPr>
-              <a:t>local neighborhood description</a:t>
-            </a:r>
-            <a:r>
-              <a:rPr lang="en-US" altLang="zh-CN" sz="2400" dirty="0"/>
-              <a:t> and </a:t>
-            </a:r>
-            <a:r>
-              <a:rPr lang="en-US" altLang="zh-CN" sz="2400" dirty="0">
-                <a:solidFill>
-                  <a:srgbClr val="FFFF00"/>
-                </a:solidFill>
-              </a:rPr>
-              <a:t>matching</a:t>
-            </a:r>
-            <a:r>
-              <a:rPr lang="en-US" altLang="zh-CN" sz="2400" dirty="0"/>
-              <a:t>.</a:t>
-            </a:r>
-          </a:p>
-          <a:p>
-            <a:endParaRPr lang="en-US" altLang="zh-CN" dirty="0"/>
-          </a:p>
-          <a:p>
+              <a:t>fits</a:t>
+            </a:r>
+            <a:r>
+              <a:rPr lang="en-US" altLang="zh-CN" sz="2600" dirty="0"/>
+              <a:t> to the training data)</a:t>
+            </a:r>
+          </a:p>
+          <a:p>
+            <a:pPr marL="0" indent="0">
+              <a:buNone/>
+            </a:pPr>
             <a:endParaRPr lang="en-US" altLang="zh-CN" dirty="0"/>
           </a:p>
           <a:p>
@@ -10650,7 +11130,7 @@
     </p:spTree>
     <p:extLst>
       <p:ext uri="{BB962C8B-B14F-4D97-AF65-F5344CB8AC3E}">
-        <p14:creationId xmlns:p14="http://schemas.microsoft.com/office/powerpoint/2010/main" val="992962443"/>
+        <p14:creationId xmlns:p14="http://schemas.microsoft.com/office/powerpoint/2010/main" val="959529873"/>
       </p:ext>
     </p:extLst>
   </p:cSld>
@@ -10948,6 +11428,128 @@
                                           <p:spTgt spid="3">
                                             <p:txEl>
                                               <p:pRg st="4" end="4"/>
+                                            </p:txEl>
+                                          </p:spTgt>
+                                        </p:tgtEl>
+                                      </p:cBhvr>
+                                    </p:animEffect>
+                                  </p:childTnLst>
+                                </p:cTn>
+                              </p:par>
+                            </p:childTnLst>
+                          </p:cTn>
+                        </p:par>
+                      </p:childTnLst>
+                    </p:cTn>
+                  </p:par>
+                  <p:par>
+                    <p:cTn id="28" fill="hold">
+                      <p:stCondLst>
+                        <p:cond delay="indefinite"/>
+                      </p:stCondLst>
+                      <p:childTnLst>
+                        <p:par>
+                          <p:cTn id="29" fill="hold">
+                            <p:stCondLst>
+                              <p:cond delay="0"/>
+                            </p:stCondLst>
+                            <p:childTnLst>
+                              <p:par>
+                                <p:cTn id="30" presetID="10" presetClass="entr" presetSubtype="0" fill="hold" grpId="0" nodeType="clickEffect">
+                                  <p:stCondLst>
+                                    <p:cond delay="0"/>
+                                  </p:stCondLst>
+                                  <p:childTnLst>
+                                    <p:set>
+                                      <p:cBhvr>
+                                        <p:cTn id="31" dur="1" fill="hold">
+                                          <p:stCondLst>
+                                            <p:cond delay="0"/>
+                                          </p:stCondLst>
+                                        </p:cTn>
+                                        <p:tgtEl>
+                                          <p:spTgt spid="3">
+                                            <p:txEl>
+                                              <p:pRg st="5" end="5"/>
+                                            </p:txEl>
+                                          </p:spTgt>
+                                        </p:tgtEl>
+                                        <p:attrNameLst>
+                                          <p:attrName>style.visibility</p:attrName>
+                                        </p:attrNameLst>
+                                      </p:cBhvr>
+                                      <p:to>
+                                        <p:strVal val="visible"/>
+                                      </p:to>
+                                    </p:set>
+                                    <p:animEffect transition="in" filter="fade">
+                                      <p:cBhvr>
+                                        <p:cTn id="32" dur="500"/>
+                                        <p:tgtEl>
+                                          <p:spTgt spid="3">
+                                            <p:txEl>
+                                              <p:pRg st="5" end="5"/>
+                                            </p:txEl>
+                                          </p:spTgt>
+                                        </p:tgtEl>
+                                      </p:cBhvr>
+                                    </p:animEffect>
+                                  </p:childTnLst>
+                                </p:cTn>
+                              </p:par>
+                            </p:childTnLst>
+                          </p:cTn>
+                        </p:par>
+                      </p:childTnLst>
+                    </p:cTn>
+                  </p:par>
+                  <p:par>
+                    <p:cTn id="33" fill="hold">
+                      <p:stCondLst>
+                        <p:cond delay="indefinite"/>
+                      </p:stCondLst>
+                      <p:childTnLst>
+                        <p:par>
+                          <p:cTn id="34" fill="hold">
+                            <p:stCondLst>
+                              <p:cond delay="0"/>
+                            </p:stCondLst>
+                            <p:childTnLst>
+                              <p:par>
+                                <p:cTn id="35" presetID="10" presetClass="entr" presetSubtype="0" fill="hold" grpId="0" nodeType="clickEffect">
+                                  <p:stCondLst>
+                                    <p:cond delay="0"/>
+                                  </p:stCondLst>
+                                  <p:childTnLst>
+                                    <p:set>
+                                      <p:cBhvr>
+                                        <p:cTn id="36" dur="1" fill="hold">
+                                          <p:stCondLst>
+                                            <p:cond delay="0"/>
+                                          </p:stCondLst>
+                                        </p:cTn>
+                                        <p:tgtEl>
+                                          <p:spTgt spid="3">
+                                            <p:txEl>
+                                              <p:pRg st="6" end="6"/>
+                                            </p:txEl>
+                                          </p:spTgt>
+                                        </p:tgtEl>
+                                        <p:attrNameLst>
+                                          <p:attrName>style.visibility</p:attrName>
+                                        </p:attrNameLst>
+                                      </p:cBhvr>
+                                      <p:to>
+                                        <p:strVal val="visible"/>
+                                      </p:to>
+                                    </p:set>
+                                    <p:animEffect transition="in" filter="fade">
+                                      <p:cBhvr>
+                                        <p:cTn id="37" dur="500"/>
+                                        <p:tgtEl>
+                                          <p:spTgt spid="3">
+                                            <p:txEl>
+                                              <p:pRg st="6" end="6"/>
                                             </p:txEl>
                                           </p:spTgt>
                                         </p:tgtEl>
@@ -11013,6 +11615,589 @@
           <p:cNvPr id="2" name="标题 1">
             <a:extLst>
               <a:ext uri="{FF2B5EF4-FFF2-40B4-BE49-F238E27FC236}">
+                <a16:creationId xmlns:a16="http://schemas.microsoft.com/office/drawing/2014/main" id="{4FAEC400-8144-4761-A1B1-50DDF021F93E}"/>
+              </a:ext>
+            </a:extLst>
+          </p:cNvPr>
+          <p:cNvSpPr>
+            <a:spLocks noGrp="1"/>
+          </p:cNvSpPr>
+          <p:nvPr>
+            <p:ph type="title"/>
+          </p:nvPr>
+        </p:nvSpPr>
+        <p:spPr/>
+        <p:txBody>
+          <a:bodyPr/>
+          <a:lstStyle/>
+          <a:p>
+            <a:pPr algn="ctr"/>
+            <a:r>
+              <a:rPr lang="en-US" altLang="zh-CN" dirty="0"/>
+              <a:t> </a:t>
+            </a:r>
+            <a:r>
+              <a:rPr lang="en-US" altLang="zh-CN" sz="4800" b="1" dirty="0">
+                <a:solidFill>
+                  <a:prstClr val="white"/>
+                </a:solidFill>
+                <a:latin typeface="等线 Light" panose="020F0302020204030204"/>
+              </a:rPr>
+              <a:t>2. Model selection</a:t>
+            </a:r>
+            <a:endParaRPr lang="zh-CN" altLang="en-US" sz="4800" dirty="0"/>
+          </a:p>
+        </p:txBody>
+      </p:sp>
+      <p:sp>
+        <p:nvSpPr>
+          <p:cNvPr id="3" name="内容占位符 2">
+            <a:extLst>
+              <a:ext uri="{FF2B5EF4-FFF2-40B4-BE49-F238E27FC236}">
+                <a16:creationId xmlns:a16="http://schemas.microsoft.com/office/drawing/2014/main" id="{EEDD875C-0601-46DE-892C-94B8E288DABE}"/>
+              </a:ext>
+            </a:extLst>
+          </p:cNvPr>
+          <p:cNvSpPr>
+            <a:spLocks noGrp="1"/>
+          </p:cNvSpPr>
+          <p:nvPr>
+            <p:ph idx="1"/>
+          </p:nvPr>
+        </p:nvSpPr>
+        <p:spPr/>
+        <p:txBody>
+          <a:bodyPr/>
+          <a:lstStyle/>
+          <a:p>
+            <a:pPr marL="0" lvl="0" indent="0">
+              <a:buNone/>
+            </a:pPr>
+            <a:r>
+              <a:rPr lang="en-US" altLang="zh-CN" b="1" dirty="0">
+                <a:solidFill>
+                  <a:prstClr val="white"/>
+                </a:solidFill>
+                <a:latin typeface="等线" panose="020F0502020204030204"/>
+              </a:rPr>
+              <a:t>2.2 feature extraction</a:t>
+            </a:r>
+          </a:p>
+          <a:p>
+            <a:pPr marL="0" lvl="0" indent="0">
+              <a:buNone/>
+            </a:pPr>
+            <a:endParaRPr lang="en-US" altLang="zh-CN" b="1" dirty="0">
+              <a:solidFill>
+                <a:prstClr val="white"/>
+              </a:solidFill>
+              <a:latin typeface="等线" panose="020F0502020204030204"/>
+            </a:endParaRPr>
+          </a:p>
+          <a:p>
+            <a:r>
+              <a:rPr lang="en-US" altLang="zh-CN" sz="2400" b="1" dirty="0"/>
+              <a:t>ORB(Oriented FAST and Rotated BRIEF): </a:t>
+            </a:r>
+            <a:r>
+              <a:rPr lang="en-US" altLang="zh-CN" sz="2400" dirty="0"/>
+              <a:t>a fusion of </a:t>
+            </a:r>
+            <a:r>
+              <a:rPr lang="en-US" altLang="zh-CN" sz="2400" dirty="0">
+                <a:solidFill>
+                  <a:srgbClr val="FFFF00"/>
+                </a:solidFill>
+              </a:rPr>
+              <a:t>FAST </a:t>
+            </a:r>
+            <a:r>
+              <a:rPr lang="en-US" altLang="zh-CN" sz="2400" dirty="0" err="1">
+                <a:solidFill>
+                  <a:srgbClr val="FFFF00"/>
+                </a:solidFill>
+              </a:rPr>
+              <a:t>keypoint</a:t>
+            </a:r>
+            <a:r>
+              <a:rPr lang="en-US" altLang="zh-CN" sz="2400" dirty="0">
+                <a:solidFill>
+                  <a:srgbClr val="FFFF00"/>
+                </a:solidFill>
+              </a:rPr>
+              <a:t> detector </a:t>
+            </a:r>
+            <a:r>
+              <a:rPr lang="en-US" altLang="zh-CN" sz="2400" dirty="0"/>
+              <a:t>and </a:t>
+            </a:r>
+            <a:r>
+              <a:rPr lang="en-US" altLang="zh-CN" sz="2400" dirty="0">
+                <a:solidFill>
+                  <a:srgbClr val="FFFF00"/>
+                </a:solidFill>
+              </a:rPr>
+              <a:t>BRIEF descriptor </a:t>
+            </a:r>
+            <a:r>
+              <a:rPr lang="en-US" altLang="zh-CN" sz="2400" dirty="0"/>
+              <a:t>with many modifications to enhance the performance.</a:t>
+            </a:r>
+          </a:p>
+          <a:p>
+            <a:r>
+              <a:rPr lang="en-US" altLang="zh-CN" sz="2400" b="1" dirty="0"/>
+              <a:t> SIFT(Scale Invariant Feature Transform): </a:t>
+            </a:r>
+            <a:r>
+              <a:rPr lang="en-US" altLang="zh-CN" sz="2400" dirty="0"/>
+              <a:t>local and based on the appearance of the object at particular </a:t>
+            </a:r>
+            <a:r>
+              <a:rPr lang="en-US" altLang="zh-CN" sz="2400" dirty="0">
+                <a:solidFill>
+                  <a:srgbClr val="FFFF00"/>
+                </a:solidFill>
+              </a:rPr>
+              <a:t>interest points</a:t>
+            </a:r>
+            <a:r>
+              <a:rPr lang="en-US" altLang="zh-CN" sz="2400" dirty="0"/>
+              <a:t>, and are </a:t>
+            </a:r>
+            <a:r>
+              <a:rPr lang="en-US" altLang="zh-CN" sz="2400" dirty="0">
+                <a:solidFill>
+                  <a:srgbClr val="FFFF00"/>
+                </a:solidFill>
+              </a:rPr>
+              <a:t>invariant to image scale and rotation.</a:t>
+            </a:r>
+            <a:endParaRPr lang="en-US" altLang="zh-CN" sz="2400" dirty="0"/>
+          </a:p>
+          <a:p>
+            <a:r>
+              <a:rPr lang="en-US" altLang="zh-CN" sz="2400" b="1" dirty="0"/>
+              <a:t>SURF(speeded up robust features): </a:t>
+            </a:r>
+            <a:r>
+              <a:rPr lang="en-US" altLang="zh-CN" sz="2400" dirty="0"/>
+              <a:t>based on the similar principles and steps as SIFT; algorithm contains three main steps: </a:t>
+            </a:r>
+            <a:r>
+              <a:rPr lang="en-US" altLang="zh-CN" sz="2400" dirty="0">
+                <a:solidFill>
+                  <a:srgbClr val="FFFF00"/>
+                </a:solidFill>
+              </a:rPr>
+              <a:t>interest point detection</a:t>
+            </a:r>
+            <a:r>
+              <a:rPr lang="en-US" altLang="zh-CN" sz="2400" dirty="0"/>
+              <a:t>, </a:t>
+            </a:r>
+            <a:r>
+              <a:rPr lang="en-US" altLang="zh-CN" sz="2400" dirty="0">
+                <a:solidFill>
+                  <a:srgbClr val="FFFF00"/>
+                </a:solidFill>
+              </a:rPr>
+              <a:t>local neighborhood description</a:t>
+            </a:r>
+            <a:r>
+              <a:rPr lang="en-US" altLang="zh-CN" sz="2400" dirty="0"/>
+              <a:t> and </a:t>
+            </a:r>
+            <a:r>
+              <a:rPr lang="en-US" altLang="zh-CN" sz="2400" dirty="0">
+                <a:solidFill>
+                  <a:srgbClr val="FFFF00"/>
+                </a:solidFill>
+              </a:rPr>
+              <a:t>matching</a:t>
+            </a:r>
+            <a:r>
+              <a:rPr lang="en-US" altLang="zh-CN" sz="2400" dirty="0"/>
+              <a:t>.</a:t>
+            </a:r>
+          </a:p>
+          <a:p>
+            <a:endParaRPr lang="en-US" altLang="zh-CN" dirty="0"/>
+          </a:p>
+          <a:p>
+            <a:endParaRPr lang="en-US" altLang="zh-CN" dirty="0"/>
+          </a:p>
+          <a:p>
+            <a:endParaRPr lang="zh-CN" altLang="en-US" dirty="0"/>
+          </a:p>
+        </p:txBody>
+      </p:sp>
+    </p:spTree>
+    <p:extLst>
+      <p:ext uri="{BB962C8B-B14F-4D97-AF65-F5344CB8AC3E}">
+        <p14:creationId xmlns:p14="http://schemas.microsoft.com/office/powerpoint/2010/main" val="3697669334"/>
+      </p:ext>
+    </p:extLst>
+  </p:cSld>
+  <p:clrMapOvr>
+    <a:masterClrMapping/>
+  </p:clrMapOvr>
+  <p:timing>
+    <p:tnLst>
+      <p:par>
+        <p:cTn id="1" dur="indefinite" restart="never" nodeType="tmRoot">
+          <p:childTnLst>
+            <p:seq concurrent="1" nextAc="seek">
+              <p:cTn id="2" dur="indefinite" nodeType="mainSeq">
+                <p:childTnLst>
+                  <p:par>
+                    <p:cTn id="3" fill="hold">
+                      <p:stCondLst>
+                        <p:cond delay="indefinite"/>
+                      </p:stCondLst>
+                      <p:childTnLst>
+                        <p:par>
+                          <p:cTn id="4" fill="hold">
+                            <p:stCondLst>
+                              <p:cond delay="0"/>
+                            </p:stCondLst>
+                            <p:childTnLst>
+                              <p:par>
+                                <p:cTn id="5" presetID="10" presetClass="entr" presetSubtype="0" fill="hold" grpId="0" nodeType="clickEffect">
+                                  <p:stCondLst>
+                                    <p:cond delay="0"/>
+                                  </p:stCondLst>
+                                  <p:childTnLst>
+                                    <p:set>
+                                      <p:cBhvr>
+                                        <p:cTn id="6" dur="1" fill="hold">
+                                          <p:stCondLst>
+                                            <p:cond delay="0"/>
+                                          </p:stCondLst>
+                                        </p:cTn>
+                                        <p:tgtEl>
+                                          <p:spTgt spid="2"/>
+                                        </p:tgtEl>
+                                        <p:attrNameLst>
+                                          <p:attrName>style.visibility</p:attrName>
+                                        </p:attrNameLst>
+                                      </p:cBhvr>
+                                      <p:to>
+                                        <p:strVal val="visible"/>
+                                      </p:to>
+                                    </p:set>
+                                    <p:animEffect transition="in" filter="fade">
+                                      <p:cBhvr>
+                                        <p:cTn id="7" dur="500"/>
+                                        <p:tgtEl>
+                                          <p:spTgt spid="2"/>
+                                        </p:tgtEl>
+                                      </p:cBhvr>
+                                    </p:animEffect>
+                                  </p:childTnLst>
+                                </p:cTn>
+                              </p:par>
+                            </p:childTnLst>
+                          </p:cTn>
+                        </p:par>
+                      </p:childTnLst>
+                    </p:cTn>
+                  </p:par>
+                  <p:par>
+                    <p:cTn id="8" fill="hold">
+                      <p:stCondLst>
+                        <p:cond delay="indefinite"/>
+                      </p:stCondLst>
+                      <p:childTnLst>
+                        <p:par>
+                          <p:cTn id="9" fill="hold">
+                            <p:stCondLst>
+                              <p:cond delay="0"/>
+                            </p:stCondLst>
+                            <p:childTnLst>
+                              <p:par>
+                                <p:cTn id="10" presetID="10" presetClass="entr" presetSubtype="0" fill="hold" grpId="0" nodeType="clickEffect">
+                                  <p:stCondLst>
+                                    <p:cond delay="0"/>
+                                  </p:stCondLst>
+                                  <p:childTnLst>
+                                    <p:set>
+                                      <p:cBhvr>
+                                        <p:cTn id="11" dur="1" fill="hold">
+                                          <p:stCondLst>
+                                            <p:cond delay="0"/>
+                                          </p:stCondLst>
+                                        </p:cTn>
+                                        <p:tgtEl>
+                                          <p:spTgt spid="3">
+                                            <p:txEl>
+                                              <p:pRg st="0" end="0"/>
+                                            </p:txEl>
+                                          </p:spTgt>
+                                        </p:tgtEl>
+                                        <p:attrNameLst>
+                                          <p:attrName>style.visibility</p:attrName>
+                                        </p:attrNameLst>
+                                      </p:cBhvr>
+                                      <p:to>
+                                        <p:strVal val="visible"/>
+                                      </p:to>
+                                    </p:set>
+                                    <p:animEffect transition="in" filter="fade">
+                                      <p:cBhvr>
+                                        <p:cTn id="12" dur="500"/>
+                                        <p:tgtEl>
+                                          <p:spTgt spid="3">
+                                            <p:txEl>
+                                              <p:pRg st="0" end="0"/>
+                                            </p:txEl>
+                                          </p:spTgt>
+                                        </p:tgtEl>
+                                      </p:cBhvr>
+                                    </p:animEffect>
+                                  </p:childTnLst>
+                                </p:cTn>
+                              </p:par>
+                            </p:childTnLst>
+                          </p:cTn>
+                        </p:par>
+                      </p:childTnLst>
+                    </p:cTn>
+                  </p:par>
+                  <p:par>
+                    <p:cTn id="13" fill="hold">
+                      <p:stCondLst>
+                        <p:cond delay="indefinite"/>
+                      </p:stCondLst>
+                      <p:childTnLst>
+                        <p:par>
+                          <p:cTn id="14" fill="hold">
+                            <p:stCondLst>
+                              <p:cond delay="0"/>
+                            </p:stCondLst>
+                            <p:childTnLst>
+                              <p:par>
+                                <p:cTn id="15" presetID="10" presetClass="entr" presetSubtype="0" fill="hold" grpId="0" nodeType="clickEffect">
+                                  <p:stCondLst>
+                                    <p:cond delay="0"/>
+                                  </p:stCondLst>
+                                  <p:childTnLst>
+                                    <p:set>
+                                      <p:cBhvr>
+                                        <p:cTn id="16" dur="1" fill="hold">
+                                          <p:stCondLst>
+                                            <p:cond delay="0"/>
+                                          </p:stCondLst>
+                                        </p:cTn>
+                                        <p:tgtEl>
+                                          <p:spTgt spid="3">
+                                            <p:txEl>
+                                              <p:pRg st="2" end="2"/>
+                                            </p:txEl>
+                                          </p:spTgt>
+                                        </p:tgtEl>
+                                        <p:attrNameLst>
+                                          <p:attrName>style.visibility</p:attrName>
+                                        </p:attrNameLst>
+                                      </p:cBhvr>
+                                      <p:to>
+                                        <p:strVal val="visible"/>
+                                      </p:to>
+                                    </p:set>
+                                    <p:animEffect transition="in" filter="fade">
+                                      <p:cBhvr>
+                                        <p:cTn id="17" dur="500"/>
+                                        <p:tgtEl>
+                                          <p:spTgt spid="3">
+                                            <p:txEl>
+                                              <p:pRg st="2" end="2"/>
+                                            </p:txEl>
+                                          </p:spTgt>
+                                        </p:tgtEl>
+                                      </p:cBhvr>
+                                    </p:animEffect>
+                                  </p:childTnLst>
+                                </p:cTn>
+                              </p:par>
+                            </p:childTnLst>
+                          </p:cTn>
+                        </p:par>
+                      </p:childTnLst>
+                    </p:cTn>
+                  </p:par>
+                  <p:par>
+                    <p:cTn id="18" fill="hold">
+                      <p:stCondLst>
+                        <p:cond delay="indefinite"/>
+                      </p:stCondLst>
+                      <p:childTnLst>
+                        <p:par>
+                          <p:cTn id="19" fill="hold">
+                            <p:stCondLst>
+                              <p:cond delay="0"/>
+                            </p:stCondLst>
+                            <p:childTnLst>
+                              <p:par>
+                                <p:cTn id="20" presetID="10" presetClass="entr" presetSubtype="0" fill="hold" grpId="0" nodeType="clickEffect">
+                                  <p:stCondLst>
+                                    <p:cond delay="0"/>
+                                  </p:stCondLst>
+                                  <p:childTnLst>
+                                    <p:set>
+                                      <p:cBhvr>
+                                        <p:cTn id="21" dur="1" fill="hold">
+                                          <p:stCondLst>
+                                            <p:cond delay="0"/>
+                                          </p:stCondLst>
+                                        </p:cTn>
+                                        <p:tgtEl>
+                                          <p:spTgt spid="3">
+                                            <p:txEl>
+                                              <p:pRg st="3" end="3"/>
+                                            </p:txEl>
+                                          </p:spTgt>
+                                        </p:tgtEl>
+                                        <p:attrNameLst>
+                                          <p:attrName>style.visibility</p:attrName>
+                                        </p:attrNameLst>
+                                      </p:cBhvr>
+                                      <p:to>
+                                        <p:strVal val="visible"/>
+                                      </p:to>
+                                    </p:set>
+                                    <p:animEffect transition="in" filter="fade">
+                                      <p:cBhvr>
+                                        <p:cTn id="22" dur="500"/>
+                                        <p:tgtEl>
+                                          <p:spTgt spid="3">
+                                            <p:txEl>
+                                              <p:pRg st="3" end="3"/>
+                                            </p:txEl>
+                                          </p:spTgt>
+                                        </p:tgtEl>
+                                      </p:cBhvr>
+                                    </p:animEffect>
+                                  </p:childTnLst>
+                                </p:cTn>
+                              </p:par>
+                            </p:childTnLst>
+                          </p:cTn>
+                        </p:par>
+                      </p:childTnLst>
+                    </p:cTn>
+                  </p:par>
+                  <p:par>
+                    <p:cTn id="23" fill="hold">
+                      <p:stCondLst>
+                        <p:cond delay="indefinite"/>
+                      </p:stCondLst>
+                      <p:childTnLst>
+                        <p:par>
+                          <p:cTn id="24" fill="hold">
+                            <p:stCondLst>
+                              <p:cond delay="0"/>
+                            </p:stCondLst>
+                            <p:childTnLst>
+                              <p:par>
+                                <p:cTn id="25" presetID="10" presetClass="entr" presetSubtype="0" fill="hold" grpId="0" nodeType="clickEffect">
+                                  <p:stCondLst>
+                                    <p:cond delay="0"/>
+                                  </p:stCondLst>
+                                  <p:childTnLst>
+                                    <p:set>
+                                      <p:cBhvr>
+                                        <p:cTn id="26" dur="1" fill="hold">
+                                          <p:stCondLst>
+                                            <p:cond delay="0"/>
+                                          </p:stCondLst>
+                                        </p:cTn>
+                                        <p:tgtEl>
+                                          <p:spTgt spid="3">
+                                            <p:txEl>
+                                              <p:pRg st="4" end="4"/>
+                                            </p:txEl>
+                                          </p:spTgt>
+                                        </p:tgtEl>
+                                        <p:attrNameLst>
+                                          <p:attrName>style.visibility</p:attrName>
+                                        </p:attrNameLst>
+                                      </p:cBhvr>
+                                      <p:to>
+                                        <p:strVal val="visible"/>
+                                      </p:to>
+                                    </p:set>
+                                    <p:animEffect transition="in" filter="fade">
+                                      <p:cBhvr>
+                                        <p:cTn id="27" dur="500"/>
+                                        <p:tgtEl>
+                                          <p:spTgt spid="3">
+                                            <p:txEl>
+                                              <p:pRg st="4" end="4"/>
+                                            </p:txEl>
+                                          </p:spTgt>
+                                        </p:tgtEl>
+                                      </p:cBhvr>
+                                    </p:animEffect>
+                                  </p:childTnLst>
+                                </p:cTn>
+                              </p:par>
+                            </p:childTnLst>
+                          </p:cTn>
+                        </p:par>
+                      </p:childTnLst>
+                    </p:cTn>
+                  </p:par>
+                </p:childTnLst>
+              </p:cTn>
+              <p:prevCondLst>
+                <p:cond evt="onPrev" delay="0">
+                  <p:tgtEl>
+                    <p:sldTgt/>
+                  </p:tgtEl>
+                </p:cond>
+              </p:prevCondLst>
+              <p:nextCondLst>
+                <p:cond evt="onNext" delay="0">
+                  <p:tgtEl>
+                    <p:sldTgt/>
+                  </p:tgtEl>
+                </p:cond>
+              </p:nextCondLst>
+            </p:seq>
+          </p:childTnLst>
+        </p:cTn>
+      </p:par>
+    </p:tnLst>
+    <p:bldLst>
+      <p:bldP spid="2" grpId="0"/>
+      <p:bldP spid="3" grpId="0" build="p"/>
+    </p:bldLst>
+  </p:timing>
+</p:sld>
+</file>
+
+<file path=ppt/slides/slide6.xml><?xml version="1.0" encoding="utf-8"?>
+<p:sld xmlns:a="http://schemas.openxmlformats.org/drawingml/2006/main" xmlns:r="http://schemas.openxmlformats.org/officeDocument/2006/relationships" xmlns:p="http://schemas.openxmlformats.org/presentationml/2006/main">
+  <p:cSld>
+    <p:spTree>
+      <p:nvGrpSpPr>
+        <p:cNvPr id="1" name=""/>
+        <p:cNvGrpSpPr/>
+        <p:nvPr/>
+      </p:nvGrpSpPr>
+      <p:grpSpPr>
+        <a:xfrm>
+          <a:off x="0" y="0"/>
+          <a:ext cx="0" cy="0"/>
+          <a:chOff x="0" y="0"/>
+          <a:chExt cx="0" cy="0"/>
+        </a:xfrm>
+      </p:grpSpPr>
+      <p:sp>
+        <p:nvSpPr>
+          <p:cNvPr id="2" name="标题 1">
+            <a:extLst>
+              <a:ext uri="{FF2B5EF4-FFF2-40B4-BE49-F238E27FC236}">
                 <a16:creationId xmlns:a16="http://schemas.microsoft.com/office/drawing/2014/main" id="{01679E90-5F21-43AF-BF82-8F0946E6702F}"/>
               </a:ext>
             </a:extLst>
@@ -11039,7 +12224,7 @@
                 </a:solidFill>
                 <a:latin typeface="等线 Light" panose="020F0302020204030204"/>
               </a:rPr>
-              <a:t>2. Baseline model</a:t>
+              <a:t>2. Model selection  </a:t>
             </a:r>
             <a:endParaRPr lang="zh-CN" altLang="en-US" sz="4800" dirty="0"/>
           </a:p>
@@ -11083,7 +12268,7 @@
                 </a:solidFill>
                 <a:latin typeface="等线" panose="020F0502020204030204"/>
               </a:rPr>
-              <a:t>2.1 model </a:t>
+              <a:t>2.3 basic model </a:t>
             </a:r>
             <a:r>
               <a:rPr lang="en-US" altLang="zh-CN" sz="2400" b="1" dirty="0" err="1">
@@ -11127,7 +12312,7 @@
               <a:rPr lang="en-US" altLang="zh-CN" sz="2200" b="1" dirty="0">
                 <a:latin typeface="+mn-ea"/>
               </a:rPr>
-              <a:t>2.2 model optimization</a:t>
+              <a:t> </a:t>
             </a:r>
           </a:p>
           <a:p>
@@ -11298,12 +12483,12 @@
                     <a:p>
                       <a:pPr algn="ctr" fontAlgn="b"/>
                       <a:r>
-                        <a:rPr lang="en-US" sz="1600" u="none" strike="noStrike">
+                        <a:rPr lang="en-US" sz="1600" u="none" strike="noStrike" dirty="0">
                           <a:effectLst/>
                         </a:rPr>
                         <a:t>model</a:t>
                       </a:r>
-                      <a:endParaRPr lang="en-US" sz="1600" b="0" i="0" u="none" strike="noStrike">
+                      <a:endParaRPr lang="en-US" sz="1600" b="0" i="0" u="none" strike="noStrike" dirty="0">
                         <a:solidFill>
                           <a:srgbClr val="000000"/>
                         </a:solidFill>
@@ -11832,7 +13017,7 @@
         </p:blipFill>
         <p:spPr>
           <a:xfrm>
-            <a:off x="4067358" y="2588904"/>
+            <a:off x="3987874" y="2588904"/>
             <a:ext cx="3725825" cy="2682121"/>
           </a:xfrm>
           <a:prstGeom prst="rect">
@@ -12470,742 +13655,6 @@
 </p:sld>
 </file>
 
-<file path=ppt/slides/slide6.xml><?xml version="1.0" encoding="utf-8"?>
-<p:sld xmlns:a="http://schemas.openxmlformats.org/drawingml/2006/main" xmlns:r="http://schemas.openxmlformats.org/officeDocument/2006/relationships" xmlns:p="http://schemas.openxmlformats.org/presentationml/2006/main">
-  <p:cSld>
-    <p:spTree>
-      <p:nvGrpSpPr>
-        <p:cNvPr id="1" name=""/>
-        <p:cNvGrpSpPr/>
-        <p:nvPr/>
-      </p:nvGrpSpPr>
-      <p:grpSpPr>
-        <a:xfrm>
-          <a:off x="0" y="0"/>
-          <a:ext cx="0" cy="0"/>
-          <a:chOff x="0" y="0"/>
-          <a:chExt cx="0" cy="0"/>
-        </a:xfrm>
-      </p:grpSpPr>
-      <p:sp>
-        <p:nvSpPr>
-          <p:cNvPr id="2" name="标题 1">
-            <a:extLst>
-              <a:ext uri="{FF2B5EF4-FFF2-40B4-BE49-F238E27FC236}">
-                <a16:creationId xmlns:a16="http://schemas.microsoft.com/office/drawing/2014/main" id="{4C2BB385-4705-4F48-B6AD-E09AB1CBDBD1}"/>
-              </a:ext>
-            </a:extLst>
-          </p:cNvPr>
-          <p:cNvSpPr>
-            <a:spLocks noGrp="1"/>
-          </p:cNvSpPr>
-          <p:nvPr>
-            <p:ph type="title"/>
-          </p:nvPr>
-        </p:nvSpPr>
-        <p:spPr/>
-        <p:txBody>
-          <a:bodyPr>
-            <a:normAutofit/>
-          </a:bodyPr>
-          <a:lstStyle/>
-          <a:p>
-            <a:pPr algn="ctr"/>
-            <a:r>
-              <a:rPr lang="en-US" altLang="zh-CN" sz="4800" b="1" dirty="0">
-                <a:solidFill>
-                  <a:prstClr val="white"/>
-                </a:solidFill>
-                <a:latin typeface="等线 Light" panose="020F0302020204030204"/>
-              </a:rPr>
-              <a:t>3. Advanced model</a:t>
-            </a:r>
-            <a:endParaRPr lang="zh-CN" altLang="en-US" sz="4800" dirty="0"/>
-          </a:p>
-        </p:txBody>
-      </p:sp>
-      <p:sp>
-        <p:nvSpPr>
-          <p:cNvPr id="3" name="内容占位符 2">
-            <a:extLst>
-              <a:ext uri="{FF2B5EF4-FFF2-40B4-BE49-F238E27FC236}">
-                <a16:creationId xmlns:a16="http://schemas.microsoft.com/office/drawing/2014/main" id="{CF8A32D2-2A78-43FE-9003-CDFCDE376294}"/>
-              </a:ext>
-            </a:extLst>
-          </p:cNvPr>
-          <p:cNvSpPr>
-            <a:spLocks noGrp="1"/>
-          </p:cNvSpPr>
-          <p:nvPr>
-            <p:ph idx="1"/>
-          </p:nvPr>
-        </p:nvSpPr>
-        <p:spPr>
-          <a:xfrm>
-            <a:off x="651933" y="1800225"/>
-            <a:ext cx="11023600" cy="4351338"/>
-          </a:xfrm>
-        </p:spPr>
-        <p:txBody>
-          <a:bodyPr>
-            <a:normAutofit fontScale="92500" lnSpcReduction="10000"/>
-          </a:bodyPr>
-          <a:lstStyle/>
-          <a:p>
-            <a:pPr marL="0" lvl="0" indent="0">
-              <a:buNone/>
-            </a:pPr>
-            <a:r>
-              <a:rPr lang="en-US" altLang="zh-CN" sz="3000" b="1" dirty="0">
-                <a:solidFill>
-                  <a:prstClr val="white"/>
-                </a:solidFill>
-                <a:latin typeface="等线" panose="020F0502020204030204"/>
-              </a:rPr>
-              <a:t>3.1 Terminology</a:t>
-            </a:r>
-          </a:p>
-          <a:p>
-            <a:pPr marL="0" lvl="0" indent="0">
-              <a:buNone/>
-            </a:pPr>
-            <a:endParaRPr lang="en-US" altLang="zh-CN" sz="2400" b="1" dirty="0">
-              <a:solidFill>
-                <a:prstClr val="white"/>
-              </a:solidFill>
-              <a:latin typeface="等线" panose="020F0502020204030204"/>
-            </a:endParaRPr>
-          </a:p>
-          <a:p>
-            <a:r>
-              <a:rPr lang="en-US" altLang="zh-CN" sz="2600" b="1" dirty="0"/>
-              <a:t>Hypothesis/model</a:t>
-            </a:r>
-            <a:r>
-              <a:rPr lang="en-US" altLang="zh-CN" sz="2600" dirty="0"/>
-              <a:t>: a certain function that we believe (or hope) is </a:t>
-            </a:r>
-            <a:r>
-              <a:rPr lang="en-US" altLang="zh-CN" sz="2600" dirty="0">
-                <a:solidFill>
-                  <a:srgbClr val="FFFF00"/>
-                </a:solidFill>
-              </a:rPr>
-              <a:t>similar to </a:t>
-            </a:r>
-            <a:r>
-              <a:rPr lang="en-US" altLang="zh-CN" sz="2600" dirty="0"/>
-              <a:t>the true function, the </a:t>
-            </a:r>
-            <a:r>
-              <a:rPr lang="en-US" altLang="zh-CN" sz="2600" dirty="0">
-                <a:solidFill>
-                  <a:srgbClr val="FFFF00"/>
-                </a:solidFill>
-              </a:rPr>
-              <a:t>target function </a:t>
-            </a:r>
-            <a:r>
-              <a:rPr lang="en-US" altLang="zh-CN" sz="2600" dirty="0"/>
-              <a:t>that we want to model. </a:t>
-            </a:r>
-          </a:p>
-          <a:p>
-            <a:r>
-              <a:rPr lang="en-US" altLang="zh-CN" sz="2600" b="1" dirty="0"/>
-              <a:t>Learning algorithm</a:t>
-            </a:r>
-            <a:r>
-              <a:rPr lang="en-US" altLang="zh-CN" sz="2600" dirty="0"/>
-              <a:t>: a set of </a:t>
-            </a:r>
-            <a:r>
-              <a:rPr lang="en-US" altLang="zh-CN" sz="2600" dirty="0">
-                <a:solidFill>
-                  <a:srgbClr val="FFFF00"/>
-                </a:solidFill>
-              </a:rPr>
-              <a:t>instructions</a:t>
-            </a:r>
-            <a:r>
-              <a:rPr lang="en-US" altLang="zh-CN" sz="2600" dirty="0"/>
-              <a:t> that tries to </a:t>
-            </a:r>
-            <a:r>
-              <a:rPr lang="en-US" altLang="zh-CN" sz="2600" dirty="0">
-                <a:solidFill>
-                  <a:srgbClr val="FFFF00"/>
-                </a:solidFill>
-              </a:rPr>
-              <a:t>model the target function</a:t>
-            </a:r>
-            <a:r>
-              <a:rPr lang="en-US" altLang="zh-CN" sz="2600" dirty="0"/>
-              <a:t> using our training dataset.</a:t>
-            </a:r>
-          </a:p>
-          <a:p>
-            <a:r>
-              <a:rPr lang="en-US" altLang="zh-CN" sz="2600" b="1" dirty="0"/>
-              <a:t>Classifier</a:t>
-            </a:r>
-            <a:r>
-              <a:rPr lang="en-US" altLang="zh-CN" sz="2600" dirty="0"/>
-              <a:t>: a </a:t>
-            </a:r>
-            <a:r>
-              <a:rPr lang="en-US" altLang="zh-CN" sz="2600" dirty="0">
-                <a:solidFill>
-                  <a:srgbClr val="FFFF00"/>
-                </a:solidFill>
-              </a:rPr>
-              <a:t>hypothesis</a:t>
-            </a:r>
-            <a:r>
-              <a:rPr lang="en-US" altLang="zh-CN" sz="2600" dirty="0"/>
-              <a:t> or </a:t>
-            </a:r>
-            <a:r>
-              <a:rPr lang="en-US" altLang="zh-CN" sz="2600" dirty="0">
-                <a:solidFill>
-                  <a:srgbClr val="FFFF00"/>
-                </a:solidFill>
-              </a:rPr>
-              <a:t>discrete-valued function </a:t>
-            </a:r>
-            <a:r>
-              <a:rPr lang="en-US" altLang="zh-CN" sz="2600" dirty="0"/>
-              <a:t>which is used to assign (categorical) class labels to particular data points.</a:t>
-            </a:r>
-          </a:p>
-          <a:p>
-            <a:r>
-              <a:rPr lang="en-US" altLang="zh-CN" sz="2600" b="1" dirty="0"/>
-              <a:t>Hyperparameters</a:t>
-            </a:r>
-            <a:r>
-              <a:rPr lang="en-US" altLang="zh-CN" sz="2600" dirty="0"/>
-              <a:t>: </a:t>
-            </a:r>
-            <a:r>
-              <a:rPr lang="en-US" altLang="zh-CN" sz="2600" dirty="0">
-                <a:solidFill>
-                  <a:srgbClr val="FFFF00"/>
-                </a:solidFill>
-              </a:rPr>
-              <a:t>tuning parameters</a:t>
-            </a:r>
-            <a:r>
-              <a:rPr lang="en-US" altLang="zh-CN" sz="2600" dirty="0"/>
-              <a:t> of a machine learning algorithm.</a:t>
-            </a:r>
-          </a:p>
-          <a:p>
-            <a:pPr marL="0" indent="0">
-              <a:buNone/>
-            </a:pPr>
-            <a:r>
-              <a:rPr lang="en-US" altLang="zh-CN" sz="2600" dirty="0"/>
-              <a:t> (while </a:t>
-            </a:r>
-            <a:r>
-              <a:rPr lang="en-US" altLang="zh-CN" sz="2600" b="1" dirty="0"/>
-              <a:t>model parameters </a:t>
-            </a:r>
-            <a:r>
-              <a:rPr lang="en-US" altLang="zh-CN" sz="2600" dirty="0"/>
-              <a:t>are the parameters that a learning algorithm </a:t>
-            </a:r>
-            <a:r>
-              <a:rPr lang="en-US" altLang="zh-CN" sz="2600" dirty="0">
-                <a:solidFill>
-                  <a:srgbClr val="FFFF00"/>
-                </a:solidFill>
-              </a:rPr>
-              <a:t>fits</a:t>
-            </a:r>
-            <a:r>
-              <a:rPr lang="en-US" altLang="zh-CN" sz="2600" dirty="0"/>
-              <a:t> to the training data)</a:t>
-            </a:r>
-          </a:p>
-          <a:p>
-            <a:pPr marL="0" indent="0">
-              <a:buNone/>
-            </a:pPr>
-            <a:endParaRPr lang="en-US" altLang="zh-CN" dirty="0"/>
-          </a:p>
-          <a:p>
-            <a:endParaRPr lang="zh-CN" altLang="en-US" dirty="0"/>
-          </a:p>
-        </p:txBody>
-      </p:sp>
-    </p:spTree>
-    <p:extLst>
-      <p:ext uri="{BB962C8B-B14F-4D97-AF65-F5344CB8AC3E}">
-        <p14:creationId xmlns:p14="http://schemas.microsoft.com/office/powerpoint/2010/main" val="959529873"/>
-      </p:ext>
-    </p:extLst>
-  </p:cSld>
-  <p:clrMapOvr>
-    <a:masterClrMapping/>
-  </p:clrMapOvr>
-  <p:timing>
-    <p:tnLst>
-      <p:par>
-        <p:cTn id="1" dur="indefinite" restart="never" nodeType="tmRoot">
-          <p:childTnLst>
-            <p:seq concurrent="1" nextAc="seek">
-              <p:cTn id="2" dur="indefinite" nodeType="mainSeq">
-                <p:childTnLst>
-                  <p:par>
-                    <p:cTn id="3" fill="hold">
-                      <p:stCondLst>
-                        <p:cond delay="indefinite"/>
-                      </p:stCondLst>
-                      <p:childTnLst>
-                        <p:par>
-                          <p:cTn id="4" fill="hold">
-                            <p:stCondLst>
-                              <p:cond delay="0"/>
-                            </p:stCondLst>
-                            <p:childTnLst>
-                              <p:par>
-                                <p:cTn id="5" presetID="10" presetClass="entr" presetSubtype="0" fill="hold" grpId="0" nodeType="clickEffect">
-                                  <p:stCondLst>
-                                    <p:cond delay="0"/>
-                                  </p:stCondLst>
-                                  <p:childTnLst>
-                                    <p:set>
-                                      <p:cBhvr>
-                                        <p:cTn id="6" dur="1" fill="hold">
-                                          <p:stCondLst>
-                                            <p:cond delay="0"/>
-                                          </p:stCondLst>
-                                        </p:cTn>
-                                        <p:tgtEl>
-                                          <p:spTgt spid="2"/>
-                                        </p:tgtEl>
-                                        <p:attrNameLst>
-                                          <p:attrName>style.visibility</p:attrName>
-                                        </p:attrNameLst>
-                                      </p:cBhvr>
-                                      <p:to>
-                                        <p:strVal val="visible"/>
-                                      </p:to>
-                                    </p:set>
-                                    <p:animEffect transition="in" filter="fade">
-                                      <p:cBhvr>
-                                        <p:cTn id="7" dur="500"/>
-                                        <p:tgtEl>
-                                          <p:spTgt spid="2"/>
-                                        </p:tgtEl>
-                                      </p:cBhvr>
-                                    </p:animEffect>
-                                  </p:childTnLst>
-                                </p:cTn>
-                              </p:par>
-                            </p:childTnLst>
-                          </p:cTn>
-                        </p:par>
-                      </p:childTnLst>
-                    </p:cTn>
-                  </p:par>
-                  <p:par>
-                    <p:cTn id="8" fill="hold">
-                      <p:stCondLst>
-                        <p:cond delay="indefinite"/>
-                      </p:stCondLst>
-                      <p:childTnLst>
-                        <p:par>
-                          <p:cTn id="9" fill="hold">
-                            <p:stCondLst>
-                              <p:cond delay="0"/>
-                            </p:stCondLst>
-                            <p:childTnLst>
-                              <p:par>
-                                <p:cTn id="10" presetID="10" presetClass="entr" presetSubtype="0" fill="hold" grpId="0" nodeType="clickEffect">
-                                  <p:stCondLst>
-                                    <p:cond delay="0"/>
-                                  </p:stCondLst>
-                                  <p:childTnLst>
-                                    <p:set>
-                                      <p:cBhvr>
-                                        <p:cTn id="11" dur="1" fill="hold">
-                                          <p:stCondLst>
-                                            <p:cond delay="0"/>
-                                          </p:stCondLst>
-                                        </p:cTn>
-                                        <p:tgtEl>
-                                          <p:spTgt spid="3">
-                                            <p:txEl>
-                                              <p:pRg st="0" end="0"/>
-                                            </p:txEl>
-                                          </p:spTgt>
-                                        </p:tgtEl>
-                                        <p:attrNameLst>
-                                          <p:attrName>style.visibility</p:attrName>
-                                        </p:attrNameLst>
-                                      </p:cBhvr>
-                                      <p:to>
-                                        <p:strVal val="visible"/>
-                                      </p:to>
-                                    </p:set>
-                                    <p:animEffect transition="in" filter="fade">
-                                      <p:cBhvr>
-                                        <p:cTn id="12" dur="500"/>
-                                        <p:tgtEl>
-                                          <p:spTgt spid="3">
-                                            <p:txEl>
-                                              <p:pRg st="0" end="0"/>
-                                            </p:txEl>
-                                          </p:spTgt>
-                                        </p:tgtEl>
-                                      </p:cBhvr>
-                                    </p:animEffect>
-                                  </p:childTnLst>
-                                </p:cTn>
-                              </p:par>
-                            </p:childTnLst>
-                          </p:cTn>
-                        </p:par>
-                      </p:childTnLst>
-                    </p:cTn>
-                  </p:par>
-                  <p:par>
-                    <p:cTn id="13" fill="hold">
-                      <p:stCondLst>
-                        <p:cond delay="indefinite"/>
-                      </p:stCondLst>
-                      <p:childTnLst>
-                        <p:par>
-                          <p:cTn id="14" fill="hold">
-                            <p:stCondLst>
-                              <p:cond delay="0"/>
-                            </p:stCondLst>
-                            <p:childTnLst>
-                              <p:par>
-                                <p:cTn id="15" presetID="10" presetClass="entr" presetSubtype="0" fill="hold" grpId="0" nodeType="clickEffect">
-                                  <p:stCondLst>
-                                    <p:cond delay="0"/>
-                                  </p:stCondLst>
-                                  <p:childTnLst>
-                                    <p:set>
-                                      <p:cBhvr>
-                                        <p:cTn id="16" dur="1" fill="hold">
-                                          <p:stCondLst>
-                                            <p:cond delay="0"/>
-                                          </p:stCondLst>
-                                        </p:cTn>
-                                        <p:tgtEl>
-                                          <p:spTgt spid="3">
-                                            <p:txEl>
-                                              <p:pRg st="2" end="2"/>
-                                            </p:txEl>
-                                          </p:spTgt>
-                                        </p:tgtEl>
-                                        <p:attrNameLst>
-                                          <p:attrName>style.visibility</p:attrName>
-                                        </p:attrNameLst>
-                                      </p:cBhvr>
-                                      <p:to>
-                                        <p:strVal val="visible"/>
-                                      </p:to>
-                                    </p:set>
-                                    <p:animEffect transition="in" filter="fade">
-                                      <p:cBhvr>
-                                        <p:cTn id="17" dur="500"/>
-                                        <p:tgtEl>
-                                          <p:spTgt spid="3">
-                                            <p:txEl>
-                                              <p:pRg st="2" end="2"/>
-                                            </p:txEl>
-                                          </p:spTgt>
-                                        </p:tgtEl>
-                                      </p:cBhvr>
-                                    </p:animEffect>
-                                  </p:childTnLst>
-                                </p:cTn>
-                              </p:par>
-                            </p:childTnLst>
-                          </p:cTn>
-                        </p:par>
-                      </p:childTnLst>
-                    </p:cTn>
-                  </p:par>
-                  <p:par>
-                    <p:cTn id="18" fill="hold">
-                      <p:stCondLst>
-                        <p:cond delay="indefinite"/>
-                      </p:stCondLst>
-                      <p:childTnLst>
-                        <p:par>
-                          <p:cTn id="19" fill="hold">
-                            <p:stCondLst>
-                              <p:cond delay="0"/>
-                            </p:stCondLst>
-                            <p:childTnLst>
-                              <p:par>
-                                <p:cTn id="20" presetID="10" presetClass="entr" presetSubtype="0" fill="hold" grpId="0" nodeType="clickEffect">
-                                  <p:stCondLst>
-                                    <p:cond delay="0"/>
-                                  </p:stCondLst>
-                                  <p:childTnLst>
-                                    <p:set>
-                                      <p:cBhvr>
-                                        <p:cTn id="21" dur="1" fill="hold">
-                                          <p:stCondLst>
-                                            <p:cond delay="0"/>
-                                          </p:stCondLst>
-                                        </p:cTn>
-                                        <p:tgtEl>
-                                          <p:spTgt spid="3">
-                                            <p:txEl>
-                                              <p:pRg st="3" end="3"/>
-                                            </p:txEl>
-                                          </p:spTgt>
-                                        </p:tgtEl>
-                                        <p:attrNameLst>
-                                          <p:attrName>style.visibility</p:attrName>
-                                        </p:attrNameLst>
-                                      </p:cBhvr>
-                                      <p:to>
-                                        <p:strVal val="visible"/>
-                                      </p:to>
-                                    </p:set>
-                                    <p:animEffect transition="in" filter="fade">
-                                      <p:cBhvr>
-                                        <p:cTn id="22" dur="500"/>
-                                        <p:tgtEl>
-                                          <p:spTgt spid="3">
-                                            <p:txEl>
-                                              <p:pRg st="3" end="3"/>
-                                            </p:txEl>
-                                          </p:spTgt>
-                                        </p:tgtEl>
-                                      </p:cBhvr>
-                                    </p:animEffect>
-                                  </p:childTnLst>
-                                </p:cTn>
-                              </p:par>
-                            </p:childTnLst>
-                          </p:cTn>
-                        </p:par>
-                      </p:childTnLst>
-                    </p:cTn>
-                  </p:par>
-                  <p:par>
-                    <p:cTn id="23" fill="hold">
-                      <p:stCondLst>
-                        <p:cond delay="indefinite"/>
-                      </p:stCondLst>
-                      <p:childTnLst>
-                        <p:par>
-                          <p:cTn id="24" fill="hold">
-                            <p:stCondLst>
-                              <p:cond delay="0"/>
-                            </p:stCondLst>
-                            <p:childTnLst>
-                              <p:par>
-                                <p:cTn id="25" presetID="10" presetClass="entr" presetSubtype="0" fill="hold" grpId="0" nodeType="clickEffect">
-                                  <p:stCondLst>
-                                    <p:cond delay="0"/>
-                                  </p:stCondLst>
-                                  <p:childTnLst>
-                                    <p:set>
-                                      <p:cBhvr>
-                                        <p:cTn id="26" dur="1" fill="hold">
-                                          <p:stCondLst>
-                                            <p:cond delay="0"/>
-                                          </p:stCondLst>
-                                        </p:cTn>
-                                        <p:tgtEl>
-                                          <p:spTgt spid="3">
-                                            <p:txEl>
-                                              <p:pRg st="4" end="4"/>
-                                            </p:txEl>
-                                          </p:spTgt>
-                                        </p:tgtEl>
-                                        <p:attrNameLst>
-                                          <p:attrName>style.visibility</p:attrName>
-                                        </p:attrNameLst>
-                                      </p:cBhvr>
-                                      <p:to>
-                                        <p:strVal val="visible"/>
-                                      </p:to>
-                                    </p:set>
-                                    <p:animEffect transition="in" filter="fade">
-                                      <p:cBhvr>
-                                        <p:cTn id="27" dur="500"/>
-                                        <p:tgtEl>
-                                          <p:spTgt spid="3">
-                                            <p:txEl>
-                                              <p:pRg st="4" end="4"/>
-                                            </p:txEl>
-                                          </p:spTgt>
-                                        </p:tgtEl>
-                                      </p:cBhvr>
-                                    </p:animEffect>
-                                  </p:childTnLst>
-                                </p:cTn>
-                              </p:par>
-                            </p:childTnLst>
-                          </p:cTn>
-                        </p:par>
-                      </p:childTnLst>
-                    </p:cTn>
-                  </p:par>
-                  <p:par>
-                    <p:cTn id="28" fill="hold">
-                      <p:stCondLst>
-                        <p:cond delay="indefinite"/>
-                      </p:stCondLst>
-                      <p:childTnLst>
-                        <p:par>
-                          <p:cTn id="29" fill="hold">
-                            <p:stCondLst>
-                              <p:cond delay="0"/>
-                            </p:stCondLst>
-                            <p:childTnLst>
-                              <p:par>
-                                <p:cTn id="30" presetID="10" presetClass="entr" presetSubtype="0" fill="hold" grpId="0" nodeType="clickEffect">
-                                  <p:stCondLst>
-                                    <p:cond delay="0"/>
-                                  </p:stCondLst>
-                                  <p:childTnLst>
-                                    <p:set>
-                                      <p:cBhvr>
-                                        <p:cTn id="31" dur="1" fill="hold">
-                                          <p:stCondLst>
-                                            <p:cond delay="0"/>
-                                          </p:stCondLst>
-                                        </p:cTn>
-                                        <p:tgtEl>
-                                          <p:spTgt spid="3">
-                                            <p:txEl>
-                                              <p:pRg st="5" end="5"/>
-                                            </p:txEl>
-                                          </p:spTgt>
-                                        </p:tgtEl>
-                                        <p:attrNameLst>
-                                          <p:attrName>style.visibility</p:attrName>
-                                        </p:attrNameLst>
-                                      </p:cBhvr>
-                                      <p:to>
-                                        <p:strVal val="visible"/>
-                                      </p:to>
-                                    </p:set>
-                                    <p:animEffect transition="in" filter="fade">
-                                      <p:cBhvr>
-                                        <p:cTn id="32" dur="500"/>
-                                        <p:tgtEl>
-                                          <p:spTgt spid="3">
-                                            <p:txEl>
-                                              <p:pRg st="5" end="5"/>
-                                            </p:txEl>
-                                          </p:spTgt>
-                                        </p:tgtEl>
-                                      </p:cBhvr>
-                                    </p:animEffect>
-                                  </p:childTnLst>
-                                </p:cTn>
-                              </p:par>
-                            </p:childTnLst>
-                          </p:cTn>
-                        </p:par>
-                      </p:childTnLst>
-                    </p:cTn>
-                  </p:par>
-                  <p:par>
-                    <p:cTn id="33" fill="hold">
-                      <p:stCondLst>
-                        <p:cond delay="indefinite"/>
-                      </p:stCondLst>
-                      <p:childTnLst>
-                        <p:par>
-                          <p:cTn id="34" fill="hold">
-                            <p:stCondLst>
-                              <p:cond delay="0"/>
-                            </p:stCondLst>
-                            <p:childTnLst>
-                              <p:par>
-                                <p:cTn id="35" presetID="10" presetClass="entr" presetSubtype="0" fill="hold" grpId="0" nodeType="clickEffect">
-                                  <p:stCondLst>
-                                    <p:cond delay="0"/>
-                                  </p:stCondLst>
-                                  <p:childTnLst>
-                                    <p:set>
-                                      <p:cBhvr>
-                                        <p:cTn id="36" dur="1" fill="hold">
-                                          <p:stCondLst>
-                                            <p:cond delay="0"/>
-                                          </p:stCondLst>
-                                        </p:cTn>
-                                        <p:tgtEl>
-                                          <p:spTgt spid="3">
-                                            <p:txEl>
-                                              <p:pRg st="6" end="6"/>
-                                            </p:txEl>
-                                          </p:spTgt>
-                                        </p:tgtEl>
-                                        <p:attrNameLst>
-                                          <p:attrName>style.visibility</p:attrName>
-                                        </p:attrNameLst>
-                                      </p:cBhvr>
-                                      <p:to>
-                                        <p:strVal val="visible"/>
-                                      </p:to>
-                                    </p:set>
-                                    <p:animEffect transition="in" filter="fade">
-                                      <p:cBhvr>
-                                        <p:cTn id="37" dur="500"/>
-                                        <p:tgtEl>
-                                          <p:spTgt spid="3">
-                                            <p:txEl>
-                                              <p:pRg st="6" end="6"/>
-                                            </p:txEl>
-                                          </p:spTgt>
-                                        </p:tgtEl>
-                                      </p:cBhvr>
-                                    </p:animEffect>
-                                  </p:childTnLst>
-                                </p:cTn>
-                              </p:par>
-                            </p:childTnLst>
-                          </p:cTn>
-                        </p:par>
-                      </p:childTnLst>
-                    </p:cTn>
-                  </p:par>
-                </p:childTnLst>
-              </p:cTn>
-              <p:prevCondLst>
-                <p:cond evt="onPrev" delay="0">
-                  <p:tgtEl>
-                    <p:sldTgt/>
-                  </p:tgtEl>
-                </p:cond>
-              </p:prevCondLst>
-              <p:nextCondLst>
-                <p:cond evt="onNext" delay="0">
-                  <p:tgtEl>
-                    <p:sldTgt/>
-                  </p:tgtEl>
-                </p:cond>
-              </p:nextCondLst>
-            </p:seq>
-          </p:childTnLst>
-        </p:cTn>
-      </p:par>
-    </p:tnLst>
-    <p:bldLst>
-      <p:bldP spid="2" grpId="0"/>
-      <p:bldP spid="3" grpId="0" build="p"/>
-    </p:bldLst>
-  </p:timing>
-</p:sld>
-</file>
-
 <file path=ppt/slides/slide7.xml><?xml version="1.0" encoding="utf-8"?>
 <p:sld xmlns:a="http://schemas.openxmlformats.org/drawingml/2006/main" xmlns:r="http://schemas.openxmlformats.org/officeDocument/2006/relationships" xmlns:p="http://schemas.openxmlformats.org/presentationml/2006/main">
   <p:cSld>
@@ -13254,7 +13703,7 @@
                 </a:solidFill>
                 <a:latin typeface="等线 Light" panose="020F0302020204030204"/>
               </a:rPr>
-              <a:t>3. Advanced model</a:t>
+              <a:t>2. Model selection</a:t>
             </a:r>
             <a:endParaRPr lang="zh-CN" altLang="en-US" sz="4800" dirty="0"/>
           </a:p>
@@ -13298,7 +13747,7 @@
                 </a:solidFill>
                 <a:latin typeface="等线" panose="020F0502020204030204"/>
               </a:rPr>
-              <a:t>3.2 Advanced model </a:t>
+              <a:t>2.4 Alternative advanced model </a:t>
             </a:r>
           </a:p>
           <a:p>
@@ -13312,7 +13761,7 @@
                 </a:solidFill>
                 <a:latin typeface="等线" panose="020F0502020204030204"/>
               </a:rPr>
-              <a:t>3.2.1 SVM (Linear/RBF kernel)</a:t>
+              <a:t>2.4.1 SVM (Linear/RBF kernel)</a:t>
             </a:r>
           </a:p>
           <a:p>
@@ -14177,7 +14626,7 @@
                 </a:solidFill>
                 <a:latin typeface="等线 Light" panose="020F0302020204030204"/>
               </a:rPr>
-              <a:t>3. Advanced model</a:t>
+              <a:t>2. Model selection</a:t>
             </a:r>
             <a:endParaRPr lang="zh-CN" altLang="en-US" sz="4800" dirty="0"/>
           </a:p>
@@ -14221,7 +14670,7 @@
                 </a:solidFill>
                 <a:latin typeface="等线" panose="020F0502020204030204"/>
               </a:rPr>
-              <a:t>3.2 Advanced model </a:t>
+              <a:t>2.4 Alternative advanced model </a:t>
             </a:r>
           </a:p>
           <a:p>
@@ -14235,7 +14684,7 @@
                 </a:solidFill>
                 <a:latin typeface="等线" panose="020F0502020204030204"/>
               </a:rPr>
-              <a:t>3.2.2  XGBoost (</a:t>
+              <a:t>2.4.2  XGBoost (</a:t>
             </a:r>
             <a:r>
               <a:rPr lang="en-US" altLang="zh-CN" sz="3100" dirty="0"/>
@@ -15113,7 +15562,7 @@
                 </a:solidFill>
                 <a:latin typeface="等线 Light" panose="020F0302020204030204"/>
               </a:rPr>
-              <a:t>3. Advanced model</a:t>
+              <a:t>2. Model selection</a:t>
             </a:r>
             <a:endParaRPr lang="zh-CN" altLang="en-US" sz="4800" dirty="0"/>
           </a:p>
@@ -15157,7 +15606,7 @@
                 </a:solidFill>
                 <a:latin typeface="等线" panose="020F0502020204030204"/>
               </a:rPr>
-              <a:t>3.2 Advanced model </a:t>
+              <a:t>2.4 Alternative advanced model </a:t>
             </a:r>
           </a:p>
           <a:p>
@@ -15171,7 +15620,7 @@
                 </a:solidFill>
                 <a:latin typeface="等线" panose="020F0502020204030204"/>
               </a:rPr>
-              <a:t>3.2.3  CNN (</a:t>
+              <a:t>2.4.3  CNN (</a:t>
             </a:r>
             <a:r>
               <a:rPr lang="en-US" altLang="zh-CN" sz="3600" b="1" dirty="0" err="1">

--- a/doc/model selection and evaluation.pptx
+++ b/doc/model selection and evaluation.pptx
@@ -259,7 +259,7 @@
           <a:p>
             <a:fld id="{2E6FF14C-3C4C-4B29-BC53-B0458A3FF8F0}" type="datetimeFigureOut">
               <a:rPr lang="zh-CN" altLang="en-US" smtClean="0"/>
-              <a:t>2018/3/28</a:t>
+              <a:t>2018/3/30</a:t>
             </a:fld>
             <a:endParaRPr lang="zh-CN" altLang="en-US"/>
           </a:p>
@@ -429,7 +429,7 @@
           <a:p>
             <a:fld id="{2E6FF14C-3C4C-4B29-BC53-B0458A3FF8F0}" type="datetimeFigureOut">
               <a:rPr lang="zh-CN" altLang="en-US" smtClean="0"/>
-              <a:t>2018/3/28</a:t>
+              <a:t>2018/3/30</a:t>
             </a:fld>
             <a:endParaRPr lang="zh-CN" altLang="en-US"/>
           </a:p>
@@ -609,7 +609,7 @@
           <a:p>
             <a:fld id="{2E6FF14C-3C4C-4B29-BC53-B0458A3FF8F0}" type="datetimeFigureOut">
               <a:rPr lang="zh-CN" altLang="en-US" smtClean="0"/>
-              <a:t>2018/3/28</a:t>
+              <a:t>2018/3/30</a:t>
             </a:fld>
             <a:endParaRPr lang="zh-CN" altLang="en-US"/>
           </a:p>
@@ -779,7 +779,7 @@
           <a:p>
             <a:fld id="{2E6FF14C-3C4C-4B29-BC53-B0458A3FF8F0}" type="datetimeFigureOut">
               <a:rPr lang="zh-CN" altLang="en-US" smtClean="0"/>
-              <a:t>2018/3/28</a:t>
+              <a:t>2018/3/30</a:t>
             </a:fld>
             <a:endParaRPr lang="zh-CN" altLang="en-US"/>
           </a:p>
@@ -1025,7 +1025,7 @@
           <a:p>
             <a:fld id="{2E6FF14C-3C4C-4B29-BC53-B0458A3FF8F0}" type="datetimeFigureOut">
               <a:rPr lang="zh-CN" altLang="en-US" smtClean="0"/>
-              <a:t>2018/3/28</a:t>
+              <a:t>2018/3/30</a:t>
             </a:fld>
             <a:endParaRPr lang="zh-CN" altLang="en-US"/>
           </a:p>
@@ -1257,7 +1257,7 @@
           <a:p>
             <a:fld id="{2E6FF14C-3C4C-4B29-BC53-B0458A3FF8F0}" type="datetimeFigureOut">
               <a:rPr lang="zh-CN" altLang="en-US" smtClean="0"/>
-              <a:t>2018/3/28</a:t>
+              <a:t>2018/3/30</a:t>
             </a:fld>
             <a:endParaRPr lang="zh-CN" altLang="en-US"/>
           </a:p>
@@ -1624,7 +1624,7 @@
           <a:p>
             <a:fld id="{2E6FF14C-3C4C-4B29-BC53-B0458A3FF8F0}" type="datetimeFigureOut">
               <a:rPr lang="zh-CN" altLang="en-US" smtClean="0"/>
-              <a:t>2018/3/28</a:t>
+              <a:t>2018/3/30</a:t>
             </a:fld>
             <a:endParaRPr lang="zh-CN" altLang="en-US"/>
           </a:p>
@@ -1742,7 +1742,7 @@
           <a:p>
             <a:fld id="{2E6FF14C-3C4C-4B29-BC53-B0458A3FF8F0}" type="datetimeFigureOut">
               <a:rPr lang="zh-CN" altLang="en-US" smtClean="0"/>
-              <a:t>2018/3/28</a:t>
+              <a:t>2018/3/30</a:t>
             </a:fld>
             <a:endParaRPr lang="zh-CN" altLang="en-US"/>
           </a:p>
@@ -1837,7 +1837,7 @@
           <a:p>
             <a:fld id="{2E6FF14C-3C4C-4B29-BC53-B0458A3FF8F0}" type="datetimeFigureOut">
               <a:rPr lang="zh-CN" altLang="en-US" smtClean="0"/>
-              <a:t>2018/3/28</a:t>
+              <a:t>2018/3/30</a:t>
             </a:fld>
             <a:endParaRPr lang="zh-CN" altLang="en-US"/>
           </a:p>
@@ -2114,7 +2114,7 @@
           <a:p>
             <a:fld id="{2E6FF14C-3C4C-4B29-BC53-B0458A3FF8F0}" type="datetimeFigureOut">
               <a:rPr lang="zh-CN" altLang="en-US" smtClean="0"/>
-              <a:t>2018/3/28</a:t>
+              <a:t>2018/3/30</a:t>
             </a:fld>
             <a:endParaRPr lang="zh-CN" altLang="en-US"/>
           </a:p>
@@ -2371,7 +2371,7 @@
           <a:p>
             <a:fld id="{2E6FF14C-3C4C-4B29-BC53-B0458A3FF8F0}" type="datetimeFigureOut">
               <a:rPr lang="zh-CN" altLang="en-US" smtClean="0"/>
-              <a:t>2018/3/28</a:t>
+              <a:t>2018/3/30</a:t>
             </a:fld>
             <a:endParaRPr lang="zh-CN" altLang="en-US"/>
           </a:p>
@@ -2589,7 +2589,7 @@
           <a:p>
             <a:fld id="{2E6FF14C-3C4C-4B29-BC53-B0458A3FF8F0}" type="datetimeFigureOut">
               <a:rPr lang="zh-CN" altLang="en-US" smtClean="0"/>
-              <a:t>2018/3/28</a:t>
+              <a:t>2018/3/30</a:t>
             </a:fld>
             <a:endParaRPr lang="zh-CN" altLang="en-US"/>
           </a:p>
@@ -3302,10 +3302,15 @@
             <p:ph idx="1"/>
           </p:nvPr>
         </p:nvSpPr>
-        <p:spPr/>
+        <p:spPr>
+          <a:xfrm>
+            <a:off x="838200" y="1825625"/>
+            <a:ext cx="10515600" cy="3863076"/>
+          </a:xfrm>
+        </p:spPr>
         <p:txBody>
           <a:bodyPr>
-            <a:normAutofit/>
+            <a:normAutofit lnSpcReduction="10000"/>
           </a:bodyPr>
           <a:lstStyle/>
           <a:p>
@@ -3407,25 +3412,7 @@
                 </a:solidFill>
                 <a:latin typeface="等线" panose="020F0502020204030204"/>
               </a:rPr>
-              <a:t>SVM (</a:t>
-            </a:r>
-            <a:r>
-              <a:rPr lang="en-US" altLang="zh-CN" sz="2000" b="1">
-                <a:solidFill>
-                  <a:prstClr val="white"/>
-                </a:solidFill>
-                <a:latin typeface="等线" panose="020F0502020204030204"/>
-              </a:rPr>
-              <a:t>Linear 0.41/3.18/0.40s   RBF 2.59/2.45/0.33s</a:t>
-            </a:r>
-            <a:r>
-              <a:rPr lang="en-US" altLang="zh-CN" sz="2000" b="1" dirty="0">
-                <a:solidFill>
-                  <a:prstClr val="white"/>
-                </a:solidFill>
-                <a:latin typeface="等线" panose="020F0502020204030204"/>
-              </a:rPr>
-              <a:t>)  </a:t>
+              <a:t>SVM (Linear 0.41/3.18/0.40s   RBF 2.59/2.45/0.33s)  </a:t>
             </a:r>
           </a:p>
           <a:p>
@@ -3528,13 +3515,13 @@
           <p:nvPr>
             <p:extLst>
               <p:ext uri="{D42A27DB-BD31-4B8C-83A1-F6EECF244321}">
-                <p14:modId xmlns:p14="http://schemas.microsoft.com/office/powerpoint/2010/main" val="2437139582"/>
+                <p14:modId xmlns:p14="http://schemas.microsoft.com/office/powerpoint/2010/main" val="4257628191"/>
               </p:ext>
             </p:extLst>
           </p:nvPr>
         </p:nvGraphicFramePr>
         <p:xfrm>
-          <a:off x="906729" y="5882213"/>
+          <a:off x="939097" y="5518307"/>
           <a:ext cx="10515601" cy="610662"/>
         </p:xfrm>
         <a:graphic>
